--- a/docs/Presentation1.pptx
+++ b/docs/Presentation1.pptx
@@ -14,10 +14,10 @@
     <p:sldId id="256" r:id="rId3"/>
     <p:sldId id="257" r:id="rId4"/>
     <p:sldId id="259" r:id="rId5"/>
-    <p:sldId id="258" r:id="rId6"/>
-    <p:sldId id="260" r:id="rId7"/>
-    <p:sldId id="261" r:id="rId8"/>
-    <p:sldId id="263" r:id="rId9"/>
+    <p:sldId id="265" r:id="rId6"/>
+    <p:sldId id="266" r:id="rId7"/>
+    <p:sldId id="258" r:id="rId8"/>
+    <p:sldId id="261" r:id="rId9"/>
     <p:sldId id="262" r:id="rId10"/>
   </p:sldIdLst>
   <p:sldSz cx="12192000" cy="6858000"/>
@@ -3582,51 +3582,51 @@
           </a:bodyPr>
           <a:p>
             <a:r>
-              <a:rPr lang="" altLang="en-US"/>
+              <a:rPr lang="en-US" altLang="en-US"/>
               <a:t>related work:</a:t>
             </a:r>
-            <a:endParaRPr lang="" altLang="en-US"/>
-          </a:p>
-          <a:p>
-            <a:r>
-              <a:rPr lang="" altLang="en-US"/>
+            <a:endParaRPr lang="en-US" altLang="en-US"/>
+          </a:p>
+          <a:p>
+            <a:r>
+              <a:rPr lang="en-US" altLang="en-US"/>
               <a:t>	Global contrast + local contrast</a:t>
             </a:r>
-            <a:endParaRPr lang="" altLang="en-US"/>
-          </a:p>
-          <a:p>
-            <a:endParaRPr lang="" altLang="en-US"/>
-          </a:p>
-          <a:p>
-            <a:r>
-              <a:rPr lang="" altLang="en-US"/>
+            <a:endParaRPr lang="en-US" altLang="en-US"/>
+          </a:p>
+          <a:p>
+            <a:endParaRPr lang="en-US" altLang="en-US"/>
+          </a:p>
+          <a:p>
+            <a:r>
+              <a:rPr lang="en-US" altLang="en-US"/>
               <a:t>Training processus:</a:t>
             </a:r>
-            <a:endParaRPr lang="" altLang="en-US"/>
-          </a:p>
-          <a:p>
-            <a:r>
-              <a:rPr lang="" altLang="en-US"/>
+            <a:endParaRPr lang="en-US" altLang="en-US"/>
+          </a:p>
+          <a:p>
+            <a:r>
+              <a:rPr lang="en-US" altLang="en-US"/>
               <a:t>pretrain encoder-&gt; pretrain decoder-&gt;</a:t>
             </a:r>
-            <a:endParaRPr lang="" altLang="en-US"/>
-          </a:p>
-          <a:p>
-            <a:r>
-              <a:rPr lang="" altLang="en-US"/>
+            <a:endParaRPr lang="en-US" altLang="en-US"/>
+          </a:p>
+          <a:p>
+            <a:r>
+              <a:rPr lang="en-US" altLang="en-US"/>
               <a:t>finetuning all the network using small xtr and xvl</a:t>
             </a:r>
-            <a:endParaRPr lang="" altLang="en-US"/>
-          </a:p>
-          <a:p>
-            <a:r>
-              <a:rPr lang="" altLang="en-US"/>
+            <a:endParaRPr lang="en-US" altLang="en-US"/>
+          </a:p>
+          <a:p>
+            <a:r>
+              <a:rPr lang="en-US" altLang="en-US"/>
               <a:t>and report the values on a large test set.</a:t>
             </a:r>
-            <a:endParaRPr lang="" altLang="en-US"/>
-          </a:p>
-          <a:p>
-            <a:endParaRPr lang="" altLang="en-US"/>
+            <a:endParaRPr lang="en-US" altLang="en-US"/>
+          </a:p>
+          <a:p>
+            <a:endParaRPr lang="en-US" altLang="en-US"/>
           </a:p>
         </p:txBody>
       </p:sp>
@@ -3652,36 +3652,36 @@
           </a:bodyPr>
           <a:p>
             <a:r>
-              <a:rPr lang="" altLang="en-US"/>
+              <a:rPr lang="en-US" altLang="en-US"/>
               <a:t>data from the same dataset</a:t>
             </a:r>
-            <a:endParaRPr lang="" altLang="en-US"/>
-          </a:p>
-          <a:p>
-            <a:endParaRPr lang="" altLang="en-US"/>
-          </a:p>
-          <a:p>
-            <a:r>
-              <a:rPr lang="" altLang="en-US"/>
+            <a:endParaRPr lang="en-US" altLang="en-US"/>
+          </a:p>
+          <a:p>
+            <a:endParaRPr lang="en-US" altLang="en-US"/>
+          </a:p>
+          <a:p>
+            <a:r>
+              <a:rPr lang="en-US" altLang="en-US"/>
               <a:t>slices are roughly aligned within patients. </a:t>
             </a:r>
-            <a:endParaRPr lang="" altLang="en-US"/>
-          </a:p>
-          <a:p>
-            <a:endParaRPr lang="" altLang="en-US"/>
-          </a:p>
-          <a:p>
-            <a:endParaRPr lang="" altLang="en-US"/>
-          </a:p>
-          <a:p>
-            <a:endParaRPr lang="" altLang="en-US"/>
-          </a:p>
-          <a:p>
-            <a:r>
-              <a:rPr lang="" altLang="en-US"/>
+            <a:endParaRPr lang="en-US" altLang="en-US"/>
+          </a:p>
+          <a:p>
+            <a:endParaRPr lang="en-US" altLang="en-US"/>
+          </a:p>
+          <a:p>
+            <a:endParaRPr lang="en-US" altLang="en-US"/>
+          </a:p>
+          <a:p>
+            <a:endParaRPr lang="en-US" altLang="en-US"/>
+          </a:p>
+          <a:p>
+            <a:r>
+              <a:rPr lang="en-US" altLang="en-US"/>
               <a:t>what sort of  repsetnetatin of the output which maximize theMI and not senseible to the misalignment. </a:t>
             </a:r>
-            <a:endParaRPr lang="" altLang="en-US"/>
+            <a:endParaRPr lang="en-US" altLang="en-US"/>
           </a:p>
         </p:txBody>
       </p:sp>
@@ -3725,17 +3725,17 @@
           </a:bodyPr>
           <a:p>
             <a:r>
-              <a:rPr lang="" altLang="en-US"/>
+              <a:rPr lang="en-US" altLang="en-US"/>
               <a:t>My progress:</a:t>
             </a:r>
-            <a:endParaRPr lang="" altLang="en-US"/>
-          </a:p>
-          <a:p>
-            <a:r>
-              <a:rPr lang="" altLang="en-US"/>
+            <a:endParaRPr lang="en-US" altLang="en-US"/>
+          </a:p>
+          <a:p>
+            <a:r>
+              <a:rPr lang="en-US" altLang="en-US"/>
               <a:t>1. we use ACDC dataset as the same as theirs.</a:t>
             </a:r>
-            <a:endParaRPr lang="" altLang="en-US"/>
+            <a:endParaRPr lang="en-US" altLang="en-US"/>
           </a:p>
         </p:txBody>
       </p:sp>
@@ -3761,16 +3761,16 @@
           </a:bodyPr>
           <a:p>
             <a:r>
-              <a:rPr lang="" altLang="en-US"/>
+              <a:rPr lang="en-US" altLang="en-US"/>
               <a:t>Patient 1</a:t>
             </a:r>
-            <a:endParaRPr lang="" altLang="en-US"/>
-          </a:p>
-          <a:p>
-            <a:endParaRPr lang="" altLang="en-US"/>
-          </a:p>
-          <a:p>
-            <a:endParaRPr lang="" altLang="en-US"/>
+            <a:endParaRPr lang="en-US" altLang="en-US"/>
+          </a:p>
+          <a:p>
+            <a:endParaRPr lang="en-US" altLang="en-US"/>
+          </a:p>
+          <a:p>
+            <a:endParaRPr lang="en-US" altLang="en-US"/>
           </a:p>
         </p:txBody>
       </p:sp>
@@ -3797,16 +3797,12 @@
           <a:p>
             <a:r>
               <a:rPr lang="en-US" altLang="en-US"/>
-              <a:t>Patient </a:t>
-            </a:r>
-            <a:r>
-              <a:rPr lang="" altLang="en-US"/>
-              <a:t>2</a:t>
-            </a:r>
-            <a:endParaRPr lang="" altLang="en-US"/>
-          </a:p>
-          <a:p>
-            <a:endParaRPr lang="" altLang="en-US"/>
+              <a:t>Patient 2</a:t>
+            </a:r>
+            <a:endParaRPr lang="en-US" altLang="en-US"/>
+          </a:p>
+          <a:p>
+            <a:endParaRPr lang="en-US" altLang="en-US"/>
           </a:p>
         </p:txBody>
       </p:sp>
@@ -3832,10 +3828,10 @@
           </a:bodyPr>
           <a:p>
             <a:r>
-              <a:rPr lang="" altLang="en-US"/>
+              <a:rPr lang="en-US" altLang="en-US"/>
               <a:t>Partition1</a:t>
             </a:r>
-            <a:endParaRPr lang="" altLang="en-US"/>
+            <a:endParaRPr lang="en-US" altLang="en-US"/>
           </a:p>
         </p:txBody>
       </p:sp>
@@ -3862,13 +3858,9 @@
           <a:p>
             <a:r>
               <a:rPr lang="en-US" altLang="en-US"/>
-              <a:t>Partition</a:t>
-            </a:r>
-            <a:r>
-              <a:rPr lang="" altLang="en-US"/>
-              <a:t>2</a:t>
-            </a:r>
-            <a:endParaRPr lang="" altLang="en-US"/>
+              <a:t>Partition2</a:t>
+            </a:r>
+            <a:endParaRPr lang="en-US" altLang="en-US"/>
           </a:p>
         </p:txBody>
       </p:sp>
@@ -3895,13 +3887,9 @@
           <a:p>
             <a:r>
               <a:rPr lang="en-US" altLang="en-US"/>
-              <a:t>Partition</a:t>
-            </a:r>
-            <a:r>
-              <a:rPr lang="" altLang="en-US"/>
-              <a:t>3</a:t>
-            </a:r>
-            <a:endParaRPr lang="" altLang="en-US"/>
+              <a:t>Partition3</a:t>
+            </a:r>
+            <a:endParaRPr lang="en-US" altLang="en-US"/>
           </a:p>
         </p:txBody>
       </p:sp>
@@ -4058,7 +4046,7 @@
           </a:stretch>
         </p:blipFill>
         <p:spPr>
-          <a:xfrm>
+          <a:xfrm rot="16200000">
             <a:off x="1140460" y="3324860"/>
             <a:ext cx="812165" cy="862330"/>
           </a:xfrm>
@@ -4108,10 +4096,10 @@
           <a:bodyPr/>
           <a:p>
             <a:r>
-              <a:rPr lang="" altLang="en-US"/>
+              <a:rPr lang="en-US" altLang="en-US"/>
               <a:t>network architecture</a:t>
             </a:r>
-            <a:endParaRPr lang="" altLang="en-US"/>
+            <a:endParaRPr lang="en-US" altLang="en-US"/>
           </a:p>
         </p:txBody>
       </p:sp>
@@ -4303,10 +4291,10 @@
           </a:bodyPr>
           <a:p>
             <a:r>
-              <a:rPr lang="" altLang="en-US" sz="1200"/>
+              <a:rPr lang="en-US" altLang="en-US" sz="1200"/>
               <a:t>anchor</a:t>
             </a:r>
-            <a:endParaRPr lang="" altLang="en-US" sz="1200"/>
+            <a:endParaRPr lang="en-US" altLang="en-US" sz="1200"/>
           </a:p>
         </p:txBody>
       </p:sp>
@@ -4332,10 +4320,10 @@
           </a:bodyPr>
           <a:p>
             <a:r>
-              <a:rPr lang="" altLang="en-US" sz="1200"/>
+              <a:rPr lang="en-US" altLang="en-US" sz="1200"/>
               <a:t>positive</a:t>
             </a:r>
-            <a:endParaRPr lang="" altLang="en-US" sz="1200"/>
+            <a:endParaRPr lang="en-US" altLang="en-US" sz="1200"/>
           </a:p>
         </p:txBody>
       </p:sp>
@@ -4361,10 +4349,10 @@
           </a:bodyPr>
           <a:p>
             <a:r>
-              <a:rPr lang="" altLang="en-US" sz="1200"/>
+              <a:rPr lang="en-US" altLang="en-US" sz="1200"/>
               <a:t>negative</a:t>
             </a:r>
-            <a:endParaRPr lang="" altLang="en-US" sz="1200"/>
+            <a:endParaRPr lang="en-US" altLang="en-US" sz="1200"/>
           </a:p>
         </p:txBody>
       </p:sp>
@@ -4482,36 +4470,36 @@
           </a:bodyPr>
           <a:p>
             <a:r>
-              <a:rPr lang="" altLang="en-US" i="1"/>
+              <a:rPr lang="en-US" altLang="en-US" i="1"/>
               <a:t>e</a:t>
             </a:r>
             <a:r>
-              <a:rPr lang="" altLang="en-US" baseline="-25000"/>
+              <a:rPr lang="en-US" altLang="en-US" baseline="-25000"/>
               <a:t>anc</a:t>
             </a:r>
-            <a:endParaRPr lang="" altLang="en-US"/>
-          </a:p>
-          <a:p>
-            <a:r>
-              <a:rPr lang="" altLang="en-US" i="1"/>
+            <a:endParaRPr lang="en-US" altLang="en-US"/>
+          </a:p>
+          <a:p>
+            <a:r>
+              <a:rPr lang="en-US" altLang="en-US" i="1"/>
               <a:t>e</a:t>
             </a:r>
             <a:r>
-              <a:rPr lang="" altLang="en-US" baseline="-25000"/>
+              <a:rPr lang="en-US" altLang="en-US" baseline="-25000"/>
               <a:t>pos</a:t>
             </a:r>
-            <a:endParaRPr lang="" altLang="en-US"/>
-          </a:p>
-          <a:p>
-            <a:r>
-              <a:rPr lang="" altLang="en-US" i="1"/>
+            <a:endParaRPr lang="en-US" altLang="en-US"/>
+          </a:p>
+          <a:p>
+            <a:r>
+              <a:rPr lang="en-US" altLang="en-US" i="1"/>
               <a:t>e</a:t>
             </a:r>
             <a:r>
-              <a:rPr lang="" altLang="en-US" baseline="-25000"/>
+              <a:rPr lang="en-US" altLang="en-US" baseline="-25000"/>
               <a:t>neg</a:t>
             </a:r>
-            <a:endParaRPr lang="" altLang="en-US" baseline="-25000"/>
+            <a:endParaRPr lang="en-US" altLang="en-US" baseline="-25000"/>
           </a:p>
         </p:txBody>
       </p:sp>
@@ -4891,7 +4879,7 @@
           </a:bodyPr>
           <a:p>
             <a:r>
-              <a:rPr lang="" altLang="en-US" i="1"/>
+              <a:rPr lang="en-US" altLang="en-US" i="1"/>
               <a:t>d</a:t>
             </a:r>
             <a:r>
@@ -4902,7 +4890,7 @@
           </a:p>
           <a:p>
             <a:r>
-              <a:rPr lang="" altLang="en-US" i="1"/>
+              <a:rPr lang="en-US" altLang="en-US" i="1"/>
               <a:t>d</a:t>
             </a:r>
             <a:r>
@@ -4913,7 +4901,7 @@
           </a:p>
           <a:p>
             <a:r>
-              <a:rPr lang="" altLang="en-US" i="1"/>
+              <a:rPr lang="en-US" altLang="en-US" i="1"/>
               <a:t>d</a:t>
             </a:r>
             <a:r>
@@ -5024,10 +5012,10 @@
           </a:bodyPr>
           <a:p>
             <a:r>
-              <a:rPr lang="" altLang="en-US"/>
+              <a:rPr lang="en-US" altLang="en-US"/>
               <a:t>local contrast</a:t>
             </a:r>
-            <a:endParaRPr lang="" altLang="en-US"/>
+            <a:endParaRPr lang="en-US" altLang="en-US"/>
           </a:p>
         </p:txBody>
       </p:sp>
@@ -5053,12 +5041,8 @@
           </a:bodyPr>
           <a:p>
             <a:r>
-              <a:rPr lang="" altLang="en-US"/>
-              <a:t>global</a:t>
-            </a:r>
-            <a:r>
               <a:rPr lang="en-US" altLang="en-US"/>
-              <a:t> contrast</a:t>
+              <a:t>global contrast</a:t>
             </a:r>
             <a:endParaRPr lang="en-US" altLang="en-US"/>
           </a:p>
@@ -5134,10 +5118,572 @@
           </a:bodyPr>
           <a:p>
             <a:r>
-              <a:rPr lang="" altLang="en-US"/>
+              <a:rPr lang="en-US" altLang="en-US"/>
               <a:t>encoder</a:t>
             </a:r>
-            <a:endParaRPr lang="" altLang="en-US"/>
+            <a:endParaRPr lang="en-US" altLang="en-US"/>
+          </a:p>
+        </p:txBody>
+      </p:sp>
+      <p:sp>
+        <p:nvSpPr>
+          <p:cNvPr id="48" name="Rectangle 47"/>
+          <p:cNvSpPr/>
+          <p:nvPr/>
+        </p:nvSpPr>
+        <p:spPr>
+          <a:xfrm>
+            <a:off x="8274050" y="2186940"/>
+            <a:ext cx="197485" cy="182245"/>
+          </a:xfrm>
+          <a:prstGeom prst="rect">
+            <a:avLst/>
+          </a:prstGeom>
+          <a:solidFill>
+            <a:schemeClr val="tx2">
+              <a:lumMod val="60000"/>
+              <a:lumOff val="40000"/>
+            </a:schemeClr>
+          </a:solidFill>
+          <a:ln>
+            <a:noFill/>
+          </a:ln>
+        </p:spPr>
+        <p:style>
+          <a:lnRef idx="2">
+            <a:schemeClr val="accent1">
+              <a:shade val="50000"/>
+            </a:schemeClr>
+          </a:lnRef>
+          <a:fillRef idx="1">
+            <a:schemeClr val="accent1"/>
+          </a:fillRef>
+          <a:effectRef idx="0">
+            <a:schemeClr val="accent1"/>
+          </a:effectRef>
+          <a:fontRef idx="minor">
+            <a:schemeClr val="lt1"/>
+          </a:fontRef>
+        </p:style>
+        <p:txBody>
+          <a:bodyPr rtlCol="0" anchor="ctr"/>
+          <a:p>
+            <a:pPr algn="ctr"/>
+            <a:endParaRPr lang="en-US"/>
+          </a:p>
+        </p:txBody>
+      </p:sp>
+      <p:sp>
+        <p:nvSpPr>
+          <p:cNvPr id="49" name="Rectangle 48"/>
+          <p:cNvSpPr/>
+          <p:nvPr/>
+        </p:nvSpPr>
+        <p:spPr>
+          <a:xfrm>
+            <a:off x="8683625" y="2196465"/>
+            <a:ext cx="197485" cy="182245"/>
+          </a:xfrm>
+          <a:prstGeom prst="rect">
+            <a:avLst/>
+          </a:prstGeom>
+          <a:solidFill>
+            <a:schemeClr val="accent4">
+              <a:lumMod val="60000"/>
+              <a:lumOff val="40000"/>
+            </a:schemeClr>
+          </a:solidFill>
+          <a:ln>
+            <a:noFill/>
+          </a:ln>
+        </p:spPr>
+        <p:style>
+          <a:lnRef idx="2">
+            <a:schemeClr val="accent1">
+              <a:shade val="50000"/>
+            </a:schemeClr>
+          </a:lnRef>
+          <a:fillRef idx="1">
+            <a:schemeClr val="accent1"/>
+          </a:fillRef>
+          <a:effectRef idx="0">
+            <a:schemeClr val="accent1"/>
+          </a:effectRef>
+          <a:fontRef idx="minor">
+            <a:schemeClr val="lt1"/>
+          </a:fontRef>
+        </p:style>
+        <p:txBody>
+          <a:bodyPr rtlCol="0" anchor="ctr"/>
+          <a:p>
+            <a:pPr algn="ctr"/>
+            <a:endParaRPr lang="en-US"/>
+          </a:p>
+        </p:txBody>
+      </p:sp>
+      <p:sp>
+        <p:nvSpPr>
+          <p:cNvPr id="50" name="Rectangle 49"/>
+          <p:cNvSpPr/>
+          <p:nvPr/>
+        </p:nvSpPr>
+        <p:spPr>
+          <a:xfrm>
+            <a:off x="8735695" y="2533015"/>
+            <a:ext cx="197485" cy="182245"/>
+          </a:xfrm>
+          <a:prstGeom prst="rect">
+            <a:avLst/>
+          </a:prstGeom>
+          <a:solidFill>
+            <a:schemeClr val="accent2">
+              <a:lumMod val="75000"/>
+            </a:schemeClr>
+          </a:solidFill>
+          <a:ln>
+            <a:noFill/>
+          </a:ln>
+        </p:spPr>
+        <p:style>
+          <a:lnRef idx="2">
+            <a:schemeClr val="accent1">
+              <a:shade val="50000"/>
+            </a:schemeClr>
+          </a:lnRef>
+          <a:fillRef idx="1">
+            <a:schemeClr val="accent1"/>
+          </a:fillRef>
+          <a:effectRef idx="0">
+            <a:schemeClr val="accent1"/>
+          </a:effectRef>
+          <a:fontRef idx="minor">
+            <a:schemeClr val="lt1"/>
+          </a:fontRef>
+        </p:style>
+        <p:txBody>
+          <a:bodyPr rtlCol="0" anchor="ctr"/>
+          <a:p>
+            <a:pPr algn="ctr"/>
+            <a:endParaRPr lang="en-US"/>
+          </a:p>
+        </p:txBody>
+      </p:sp>
+      <p:sp>
+        <p:nvSpPr>
+          <p:cNvPr id="51" name="Rectangle 50"/>
+          <p:cNvSpPr/>
+          <p:nvPr/>
+        </p:nvSpPr>
+        <p:spPr>
+          <a:xfrm>
+            <a:off x="8284845" y="2533015"/>
+            <a:ext cx="197485" cy="182245"/>
+          </a:xfrm>
+          <a:prstGeom prst="rect">
+            <a:avLst/>
+          </a:prstGeom>
+          <a:solidFill>
+            <a:schemeClr val="accent1">
+              <a:lumMod val="75000"/>
+            </a:schemeClr>
+          </a:solidFill>
+          <a:ln>
+            <a:noFill/>
+          </a:ln>
+        </p:spPr>
+        <p:style>
+          <a:lnRef idx="2">
+            <a:schemeClr val="accent1">
+              <a:shade val="50000"/>
+            </a:schemeClr>
+          </a:lnRef>
+          <a:fillRef idx="1">
+            <a:schemeClr val="accent1"/>
+          </a:fillRef>
+          <a:effectRef idx="0">
+            <a:schemeClr val="accent1"/>
+          </a:effectRef>
+          <a:fontRef idx="minor">
+            <a:schemeClr val="lt1"/>
+          </a:fontRef>
+        </p:style>
+        <p:txBody>
+          <a:bodyPr rtlCol="0" anchor="ctr"/>
+          <a:p>
+            <a:pPr algn="ctr"/>
+            <a:endParaRPr lang="en-US"/>
+          </a:p>
+        </p:txBody>
+      </p:sp>
+      <p:sp>
+        <p:nvSpPr>
+          <p:cNvPr id="3" name="Rectangle 2"/>
+          <p:cNvSpPr/>
+          <p:nvPr/>
+        </p:nvSpPr>
+        <p:spPr>
+          <a:xfrm>
+            <a:off x="8326120" y="4478655"/>
+            <a:ext cx="197485" cy="182245"/>
+          </a:xfrm>
+          <a:prstGeom prst="rect">
+            <a:avLst/>
+          </a:prstGeom>
+          <a:solidFill>
+            <a:schemeClr val="accent6">
+              <a:lumMod val="50000"/>
+            </a:schemeClr>
+          </a:solidFill>
+        </p:spPr>
+        <p:style>
+          <a:lnRef idx="2">
+            <a:schemeClr val="accent1">
+              <a:shade val="50000"/>
+            </a:schemeClr>
+          </a:lnRef>
+          <a:fillRef idx="1">
+            <a:schemeClr val="accent1"/>
+          </a:fillRef>
+          <a:effectRef idx="0">
+            <a:schemeClr val="accent1"/>
+          </a:effectRef>
+          <a:fontRef idx="minor">
+            <a:schemeClr val="lt1"/>
+          </a:fontRef>
+        </p:style>
+        <p:txBody>
+          <a:bodyPr rtlCol="0" anchor="ctr"/>
+          <a:p>
+            <a:pPr algn="ctr"/>
+            <a:endParaRPr lang="en-US"/>
+          </a:p>
+        </p:txBody>
+      </p:sp>
+      <p:sp>
+        <p:nvSpPr>
+          <p:cNvPr id="9" name="Rectangle 8"/>
+          <p:cNvSpPr/>
+          <p:nvPr/>
+        </p:nvSpPr>
+        <p:spPr>
+          <a:xfrm>
+            <a:off x="8735695" y="4488180"/>
+            <a:ext cx="197485" cy="182245"/>
+          </a:xfrm>
+          <a:prstGeom prst="rect">
+            <a:avLst/>
+          </a:prstGeom>
+          <a:solidFill>
+            <a:schemeClr val="tx1">
+              <a:lumMod val="75000"/>
+              <a:lumOff val="25000"/>
+            </a:schemeClr>
+          </a:solidFill>
+          <a:ln>
+            <a:noFill/>
+          </a:ln>
+        </p:spPr>
+        <p:style>
+          <a:lnRef idx="2">
+            <a:schemeClr val="accent1">
+              <a:shade val="50000"/>
+            </a:schemeClr>
+          </a:lnRef>
+          <a:fillRef idx="1">
+            <a:schemeClr val="accent1"/>
+          </a:fillRef>
+          <a:effectRef idx="0">
+            <a:schemeClr val="accent1"/>
+          </a:effectRef>
+          <a:fontRef idx="minor">
+            <a:schemeClr val="lt1"/>
+          </a:fontRef>
+        </p:style>
+        <p:txBody>
+          <a:bodyPr rtlCol="0" anchor="ctr"/>
+          <a:p>
+            <a:pPr algn="ctr"/>
+            <a:endParaRPr lang="en-US"/>
+          </a:p>
+        </p:txBody>
+      </p:sp>
+      <p:sp>
+        <p:nvSpPr>
+          <p:cNvPr id="13" name="Rectangle 12"/>
+          <p:cNvSpPr/>
+          <p:nvPr/>
+        </p:nvSpPr>
+        <p:spPr>
+          <a:xfrm>
+            <a:off x="8791575" y="4824730"/>
+            <a:ext cx="197485" cy="182245"/>
+          </a:xfrm>
+          <a:prstGeom prst="rect">
+            <a:avLst/>
+          </a:prstGeom>
+          <a:solidFill>
+            <a:schemeClr val="accent2">
+              <a:lumMod val="20000"/>
+              <a:lumOff val="80000"/>
+            </a:schemeClr>
+          </a:solidFill>
+        </p:spPr>
+        <p:style>
+          <a:lnRef idx="2">
+            <a:schemeClr val="accent1">
+              <a:shade val="50000"/>
+            </a:schemeClr>
+          </a:lnRef>
+          <a:fillRef idx="1">
+            <a:schemeClr val="accent1"/>
+          </a:fillRef>
+          <a:effectRef idx="0">
+            <a:schemeClr val="accent1"/>
+          </a:effectRef>
+          <a:fontRef idx="minor">
+            <a:schemeClr val="lt1"/>
+          </a:fontRef>
+        </p:style>
+        <p:txBody>
+          <a:bodyPr rtlCol="0" anchor="ctr"/>
+          <a:p>
+            <a:pPr algn="ctr"/>
+            <a:endParaRPr lang="en-US"/>
+          </a:p>
+        </p:txBody>
+      </p:sp>
+      <p:sp>
+        <p:nvSpPr>
+          <p:cNvPr id="14" name="Rectangle 13"/>
+          <p:cNvSpPr/>
+          <p:nvPr/>
+        </p:nvSpPr>
+        <p:spPr>
+          <a:xfrm>
+            <a:off x="8336915" y="4824730"/>
+            <a:ext cx="197485" cy="182245"/>
+          </a:xfrm>
+          <a:prstGeom prst="rect">
+            <a:avLst/>
+          </a:prstGeom>
+          <a:solidFill>
+            <a:schemeClr val="accent6">
+              <a:lumMod val="20000"/>
+              <a:lumOff val="80000"/>
+            </a:schemeClr>
+          </a:solidFill>
+        </p:spPr>
+        <p:style>
+          <a:lnRef idx="2">
+            <a:schemeClr val="accent1">
+              <a:shade val="50000"/>
+            </a:schemeClr>
+          </a:lnRef>
+          <a:fillRef idx="1">
+            <a:schemeClr val="accent1"/>
+          </a:fillRef>
+          <a:effectRef idx="0">
+            <a:schemeClr val="accent1"/>
+          </a:effectRef>
+          <a:fontRef idx="minor">
+            <a:schemeClr val="lt1"/>
+          </a:fontRef>
+        </p:style>
+        <p:txBody>
+          <a:bodyPr rtlCol="0" anchor="ctr"/>
+          <a:p>
+            <a:pPr algn="ctr"/>
+            <a:endParaRPr lang="en-US"/>
+          </a:p>
+        </p:txBody>
+      </p:sp>
+      <p:sp>
+        <p:nvSpPr>
+          <p:cNvPr id="57" name="Rectangle 56"/>
+          <p:cNvSpPr/>
+          <p:nvPr/>
+        </p:nvSpPr>
+        <p:spPr>
+          <a:xfrm>
+            <a:off x="8329930" y="3345180"/>
+            <a:ext cx="197485" cy="182245"/>
+          </a:xfrm>
+          <a:prstGeom prst="rect">
+            <a:avLst/>
+          </a:prstGeom>
+          <a:solidFill>
+            <a:schemeClr val="tx2">
+              <a:lumMod val="60000"/>
+              <a:lumOff val="40000"/>
+            </a:schemeClr>
+          </a:solidFill>
+          <a:ln>
+            <a:noFill/>
+          </a:ln>
+        </p:spPr>
+        <p:style>
+          <a:lnRef idx="2">
+            <a:schemeClr val="accent1">
+              <a:shade val="50000"/>
+            </a:schemeClr>
+          </a:lnRef>
+          <a:fillRef idx="1">
+            <a:schemeClr val="accent1"/>
+          </a:fillRef>
+          <a:effectRef idx="0">
+            <a:schemeClr val="accent1"/>
+          </a:effectRef>
+          <a:fontRef idx="minor">
+            <a:schemeClr val="lt1"/>
+          </a:fontRef>
+        </p:style>
+        <p:txBody>
+          <a:bodyPr rtlCol="0" anchor="ctr"/>
+          <a:p>
+            <a:pPr algn="ctr"/>
+            <a:endParaRPr lang="en-US"/>
+          </a:p>
+        </p:txBody>
+      </p:sp>
+      <p:sp>
+        <p:nvSpPr>
+          <p:cNvPr id="58" name="Rectangle 57"/>
+          <p:cNvSpPr/>
+          <p:nvPr/>
+        </p:nvSpPr>
+        <p:spPr>
+          <a:xfrm>
+            <a:off x="8739505" y="3354705"/>
+            <a:ext cx="197485" cy="182245"/>
+          </a:xfrm>
+          <a:prstGeom prst="rect">
+            <a:avLst/>
+          </a:prstGeom>
+          <a:solidFill>
+            <a:schemeClr val="accent4">
+              <a:lumMod val="60000"/>
+              <a:lumOff val="40000"/>
+            </a:schemeClr>
+          </a:solidFill>
+          <a:ln>
+            <a:noFill/>
+          </a:ln>
+        </p:spPr>
+        <p:style>
+          <a:lnRef idx="2">
+            <a:schemeClr val="accent1">
+              <a:shade val="50000"/>
+            </a:schemeClr>
+          </a:lnRef>
+          <a:fillRef idx="1">
+            <a:schemeClr val="accent1"/>
+          </a:fillRef>
+          <a:effectRef idx="0">
+            <a:schemeClr val="accent1"/>
+          </a:effectRef>
+          <a:fontRef idx="minor">
+            <a:schemeClr val="lt1"/>
+          </a:fontRef>
+        </p:style>
+        <p:txBody>
+          <a:bodyPr rtlCol="0" anchor="ctr"/>
+          <a:p>
+            <a:pPr algn="ctr"/>
+            <a:endParaRPr lang="en-US"/>
+          </a:p>
+        </p:txBody>
+      </p:sp>
+      <p:sp>
+        <p:nvSpPr>
+          <p:cNvPr id="59" name="Rectangle 58"/>
+          <p:cNvSpPr/>
+          <p:nvPr/>
+        </p:nvSpPr>
+        <p:spPr>
+          <a:xfrm>
+            <a:off x="8791575" y="3691255"/>
+            <a:ext cx="197485" cy="182245"/>
+          </a:xfrm>
+          <a:prstGeom prst="rect">
+            <a:avLst/>
+          </a:prstGeom>
+          <a:solidFill>
+            <a:schemeClr val="accent2">
+              <a:lumMod val="75000"/>
+            </a:schemeClr>
+          </a:solidFill>
+          <a:ln>
+            <a:noFill/>
+          </a:ln>
+        </p:spPr>
+        <p:style>
+          <a:lnRef idx="2">
+            <a:schemeClr val="accent1">
+              <a:shade val="50000"/>
+            </a:schemeClr>
+          </a:lnRef>
+          <a:fillRef idx="1">
+            <a:schemeClr val="accent1"/>
+          </a:fillRef>
+          <a:effectRef idx="0">
+            <a:schemeClr val="accent1"/>
+          </a:effectRef>
+          <a:fontRef idx="minor">
+            <a:schemeClr val="lt1"/>
+          </a:fontRef>
+        </p:style>
+        <p:txBody>
+          <a:bodyPr rtlCol="0" anchor="ctr"/>
+          <a:p>
+            <a:pPr algn="ctr"/>
+            <a:endParaRPr lang="en-US"/>
+          </a:p>
+        </p:txBody>
+      </p:sp>
+      <p:sp>
+        <p:nvSpPr>
+          <p:cNvPr id="60" name="Rectangle 59"/>
+          <p:cNvSpPr/>
+          <p:nvPr/>
+        </p:nvSpPr>
+        <p:spPr>
+          <a:xfrm>
+            <a:off x="8340725" y="3691255"/>
+            <a:ext cx="197485" cy="182245"/>
+          </a:xfrm>
+          <a:prstGeom prst="rect">
+            <a:avLst/>
+          </a:prstGeom>
+          <a:solidFill>
+            <a:schemeClr val="accent1">
+              <a:lumMod val="75000"/>
+            </a:schemeClr>
+          </a:solidFill>
+          <a:ln>
+            <a:noFill/>
+          </a:ln>
+        </p:spPr>
+        <p:style>
+          <a:lnRef idx="2">
+            <a:schemeClr val="accent1">
+              <a:shade val="50000"/>
+            </a:schemeClr>
+          </a:lnRef>
+          <a:fillRef idx="1">
+            <a:schemeClr val="accent1"/>
+          </a:fillRef>
+          <a:effectRef idx="0">
+            <a:schemeClr val="accent1"/>
+          </a:effectRef>
+          <a:fontRef idx="minor">
+            <a:schemeClr val="lt1"/>
+          </a:fontRef>
+        </p:style>
+        <p:txBody>
+          <a:bodyPr rtlCol="0" anchor="ctr"/>
+          <a:p>
+            <a:pPr algn="ctr"/>
+            <a:endParaRPr lang="en-US"/>
           </a:p>
         </p:txBody>
       </p:sp>
@@ -5161,197 +5707,21 @@
       <p:grpSpPr/>
       <p:sp>
         <p:nvSpPr>
-          <p:cNvPr id="2" name="Text Box 1"/>
-          <p:cNvSpPr txBox="1"/>
-          <p:nvPr/>
-        </p:nvSpPr>
-        <p:spPr>
-          <a:xfrm>
-            <a:off x="459105" y="143510"/>
-            <a:ext cx="6614795" cy="645160"/>
-          </a:xfrm>
-          <a:prstGeom prst="rect">
-            <a:avLst/>
-          </a:prstGeom>
-          <a:noFill/>
-        </p:spPr>
-        <p:txBody>
-          <a:bodyPr wrap="square" rtlCol="0">
-            <a:spAutoFit/>
-          </a:bodyPr>
+          <p:cNvPr id="2" name="Title 1"/>
+          <p:cNvSpPr>
+            <a:spLocks noGrp="1"/>
+          </p:cNvSpPr>
+          <p:nvPr>
+            <p:ph type="title"/>
+          </p:nvPr>
+        </p:nvSpPr>
+        <p:spPr/>
+        <p:txBody>
+          <a:bodyPr/>
           <a:p>
             <a:r>
               <a:rPr lang="en-US" altLang="en-US"/>
-              <a:t>My progress:</a:t>
-            </a:r>
-            <a:endParaRPr lang="en-US" altLang="en-US"/>
-          </a:p>
-          <a:p>
-            <a:r>
-              <a:rPr lang="en-US" altLang="en-US"/>
-              <a:t>1. we use ACDC dataset as the same as theirs.</a:t>
-            </a:r>
-            <a:endParaRPr lang="en-US" altLang="en-US"/>
-          </a:p>
-        </p:txBody>
-      </p:sp>
-      <p:sp>
-        <p:nvSpPr>
-          <p:cNvPr id="8" name="Text Box 7"/>
-          <p:cNvSpPr txBox="1"/>
-          <p:nvPr/>
-        </p:nvSpPr>
-        <p:spPr>
-          <a:xfrm>
-            <a:off x="433705" y="1716405"/>
-            <a:ext cx="1186180" cy="922020"/>
-          </a:xfrm>
-          <a:prstGeom prst="rect">
-            <a:avLst/>
-          </a:prstGeom>
-          <a:noFill/>
-        </p:spPr>
-        <p:txBody>
-          <a:bodyPr wrap="none" rtlCol="0">
-            <a:spAutoFit/>
-          </a:bodyPr>
-          <a:p>
-            <a:r>
-              <a:rPr lang="en-US" altLang="en-US"/>
-              <a:t>Patient 1</a:t>
-            </a:r>
-            <a:endParaRPr lang="en-US" altLang="en-US"/>
-          </a:p>
-          <a:p>
-            <a:r>
-              <a:rPr lang="en-US" altLang="en-US"/>
-              <a:t>ED phase</a:t>
-            </a:r>
-            <a:endParaRPr lang="en-US" altLang="en-US"/>
-          </a:p>
-          <a:p>
-            <a:endParaRPr lang="en-US" altLang="en-US"/>
-          </a:p>
-        </p:txBody>
-      </p:sp>
-      <p:sp>
-        <p:nvSpPr>
-          <p:cNvPr id="9" name="Text Box 8"/>
-          <p:cNvSpPr txBox="1"/>
-          <p:nvPr/>
-        </p:nvSpPr>
-        <p:spPr>
-          <a:xfrm>
-            <a:off x="459105" y="4091940"/>
-            <a:ext cx="1173480" cy="645160"/>
-          </a:xfrm>
-          <a:prstGeom prst="rect">
-            <a:avLst/>
-          </a:prstGeom>
-          <a:noFill/>
-        </p:spPr>
-        <p:txBody>
-          <a:bodyPr wrap="none" rtlCol="0">
-            <a:spAutoFit/>
-          </a:bodyPr>
-          <a:p>
-            <a:r>
-              <a:rPr lang="en-US" altLang="en-US"/>
-              <a:t>Patient 1</a:t>
-            </a:r>
-            <a:endParaRPr lang="en-US" altLang="en-US"/>
-          </a:p>
-          <a:p>
-            <a:r>
-              <a:rPr lang="en-US" altLang="en-US"/>
-              <a:t>ES phase</a:t>
-            </a:r>
-            <a:endParaRPr lang="en-US" altLang="en-US"/>
-          </a:p>
-        </p:txBody>
-      </p:sp>
-      <p:sp>
-        <p:nvSpPr>
-          <p:cNvPr id="10" name="Text Box 9"/>
-          <p:cNvSpPr txBox="1"/>
-          <p:nvPr/>
-        </p:nvSpPr>
-        <p:spPr>
-          <a:xfrm>
-            <a:off x="3046730" y="6323965"/>
-            <a:ext cx="1148080" cy="368300"/>
-          </a:xfrm>
-          <a:prstGeom prst="rect">
-            <a:avLst/>
-          </a:prstGeom>
-          <a:noFill/>
-        </p:spPr>
-        <p:txBody>
-          <a:bodyPr wrap="none" rtlCol="0">
-            <a:spAutoFit/>
-          </a:bodyPr>
-          <a:p>
-            <a:r>
-              <a:rPr lang="en-US" altLang="en-US"/>
-              <a:t>Partition1</a:t>
-            </a:r>
-            <a:endParaRPr lang="en-US" altLang="en-US"/>
-          </a:p>
-        </p:txBody>
-      </p:sp>
-      <p:sp>
-        <p:nvSpPr>
-          <p:cNvPr id="11" name="Text Box 10"/>
-          <p:cNvSpPr txBox="1"/>
-          <p:nvPr/>
-        </p:nvSpPr>
-        <p:spPr>
-          <a:xfrm>
-            <a:off x="5408930" y="6323965"/>
-            <a:ext cx="1148080" cy="368300"/>
-          </a:xfrm>
-          <a:prstGeom prst="rect">
-            <a:avLst/>
-          </a:prstGeom>
-          <a:noFill/>
-        </p:spPr>
-        <p:txBody>
-          <a:bodyPr wrap="none" rtlCol="0">
-            <a:spAutoFit/>
-          </a:bodyPr>
-          <a:p>
-            <a:r>
-              <a:rPr lang="en-US" altLang="en-US"/>
-              <a:t>Partition2</a:t>
-            </a:r>
-            <a:endParaRPr lang="en-US" altLang="en-US"/>
-          </a:p>
-        </p:txBody>
-      </p:sp>
-      <p:sp>
-        <p:nvSpPr>
-          <p:cNvPr id="12" name="Text Box 11"/>
-          <p:cNvSpPr txBox="1"/>
-          <p:nvPr/>
-        </p:nvSpPr>
-        <p:spPr>
-          <a:xfrm>
-            <a:off x="8240395" y="6323965"/>
-            <a:ext cx="1148080" cy="368300"/>
-          </a:xfrm>
-          <a:prstGeom prst="rect">
-            <a:avLst/>
-          </a:prstGeom>
-          <a:noFill/>
-        </p:spPr>
-        <p:txBody>
-          <a:bodyPr wrap="none" rtlCol="0">
-            <a:spAutoFit/>
-          </a:bodyPr>
-          <a:p>
-            <a:r>
-              <a:rPr lang="en-US" altLang="en-US"/>
-              <a:t>Partition3</a:t>
+              <a:t>Baseline result</a:t>
             </a:r>
             <a:endParaRPr lang="en-US" altLang="en-US"/>
           </a:p>
@@ -5359,7 +5729,7 @@
       </p:sp>
       <p:pic>
         <p:nvPicPr>
-          <p:cNvPr id="13" name="Picture 12"/>
+          <p:cNvPr id="9" name="Picture 8"/>
           <p:cNvPicPr>
             <a:picLocks noChangeAspect="1"/>
           </p:cNvPicPr>
@@ -5373,8 +5743,8 @@
         </p:blipFill>
         <p:spPr>
           <a:xfrm>
-            <a:off x="1935480" y="831215"/>
-            <a:ext cx="2419350" cy="5290820"/>
+            <a:off x="2741930" y="1160780"/>
+            <a:ext cx="6792595" cy="1800225"/>
           </a:xfrm>
           <a:prstGeom prst="rect">
             <a:avLst/>
@@ -5383,7 +5753,7 @@
       </p:pic>
       <p:pic>
         <p:nvPicPr>
-          <p:cNvPr id="14" name="Picture 13"/>
+          <p:cNvPr id="13" name="Picture 12"/>
           <p:cNvPicPr>
             <a:picLocks noChangeAspect="1"/>
           </p:cNvPicPr>
@@ -5397,38 +5767,147 @@
         </p:blipFill>
         <p:spPr>
           <a:xfrm>
-            <a:off x="4621530" y="831215"/>
-            <a:ext cx="2452370" cy="5308600"/>
+            <a:off x="702945" y="3757295"/>
+            <a:ext cx="3982085" cy="2694305"/>
           </a:xfrm>
           <a:prstGeom prst="rect">
             <a:avLst/>
           </a:prstGeom>
         </p:spPr>
       </p:pic>
-      <p:pic>
-        <p:nvPicPr>
-          <p:cNvPr id="15" name="Picture 14"/>
-          <p:cNvPicPr>
-            <a:picLocks noChangeAspect="1"/>
-          </p:cNvPicPr>
-          <p:nvPr/>
-        </p:nvPicPr>
-        <p:blipFill>
-          <a:blip r:embed="rId3"/>
-          <a:stretch>
-            <a:fillRect/>
-          </a:stretch>
-        </p:blipFill>
-        <p:spPr>
-          <a:xfrm>
-            <a:off x="7320915" y="799465"/>
-            <a:ext cx="2501265" cy="5372100"/>
-          </a:xfrm>
-          <a:prstGeom prst="rect">
-            <a:avLst/>
-          </a:prstGeom>
-        </p:spPr>
-      </p:pic>
+      <p:sp>
+        <p:nvSpPr>
+          <p:cNvPr id="14" name="Text Box 13"/>
+          <p:cNvSpPr txBox="1"/>
+          <p:nvPr/>
+        </p:nvSpPr>
+        <p:spPr>
+          <a:xfrm>
+            <a:off x="1087120" y="3453130"/>
+            <a:ext cx="3424555" cy="368300"/>
+          </a:xfrm>
+          <a:prstGeom prst="rect">
+            <a:avLst/>
+          </a:prstGeom>
+          <a:noFill/>
+        </p:spPr>
+        <p:txBody>
+          <a:bodyPr wrap="square" rtlCol="0">
+            <a:spAutoFit/>
+          </a:bodyPr>
+          <a:p>
+            <a:r>
+              <a:rPr lang="en-US" altLang="en-US"/>
+              <a:t>mean dice for the case 0.02</a:t>
+            </a:r>
+            <a:endParaRPr lang="en-US" altLang="en-US"/>
+          </a:p>
+        </p:txBody>
+      </p:sp>
+      <p:sp>
+        <p:nvSpPr>
+          <p:cNvPr id="15" name="Text Box 14"/>
+          <p:cNvSpPr txBox="1"/>
+          <p:nvPr/>
+        </p:nvSpPr>
+        <p:spPr>
+          <a:xfrm>
+            <a:off x="6081395" y="3345815"/>
+            <a:ext cx="5544185" cy="2584450"/>
+          </a:xfrm>
+          <a:prstGeom prst="rect">
+            <a:avLst/>
+          </a:prstGeom>
+          <a:noFill/>
+        </p:spPr>
+        <p:txBody>
+          <a:bodyPr wrap="square" rtlCol="0">
+            <a:spAutoFit/>
+          </a:bodyPr>
+          <a:p>
+            <a:r>
+              <a:rPr lang="en-US" altLang="en-US"/>
+              <a:t>observations:</a:t>
+            </a:r>
+            <a:endParaRPr lang="en-US" altLang="en-US"/>
+          </a:p>
+          <a:p>
+            <a:r>
+              <a:rPr lang="en-US" altLang="en-US"/>
+              <a:t>1. pretrain encoder is effective </a:t>
+            </a:r>
+            <a:endParaRPr lang="en-US" altLang="en-US"/>
+          </a:p>
+          <a:p>
+            <a:endParaRPr lang="en-US" altLang="en-US"/>
+          </a:p>
+          <a:p>
+            <a:r>
+              <a:rPr lang="en-US" altLang="en-US"/>
+              <a:t>2. decoder pretrain is not effective due to </a:t>
+            </a:r>
+            <a:r>
+              <a:rPr lang="en-US" altLang="en-US">
+                <a:solidFill>
+                  <a:srgbClr val="FF0000"/>
+                </a:solidFill>
+              </a:rPr>
+              <a:t>the unalignment</a:t>
+            </a:r>
+            <a:endParaRPr lang="en-US" altLang="en-US">
+              <a:solidFill>
+                <a:srgbClr val="FF0000"/>
+              </a:solidFill>
+            </a:endParaRPr>
+          </a:p>
+          <a:p>
+            <a:pPr lvl="1"/>
+            <a:r>
+              <a:rPr lang="en-US" altLang="en-US">
+                <a:solidFill>
+                  <a:schemeClr val="tx1"/>
+                </a:solidFill>
+              </a:rPr>
+              <a:t>in the original paper, when training decoder, there is no positional move on images</a:t>
+            </a:r>
+            <a:endParaRPr lang="en-US" altLang="en-US">
+              <a:solidFill>
+                <a:srgbClr val="FF0000"/>
+              </a:solidFill>
+            </a:endParaRPr>
+          </a:p>
+          <a:p>
+            <a:endParaRPr lang="en-US" altLang="en-US">
+              <a:solidFill>
+                <a:srgbClr val="FF0000"/>
+              </a:solidFill>
+            </a:endParaRPr>
+          </a:p>
+          <a:p>
+            <a:r>
+              <a:rPr lang="en-US" altLang="en-US">
+                <a:solidFill>
+                  <a:schemeClr val="tx1"/>
+                </a:solidFill>
+              </a:rPr>
+              <a:t>3. </a:t>
+            </a:r>
+            <a:r>
+              <a:rPr lang="en-US" altLang="en-US">
+                <a:solidFill>
+                  <a:srgbClr val="FF0000"/>
+                </a:solidFill>
+              </a:rPr>
+              <a:t>IIC MI can be useful in this case.</a:t>
+            </a:r>
+            <a:endParaRPr lang="en-US" altLang="en-US">
+              <a:solidFill>
+                <a:srgbClr val="FF0000"/>
+              </a:solidFill>
+            </a:endParaRPr>
+          </a:p>
+        </p:txBody>
+      </p:sp>
     </p:spTree>
   </p:cSld>
   <p:clrMapOvr>
@@ -5447,9 +5926,60 @@
         <p:nvPr/>
       </p:nvGrpSpPr>
       <p:grpSpPr/>
+      <p:sp>
+        <p:nvSpPr>
+          <p:cNvPr id="2" name="Title 1"/>
+          <p:cNvSpPr>
+            <a:spLocks noGrp="1"/>
+          </p:cNvSpPr>
+          <p:nvPr>
+            <p:ph type="title"/>
+          </p:nvPr>
+        </p:nvSpPr>
+        <p:spPr/>
+        <p:txBody>
+          <a:bodyPr/>
+          <a:p>
+            <a:r>
+              <a:rPr lang="en-US" altLang="en-US"/>
+              <a:t>Baseline result</a:t>
+            </a:r>
+            <a:endParaRPr lang="en-US" altLang="en-US"/>
+          </a:p>
+        </p:txBody>
+      </p:sp>
+      <p:sp>
+        <p:nvSpPr>
+          <p:cNvPr id="3" name="Text Box 2"/>
+          <p:cNvSpPr txBox="1"/>
+          <p:nvPr/>
+        </p:nvSpPr>
+        <p:spPr>
+          <a:xfrm>
+            <a:off x="1075690" y="1510665"/>
+            <a:ext cx="4323080" cy="368300"/>
+          </a:xfrm>
+          <a:prstGeom prst="rect">
+            <a:avLst/>
+          </a:prstGeom>
+          <a:noFill/>
+        </p:spPr>
+        <p:txBody>
+          <a:bodyPr wrap="none" rtlCol="0">
+            <a:spAutoFit/>
+          </a:bodyPr>
+          <a:p>
+            <a:r>
+              <a:rPr lang="en-US" altLang="en-US"/>
+              <a:t>Encoding using partition-wise contrastive</a:t>
+            </a:r>
+            <a:endParaRPr lang="en-US" altLang="en-US"/>
+          </a:p>
+        </p:txBody>
+      </p:sp>
       <p:pic>
         <p:nvPicPr>
-          <p:cNvPr id="35" name="Picture 34"/>
+          <p:cNvPr id="4" name="Picture 3"/>
           <p:cNvPicPr>
             <a:picLocks noChangeAspect="1"/>
           </p:cNvPicPr>
@@ -5463,266 +5993,24 @@
         </p:blipFill>
         <p:spPr>
           <a:xfrm>
-            <a:off x="7466330" y="5558790"/>
-            <a:ext cx="814070" cy="889000"/>
+            <a:off x="540385" y="2011680"/>
+            <a:ext cx="5831205" cy="1545590"/>
           </a:xfrm>
           <a:prstGeom prst="rect">
             <a:avLst/>
           </a:prstGeom>
         </p:spPr>
       </p:pic>
-      <p:pic>
-        <p:nvPicPr>
-          <p:cNvPr id="17" name="Picture 16"/>
-          <p:cNvPicPr>
-            <a:picLocks noChangeAspect="1"/>
-          </p:cNvPicPr>
-          <p:nvPr/>
-        </p:nvPicPr>
-        <p:blipFill>
-          <a:blip r:embed="rId2"/>
-          <a:stretch>
-            <a:fillRect/>
-          </a:stretch>
-        </p:blipFill>
-        <p:spPr>
-          <a:xfrm>
-            <a:off x="1140460" y="4044950"/>
-            <a:ext cx="812165" cy="862330"/>
-          </a:xfrm>
-          <a:prstGeom prst="rect">
-            <a:avLst/>
-          </a:prstGeom>
-        </p:spPr>
-      </p:pic>
-      <p:pic>
-        <p:nvPicPr>
-          <p:cNvPr id="16" name="Content Placeholder 15"/>
-          <p:cNvPicPr>
-            <a:picLocks noChangeAspect="1"/>
-          </p:cNvPicPr>
-          <p:nvPr>
-            <p:ph idx="1"/>
-          </p:nvPr>
-        </p:nvPicPr>
-        <p:blipFill>
-          <a:blip r:embed="rId3"/>
-          <a:stretch>
-            <a:fillRect/>
-          </a:stretch>
-        </p:blipFill>
-        <p:spPr>
-          <a:xfrm>
-            <a:off x="1140460" y="2324100"/>
-            <a:ext cx="812165" cy="845185"/>
-          </a:xfrm>
-          <a:prstGeom prst="rect">
-            <a:avLst/>
-          </a:prstGeom>
-        </p:spPr>
-      </p:pic>
-      <p:sp>
-        <p:nvSpPr>
-          <p:cNvPr id="2" name="Title 1"/>
-          <p:cNvSpPr>
-            <a:spLocks noGrp="1"/>
-          </p:cNvSpPr>
-          <p:nvPr>
-            <p:ph type="title"/>
-          </p:nvPr>
-        </p:nvSpPr>
-        <p:spPr/>
-        <p:txBody>
-          <a:bodyPr/>
-          <a:p>
-            <a:r>
-              <a:rPr lang="en-US" altLang="en-US"/>
-              <a:t>network architecture </a:t>
-            </a:r>
-            <a:r>
-              <a:rPr lang="" altLang="en-US"/>
-              <a:t>for IIC</a:t>
-            </a:r>
-            <a:endParaRPr lang="" altLang="en-US"/>
-          </a:p>
-        </p:txBody>
-      </p:sp>
-      <p:sp>
-        <p:nvSpPr>
-          <p:cNvPr id="4" name="Isosceles Triangle 3"/>
-          <p:cNvSpPr/>
-          <p:nvPr/>
-        </p:nvSpPr>
-        <p:spPr>
-          <a:xfrm rot="5400000">
-            <a:off x="2489200" y="3432810"/>
-            <a:ext cx="1516380" cy="698500"/>
-          </a:xfrm>
-          <a:prstGeom prst="triangle">
-            <a:avLst/>
-          </a:prstGeom>
-        </p:spPr>
-        <p:style>
-          <a:lnRef idx="2">
-            <a:schemeClr val="accent1">
-              <a:shade val="50000"/>
-            </a:schemeClr>
-          </a:lnRef>
-          <a:fillRef idx="1">
-            <a:schemeClr val="accent1"/>
-          </a:fillRef>
-          <a:effectRef idx="0">
-            <a:schemeClr val="accent1"/>
-          </a:effectRef>
-          <a:fontRef idx="minor">
-            <a:schemeClr val="lt1"/>
-          </a:fontRef>
-        </p:style>
-        <p:txBody>
-          <a:bodyPr rtlCol="0" anchor="ctr"/>
-          <a:p>
-            <a:pPr algn="ctr"/>
-            <a:endParaRPr lang="en-US"/>
-          </a:p>
-        </p:txBody>
-      </p:sp>
-      <p:sp>
-        <p:nvSpPr>
-          <p:cNvPr id="5" name="Isosceles Triangle 4"/>
-          <p:cNvSpPr/>
-          <p:nvPr/>
-        </p:nvSpPr>
-        <p:spPr>
-          <a:xfrm rot="16200000">
-            <a:off x="5227955" y="3669030"/>
-            <a:ext cx="795020" cy="242570"/>
-          </a:xfrm>
-          <a:prstGeom prst="triangle">
-            <a:avLst/>
-          </a:prstGeom>
-        </p:spPr>
-        <p:style>
-          <a:lnRef idx="2">
-            <a:schemeClr val="accent1">
-              <a:shade val="50000"/>
-            </a:schemeClr>
-          </a:lnRef>
-          <a:fillRef idx="1">
-            <a:schemeClr val="accent1"/>
-          </a:fillRef>
-          <a:effectRef idx="0">
-            <a:schemeClr val="accent1"/>
-          </a:effectRef>
-          <a:fontRef idx="minor">
-            <a:schemeClr val="lt1"/>
-          </a:fontRef>
-        </p:style>
-        <p:txBody>
-          <a:bodyPr rtlCol="0" anchor="ctr"/>
-          <a:p>
-            <a:pPr algn="ctr"/>
-            <a:endParaRPr lang="en-US"/>
-          </a:p>
-        </p:txBody>
-      </p:sp>
-      <p:sp>
-        <p:nvSpPr>
-          <p:cNvPr id="6" name="Right Arrow 5"/>
-          <p:cNvSpPr/>
-          <p:nvPr/>
-        </p:nvSpPr>
-        <p:spPr>
-          <a:xfrm rot="5400000">
-            <a:off x="3935095" y="3917315"/>
-            <a:ext cx="406400" cy="432435"/>
-          </a:xfrm>
-          <a:prstGeom prst="rightArrow">
-            <a:avLst/>
-          </a:prstGeom>
-        </p:spPr>
-        <p:style>
-          <a:lnRef idx="2">
-            <a:schemeClr val="accent1">
-              <a:shade val="50000"/>
-            </a:schemeClr>
-          </a:lnRef>
-          <a:fillRef idx="1">
-            <a:schemeClr val="accent1"/>
-          </a:fillRef>
-          <a:effectRef idx="0">
-            <a:schemeClr val="accent1"/>
-          </a:effectRef>
-          <a:fontRef idx="minor">
-            <a:schemeClr val="lt1"/>
-          </a:fontRef>
-        </p:style>
-        <p:txBody>
-          <a:bodyPr rtlCol="0" anchor="ctr"/>
-          <a:p>
-            <a:pPr algn="ctr"/>
-            <a:endParaRPr lang="en-US"/>
-          </a:p>
-        </p:txBody>
-      </p:sp>
-      <p:sp>
-        <p:nvSpPr>
-          <p:cNvPr id="8" name="Rounded Rectangle 7"/>
-          <p:cNvSpPr/>
-          <p:nvPr/>
-        </p:nvSpPr>
-        <p:spPr>
-          <a:xfrm>
-            <a:off x="1124585" y="4044950"/>
-            <a:ext cx="827405" cy="862330"/>
-          </a:xfrm>
-          <a:prstGeom prst="roundRect">
-            <a:avLst/>
-          </a:prstGeom>
-          <a:noFill/>
-          <a:ln w="38100" cmpd="sng">
-            <a:solidFill>
-              <a:schemeClr val="accent2">
-                <a:lumMod val="40000"/>
-                <a:lumOff val="60000"/>
-              </a:schemeClr>
-            </a:solidFill>
-            <a:prstDash val="solid"/>
-          </a:ln>
-        </p:spPr>
-        <p:style>
-          <a:lnRef idx="2">
-            <a:schemeClr val="accent1">
-              <a:shade val="50000"/>
-            </a:schemeClr>
-          </a:lnRef>
-          <a:fillRef idx="1">
-            <a:schemeClr val="accent1"/>
-          </a:fillRef>
-          <a:effectRef idx="0">
-            <a:schemeClr val="accent1"/>
-          </a:effectRef>
-          <a:fontRef idx="minor">
-            <a:schemeClr val="lt1"/>
-          </a:fontRef>
-        </p:style>
-        <p:txBody>
-          <a:bodyPr rtlCol="0" anchor="ctr"/>
-          <a:p>
-            <a:pPr algn="ctr"/>
-            <a:endParaRPr lang="en-US"/>
-          </a:p>
-        </p:txBody>
-      </p:sp>
-      <p:sp>
-        <p:nvSpPr>
-          <p:cNvPr id="10" name="Text Box 9"/>
+      <p:sp>
+        <p:nvSpPr>
+          <p:cNvPr id="6" name="Text Box 5"/>
           <p:cNvSpPr txBox="1"/>
           <p:nvPr/>
         </p:nvSpPr>
         <p:spPr>
           <a:xfrm>
-            <a:off x="1963420" y="2703195"/>
-            <a:ext cx="647700" cy="275590"/>
+            <a:off x="7232650" y="1510665"/>
+            <a:ext cx="4196080" cy="368300"/>
           </a:xfrm>
           <a:prstGeom prst="rect">
             <a:avLst/>
@@ -5735,23 +6023,23 @@
           </a:bodyPr>
           <a:p>
             <a:r>
-              <a:rPr lang="en-US" altLang="en-US" sz="1200"/>
-              <a:t>anchor</a:t>
-            </a:r>
-            <a:endParaRPr lang="en-US" altLang="en-US" sz="1200"/>
-          </a:p>
-        </p:txBody>
-      </p:sp>
-      <p:sp>
-        <p:nvSpPr>
-          <p:cNvPr id="11" name="Text Box 10"/>
+              <a:rPr lang="en-US" altLang="en-US"/>
+              <a:t>Encoding using patient-wise contrastive</a:t>
+            </a:r>
+            <a:endParaRPr lang="en-US" altLang="en-US"/>
+          </a:p>
+        </p:txBody>
+      </p:sp>
+      <p:sp>
+        <p:nvSpPr>
+          <p:cNvPr id="7" name="Text Box 6"/>
           <p:cNvSpPr txBox="1"/>
           <p:nvPr/>
         </p:nvSpPr>
         <p:spPr>
           <a:xfrm>
-            <a:off x="1968500" y="4121785"/>
-            <a:ext cx="723900" cy="645160"/>
+            <a:off x="7827645" y="2466975"/>
+            <a:ext cx="3006090" cy="368300"/>
           </a:xfrm>
           <a:prstGeom prst="rect">
             <a:avLst/>
@@ -5759,1027 +6047,18 @@
           <a:noFill/>
         </p:spPr>
         <p:txBody>
-          <a:bodyPr wrap="none" rtlCol="0">
+          <a:bodyPr wrap="square" rtlCol="0">
             <a:spAutoFit/>
           </a:bodyPr>
           <a:p>
             <a:r>
-              <a:rPr lang="" altLang="en-US" sz="1200"/>
-              <a:t>roughly </a:t>
-            </a:r>
-            <a:endParaRPr lang="" altLang="en-US" sz="1200"/>
-          </a:p>
-          <a:p>
-            <a:r>
-              <a:rPr lang="" altLang="en-US" sz="1200"/>
-              <a:t>aligned</a:t>
-            </a:r>
-            <a:endParaRPr lang="" altLang="en-US" sz="1200"/>
-          </a:p>
-          <a:p>
-            <a:r>
-              <a:rPr lang="" altLang="en-US" sz="1200"/>
-              <a:t>images</a:t>
-            </a:r>
-            <a:endParaRPr lang="" altLang="en-US" sz="1200"/>
-          </a:p>
-        </p:txBody>
-      </p:sp>
-      <p:sp>
-        <p:nvSpPr>
-          <p:cNvPr id="7" name="Rounded Rectangle 6"/>
-          <p:cNvSpPr/>
-          <p:nvPr/>
-        </p:nvSpPr>
-        <p:spPr>
-          <a:xfrm>
-            <a:off x="1124585" y="2319655"/>
-            <a:ext cx="843915" cy="854710"/>
-          </a:xfrm>
-          <a:prstGeom prst="roundRect">
-            <a:avLst/>
-          </a:prstGeom>
-          <a:noFill/>
-          <a:ln w="38100" cmpd="sng">
-            <a:solidFill>
-              <a:srgbClr val="FF8D41"/>
-            </a:solidFill>
-            <a:prstDash val="solid"/>
-          </a:ln>
-        </p:spPr>
-        <p:style>
-          <a:lnRef idx="2">
-            <a:schemeClr val="accent1">
-              <a:shade val="50000"/>
-            </a:schemeClr>
-          </a:lnRef>
-          <a:fillRef idx="1">
-            <a:schemeClr val="accent1"/>
-          </a:fillRef>
-          <a:effectRef idx="0">
-            <a:schemeClr val="accent1"/>
-          </a:effectRef>
-          <a:fontRef idx="minor">
-            <a:schemeClr val="lt1"/>
-          </a:fontRef>
-        </p:style>
-        <p:txBody>
-          <a:bodyPr rtlCol="0" anchor="ctr"/>
-          <a:p>
-            <a:pPr algn="ctr"/>
-            <a:endParaRPr lang="en-US"/>
-          </a:p>
-        </p:txBody>
-      </p:sp>
-      <p:sp>
-        <p:nvSpPr>
-          <p:cNvPr id="21" name="Text Box 20"/>
-          <p:cNvSpPr txBox="1"/>
-          <p:nvPr/>
-        </p:nvSpPr>
-        <p:spPr>
-          <a:xfrm>
-            <a:off x="3863975" y="4601210"/>
-            <a:ext cx="549275" cy="645160"/>
-          </a:xfrm>
-          <a:prstGeom prst="rect">
-            <a:avLst/>
-          </a:prstGeom>
-          <a:noFill/>
-        </p:spPr>
-        <p:txBody>
-          <a:bodyPr wrap="none" rtlCol="0">
-            <a:spAutoFit/>
-          </a:bodyPr>
-          <a:p>
-            <a:r>
-              <a:rPr lang="en-US" altLang="en-US" i="1"/>
-              <a:t>e</a:t>
-            </a:r>
-            <a:r>
-              <a:rPr lang="en-US" altLang="en-US" baseline="-25000"/>
-              <a:t>anc</a:t>
+              <a:rPr lang="en-US" altLang="en-US"/>
+              <a:t>to be continued</a:t>
             </a:r>
             <a:endParaRPr lang="en-US" altLang="en-US"/>
           </a:p>
-          <a:p>
-            <a:r>
-              <a:rPr lang="en-US" altLang="en-US" i="1"/>
-              <a:t>e</a:t>
-            </a:r>
-            <a:r>
-              <a:rPr lang="en-US" altLang="en-US" baseline="-25000"/>
-              <a:t>pos</a:t>
-            </a:r>
-            <a:endParaRPr lang="en-US" altLang="en-US" baseline="-25000"/>
-          </a:p>
-        </p:txBody>
-      </p:sp>
-      <p:pic>
-        <p:nvPicPr>
-          <p:cNvPr id="23" name="Picture 22"/>
-          <p:cNvPicPr>
-            <a:picLocks noChangeAspect="1"/>
-          </p:cNvPicPr>
-          <p:nvPr/>
-        </p:nvPicPr>
-        <p:blipFill>
-          <a:blip r:embed="rId4"/>
-          <a:stretch>
-            <a:fillRect/>
-          </a:stretch>
-        </p:blipFill>
-        <p:spPr>
-          <a:xfrm>
-            <a:off x="7381240" y="2204085"/>
-            <a:ext cx="834390" cy="883920"/>
-          </a:xfrm>
-          <a:prstGeom prst="rect">
-            <a:avLst/>
-          </a:prstGeom>
-        </p:spPr>
-      </p:pic>
-      <p:pic>
-        <p:nvPicPr>
-          <p:cNvPr id="24" name="Picture 23"/>
-          <p:cNvPicPr>
-            <a:picLocks noChangeAspect="1"/>
-          </p:cNvPicPr>
-          <p:nvPr/>
-        </p:nvPicPr>
-        <p:blipFill>
-          <a:blip r:embed="rId4"/>
-          <a:stretch>
-            <a:fillRect/>
-          </a:stretch>
-        </p:blipFill>
-        <p:spPr>
-          <a:xfrm>
-            <a:off x="7397750" y="4053840"/>
-            <a:ext cx="821055" cy="889635"/>
-          </a:xfrm>
-          <a:prstGeom prst="rect">
-            <a:avLst/>
-          </a:prstGeom>
-        </p:spPr>
-      </p:pic>
-      <p:sp>
-        <p:nvSpPr>
-          <p:cNvPr id="26" name="Rounded Rectangle 25"/>
-          <p:cNvSpPr/>
-          <p:nvPr/>
-        </p:nvSpPr>
-        <p:spPr>
-          <a:xfrm>
-            <a:off x="7371080" y="2204085"/>
-            <a:ext cx="843915" cy="854710"/>
-          </a:xfrm>
-          <a:prstGeom prst="roundRect">
-            <a:avLst/>
-          </a:prstGeom>
-          <a:noFill/>
-          <a:ln w="38100" cmpd="sng">
-            <a:solidFill>
-              <a:srgbClr val="FF8D41"/>
-            </a:solidFill>
-            <a:prstDash val="solid"/>
-          </a:ln>
-        </p:spPr>
-        <p:style>
-          <a:lnRef idx="2">
-            <a:schemeClr val="accent1">
-              <a:shade val="50000"/>
-            </a:schemeClr>
-          </a:lnRef>
-          <a:fillRef idx="1">
-            <a:schemeClr val="accent1"/>
-          </a:fillRef>
-          <a:effectRef idx="0">
-            <a:schemeClr val="accent1"/>
-          </a:effectRef>
-          <a:fontRef idx="minor">
-            <a:schemeClr val="lt1"/>
-          </a:fontRef>
-        </p:style>
-        <p:txBody>
-          <a:bodyPr rtlCol="0" anchor="ctr"/>
-          <a:p>
-            <a:pPr algn="ctr"/>
-            <a:endParaRPr lang="en-US"/>
-          </a:p>
-        </p:txBody>
-      </p:sp>
-      <p:sp>
-        <p:nvSpPr>
-          <p:cNvPr id="27" name="Rounded Rectangle 26"/>
-          <p:cNvSpPr/>
-          <p:nvPr/>
-        </p:nvSpPr>
-        <p:spPr>
-          <a:xfrm>
-            <a:off x="7391400" y="4081145"/>
-            <a:ext cx="827405" cy="862330"/>
-          </a:xfrm>
-          <a:prstGeom prst="roundRect">
-            <a:avLst/>
-          </a:prstGeom>
-          <a:noFill/>
-          <a:ln w="38100" cmpd="sng">
-            <a:solidFill>
-              <a:schemeClr val="accent2">
-                <a:lumMod val="40000"/>
-                <a:lumOff val="60000"/>
-              </a:schemeClr>
-            </a:solidFill>
-            <a:prstDash val="solid"/>
-          </a:ln>
-        </p:spPr>
-        <p:style>
-          <a:lnRef idx="2">
-            <a:schemeClr val="accent1">
-              <a:shade val="50000"/>
-            </a:schemeClr>
-          </a:lnRef>
-          <a:fillRef idx="1">
-            <a:schemeClr val="accent1"/>
-          </a:fillRef>
-          <a:effectRef idx="0">
-            <a:schemeClr val="accent1"/>
-          </a:effectRef>
-          <a:fontRef idx="minor">
-            <a:schemeClr val="lt1"/>
-          </a:fontRef>
-        </p:style>
-        <p:txBody>
-          <a:bodyPr rtlCol="0" anchor="ctr"/>
-          <a:p>
-            <a:pPr algn="ctr"/>
-            <a:endParaRPr lang="en-US"/>
-          </a:p>
-        </p:txBody>
-      </p:sp>
-      <p:sp>
-        <p:nvSpPr>
-          <p:cNvPr id="28" name="Rounded Rectangle 27"/>
-          <p:cNvSpPr/>
-          <p:nvPr/>
-        </p:nvSpPr>
-        <p:spPr>
-          <a:xfrm>
-            <a:off x="7477125" y="5544185"/>
-            <a:ext cx="813435" cy="899160"/>
-          </a:xfrm>
-          <a:prstGeom prst="roundRect">
-            <a:avLst/>
-          </a:prstGeom>
-          <a:noFill/>
-          <a:ln w="38100" cmpd="sng">
-            <a:solidFill>
-              <a:schemeClr val="accent5"/>
-            </a:solidFill>
-            <a:prstDash val="solid"/>
-          </a:ln>
-        </p:spPr>
-        <p:style>
-          <a:lnRef idx="2">
-            <a:schemeClr val="accent1">
-              <a:shade val="50000"/>
-            </a:schemeClr>
-          </a:lnRef>
-          <a:fillRef idx="1">
-            <a:schemeClr val="accent1"/>
-          </a:fillRef>
-          <a:effectRef idx="0">
-            <a:schemeClr val="accent1"/>
-          </a:effectRef>
-          <a:fontRef idx="minor">
-            <a:schemeClr val="lt1"/>
-          </a:fontRef>
-        </p:style>
-        <p:txBody>
-          <a:bodyPr rtlCol="0" anchor="ctr"/>
-          <a:p>
-            <a:pPr algn="ctr"/>
-            <a:endParaRPr lang="en-US"/>
-          </a:p>
-        </p:txBody>
-      </p:sp>
-      <p:sp>
-        <p:nvSpPr>
-          <p:cNvPr id="32" name="Text Box 31"/>
-          <p:cNvSpPr txBox="1"/>
-          <p:nvPr/>
-        </p:nvSpPr>
-        <p:spPr>
-          <a:xfrm>
-            <a:off x="8420735" y="2713355"/>
-            <a:ext cx="647700" cy="275590"/>
-          </a:xfrm>
-          <a:prstGeom prst="rect">
-            <a:avLst/>
-          </a:prstGeom>
-          <a:noFill/>
-        </p:spPr>
-        <p:txBody>
-          <a:bodyPr wrap="none" rtlCol="0">
-            <a:spAutoFit/>
-          </a:bodyPr>
-          <a:p>
-            <a:r>
-              <a:rPr lang="en-US" altLang="en-US" sz="1200"/>
-              <a:t>anchor</a:t>
-            </a:r>
-            <a:endParaRPr lang="en-US" altLang="en-US" sz="1200"/>
-          </a:p>
-        </p:txBody>
-      </p:sp>
-      <p:sp>
-        <p:nvSpPr>
-          <p:cNvPr id="33" name="Text Box 32"/>
-          <p:cNvSpPr txBox="1"/>
-          <p:nvPr/>
-        </p:nvSpPr>
-        <p:spPr>
-          <a:xfrm>
-            <a:off x="8420735" y="4189730"/>
-            <a:ext cx="723900" cy="645160"/>
-          </a:xfrm>
-          <a:prstGeom prst="rect">
-            <a:avLst/>
-          </a:prstGeom>
-          <a:noFill/>
-        </p:spPr>
-        <p:txBody>
-          <a:bodyPr wrap="none" rtlCol="0">
-            <a:spAutoFit/>
-          </a:bodyPr>
-          <a:p>
-            <a:pPr algn="l"/>
-            <a:r>
-              <a:rPr lang="en-US" altLang="en-US" sz="1200">
-                <a:sym typeface="+mn-ea"/>
-              </a:rPr>
-              <a:t>roughly </a:t>
-            </a:r>
-            <a:endParaRPr lang="en-US" altLang="en-US" sz="1200"/>
-          </a:p>
-          <a:p>
-            <a:pPr algn="l"/>
-            <a:r>
-              <a:rPr lang="en-US" altLang="en-US" sz="1200">
-                <a:sym typeface="+mn-ea"/>
-              </a:rPr>
-              <a:t>aligned</a:t>
-            </a:r>
-            <a:endParaRPr lang="en-US" altLang="en-US" sz="1200"/>
-          </a:p>
-          <a:p>
-            <a:pPr algn="l"/>
-            <a:r>
-              <a:rPr lang="en-US" altLang="en-US" sz="1200">
-                <a:sym typeface="+mn-ea"/>
-              </a:rPr>
-              <a:t>images</a:t>
-            </a:r>
-            <a:endParaRPr lang="en-US" altLang="en-US" sz="1200"/>
-          </a:p>
-        </p:txBody>
-      </p:sp>
-      <p:sp>
-        <p:nvSpPr>
-          <p:cNvPr id="34" name="Text Box 33"/>
-          <p:cNvSpPr txBox="1"/>
-          <p:nvPr/>
-        </p:nvSpPr>
-        <p:spPr>
-          <a:xfrm>
-            <a:off x="8505825" y="5629910"/>
-            <a:ext cx="757555" cy="275590"/>
-          </a:xfrm>
-          <a:prstGeom prst="rect">
-            <a:avLst/>
-          </a:prstGeom>
-          <a:noFill/>
-        </p:spPr>
-        <p:txBody>
-          <a:bodyPr wrap="none" rtlCol="0">
-            <a:spAutoFit/>
-          </a:bodyPr>
-          <a:p>
-            <a:r>
-              <a:rPr lang="en-US" altLang="en-US" sz="1200"/>
-              <a:t>negative</a:t>
-            </a:r>
-            <a:endParaRPr lang="en-US" altLang="en-US" sz="1200"/>
-          </a:p>
-        </p:txBody>
-      </p:sp>
-      <p:sp>
-        <p:nvSpPr>
-          <p:cNvPr id="36" name="Right Arrow 35"/>
-          <p:cNvSpPr/>
-          <p:nvPr/>
-        </p:nvSpPr>
-        <p:spPr>
-          <a:xfrm rot="16200000">
-            <a:off x="5892165" y="2624455"/>
-            <a:ext cx="406400" cy="432435"/>
-          </a:xfrm>
-          <a:prstGeom prst="rightArrow">
-            <a:avLst/>
-          </a:prstGeom>
-        </p:spPr>
-        <p:style>
-          <a:lnRef idx="2">
-            <a:schemeClr val="accent1">
-              <a:shade val="50000"/>
-            </a:schemeClr>
-          </a:lnRef>
-          <a:fillRef idx="1">
-            <a:schemeClr val="accent1"/>
-          </a:fillRef>
-          <a:effectRef idx="0">
-            <a:schemeClr val="accent1"/>
-          </a:effectRef>
-          <a:fontRef idx="minor">
-            <a:schemeClr val="lt1"/>
-          </a:fontRef>
-        </p:style>
-        <p:txBody>
-          <a:bodyPr rtlCol="0" anchor="ctr"/>
-          <a:p>
-            <a:pPr algn="ctr"/>
-            <a:endParaRPr lang="en-US"/>
-          </a:p>
-        </p:txBody>
-      </p:sp>
-      <p:sp>
-        <p:nvSpPr>
-          <p:cNvPr id="37" name="Flowchart: Manual Operation 36"/>
-          <p:cNvSpPr/>
-          <p:nvPr/>
-        </p:nvSpPr>
-        <p:spPr>
-          <a:xfrm rot="5400000">
-            <a:off x="5831205" y="3631565"/>
-            <a:ext cx="1454785" cy="240030"/>
-          </a:xfrm>
-          <a:prstGeom prst="flowChartManualOperation">
-            <a:avLst/>
-          </a:prstGeom>
-        </p:spPr>
-        <p:style>
-          <a:lnRef idx="2">
-            <a:schemeClr val="accent1">
-              <a:shade val="50000"/>
-            </a:schemeClr>
-          </a:lnRef>
-          <a:fillRef idx="1">
-            <a:schemeClr val="accent1"/>
-          </a:fillRef>
-          <a:effectRef idx="0">
-            <a:schemeClr val="accent1"/>
-          </a:effectRef>
-          <a:fontRef idx="minor">
-            <a:schemeClr val="lt1"/>
-          </a:fontRef>
-        </p:style>
-        <p:txBody>
-          <a:bodyPr rtlCol="0" anchor="ctr"/>
-          <a:p>
-            <a:pPr algn="ctr"/>
-            <a:endParaRPr lang="en-US"/>
-          </a:p>
-        </p:txBody>
-      </p:sp>
-      <p:sp>
-        <p:nvSpPr>
-          <p:cNvPr id="40" name="Right Arrow 39"/>
-          <p:cNvSpPr/>
-          <p:nvPr/>
-        </p:nvSpPr>
-        <p:spPr>
-          <a:xfrm>
-            <a:off x="4783455" y="4766945"/>
-            <a:ext cx="336550" cy="321310"/>
-          </a:xfrm>
-          <a:prstGeom prst="rightArrow">
-            <a:avLst/>
-          </a:prstGeom>
-        </p:spPr>
-        <p:style>
-          <a:lnRef idx="2">
-            <a:schemeClr val="accent1">
-              <a:shade val="50000"/>
-            </a:schemeClr>
-          </a:lnRef>
-          <a:fillRef idx="1">
-            <a:schemeClr val="accent1"/>
-          </a:fillRef>
-          <a:effectRef idx="0">
-            <a:schemeClr val="accent1"/>
-          </a:effectRef>
-          <a:fontRef idx="minor">
-            <a:schemeClr val="lt1"/>
-          </a:fontRef>
-        </p:style>
-        <p:txBody>
-          <a:bodyPr rtlCol="0" anchor="ctr"/>
-          <a:p>
-            <a:pPr algn="ctr"/>
-            <a:endParaRPr lang="en-US"/>
-          </a:p>
-        </p:txBody>
-      </p:sp>
-      <p:sp>
-        <p:nvSpPr>
-          <p:cNvPr id="42" name="Text Box 41"/>
-          <p:cNvSpPr txBox="1"/>
-          <p:nvPr/>
-        </p:nvSpPr>
-        <p:spPr>
-          <a:xfrm>
-            <a:off x="5204460" y="4766945"/>
-            <a:ext cx="944880" cy="368300"/>
-          </a:xfrm>
-          <a:prstGeom prst="rect">
-            <a:avLst/>
-          </a:prstGeom>
-          <a:noFill/>
-        </p:spPr>
-        <p:txBody>
-          <a:bodyPr wrap="none" rtlCol="0">
-            <a:spAutoFit/>
-          </a:bodyPr>
-          <a:p>
-            <a:r>
-              <a:rPr lang="" altLang="en-US"/>
-              <a:t>IIC loss</a:t>
-            </a:r>
-            <a:endParaRPr lang="" altLang="en-US"/>
-          </a:p>
-        </p:txBody>
-      </p:sp>
-      <p:pic>
-        <p:nvPicPr>
-          <p:cNvPr id="3" name="Picture 2"/>
-          <p:cNvPicPr>
-            <a:picLocks noChangeAspect="1"/>
-          </p:cNvPicPr>
-          <p:nvPr/>
-        </p:nvPicPr>
-        <p:blipFill>
-          <a:blip r:embed="rId5"/>
-          <a:stretch>
-            <a:fillRect/>
-          </a:stretch>
-        </p:blipFill>
-        <p:spPr>
-          <a:xfrm>
-            <a:off x="1124585" y="5660390"/>
-            <a:ext cx="1602740" cy="939800"/>
-          </a:xfrm>
-          <a:prstGeom prst="rect">
-            <a:avLst/>
-          </a:prstGeom>
-        </p:spPr>
-      </p:pic>
-      <p:sp>
-        <p:nvSpPr>
-          <p:cNvPr id="14" name="Text Box 13"/>
-          <p:cNvSpPr txBox="1"/>
-          <p:nvPr/>
-        </p:nvSpPr>
-        <p:spPr>
-          <a:xfrm>
-            <a:off x="3855720" y="5901055"/>
-            <a:ext cx="557530" cy="368300"/>
-          </a:xfrm>
-          <a:prstGeom prst="rect">
-            <a:avLst/>
-          </a:prstGeom>
-          <a:noFill/>
-        </p:spPr>
-        <p:txBody>
-          <a:bodyPr wrap="none" rtlCol="0">
-            <a:spAutoFit/>
-          </a:bodyPr>
-          <a:p>
-            <a:r>
-              <a:rPr lang="en-US" altLang="en-US" i="1"/>
-              <a:t>e</a:t>
-            </a:r>
-            <a:r>
-              <a:rPr lang="" altLang="en-US" i="1" baseline="-25000"/>
-              <a:t>neg</a:t>
-            </a:r>
-            <a:endParaRPr lang="" altLang="en-US" i="1" baseline="-25000"/>
-          </a:p>
-        </p:txBody>
-      </p:sp>
-      <p:sp>
-        <p:nvSpPr>
-          <p:cNvPr id="15" name="Right Arrow 14"/>
-          <p:cNvSpPr/>
-          <p:nvPr/>
-        </p:nvSpPr>
-        <p:spPr>
-          <a:xfrm>
-            <a:off x="4733290" y="5969635"/>
-            <a:ext cx="336550" cy="321310"/>
-          </a:xfrm>
-          <a:prstGeom prst="rightArrow">
-            <a:avLst/>
-          </a:prstGeom>
-        </p:spPr>
-        <p:style>
-          <a:lnRef idx="2">
-            <a:schemeClr val="accent1">
-              <a:shade val="50000"/>
-            </a:schemeClr>
-          </a:lnRef>
-          <a:fillRef idx="1">
-            <a:schemeClr val="accent1"/>
-          </a:fillRef>
-          <a:effectRef idx="0">
-            <a:schemeClr val="accent1"/>
-          </a:effectRef>
-          <a:fontRef idx="minor">
-            <a:schemeClr val="lt1"/>
-          </a:fontRef>
-        </p:style>
-        <p:txBody>
-          <a:bodyPr rtlCol="0" anchor="ctr"/>
-          <a:p>
-            <a:pPr algn="ctr"/>
-            <a:endParaRPr lang="en-US"/>
-          </a:p>
-        </p:txBody>
-      </p:sp>
-      <p:sp>
-        <p:nvSpPr>
-          <p:cNvPr id="18" name="Text Box 17"/>
-          <p:cNvSpPr txBox="1"/>
-          <p:nvPr/>
-        </p:nvSpPr>
-        <p:spPr>
-          <a:xfrm>
-            <a:off x="5346700" y="5922645"/>
-            <a:ext cx="563880" cy="368300"/>
-          </a:xfrm>
-          <a:prstGeom prst="rect">
-            <a:avLst/>
-          </a:prstGeom>
-          <a:noFill/>
-        </p:spPr>
-        <p:txBody>
-          <a:bodyPr wrap="none" rtlCol="0">
-            <a:spAutoFit/>
-          </a:bodyPr>
-          <a:p>
-            <a:r>
-              <a:rPr lang="" altLang="en-US" i="1"/>
-              <a:t>???</a:t>
-            </a:r>
-            <a:endParaRPr lang="" altLang="en-US" i="1" baseline="-25000"/>
-          </a:p>
-        </p:txBody>
-      </p:sp>
-      <p:sp>
-        <p:nvSpPr>
-          <p:cNvPr id="22" name="Right Arrow 21"/>
-          <p:cNvSpPr/>
-          <p:nvPr/>
-        </p:nvSpPr>
-        <p:spPr>
-          <a:xfrm rot="1740000">
-            <a:off x="9288780" y="3089910"/>
-            <a:ext cx="567690" cy="306070"/>
-          </a:xfrm>
-          <a:prstGeom prst="rightArrow">
-            <a:avLst/>
-          </a:prstGeom>
-        </p:spPr>
-        <p:style>
-          <a:lnRef idx="2">
-            <a:schemeClr val="accent1">
-              <a:shade val="50000"/>
-            </a:schemeClr>
-          </a:lnRef>
-          <a:fillRef idx="1">
-            <a:schemeClr val="accent1"/>
-          </a:fillRef>
-          <a:effectRef idx="0">
-            <a:schemeClr val="accent1"/>
-          </a:effectRef>
-          <a:fontRef idx="minor">
-            <a:schemeClr val="lt1"/>
-          </a:fontRef>
-        </p:style>
-        <p:txBody>
-          <a:bodyPr rtlCol="0" anchor="ctr"/>
-          <a:p>
-            <a:pPr algn="ctr"/>
-            <a:endParaRPr lang="en-US"/>
-          </a:p>
-        </p:txBody>
-      </p:sp>
-      <p:sp>
-        <p:nvSpPr>
-          <p:cNvPr id="25" name="Right Arrow 24"/>
-          <p:cNvSpPr/>
-          <p:nvPr/>
-        </p:nvSpPr>
-        <p:spPr>
-          <a:xfrm rot="19080000">
-            <a:off x="9297670" y="3966845"/>
-            <a:ext cx="567690" cy="306070"/>
-          </a:xfrm>
-          <a:prstGeom prst="rightArrow">
-            <a:avLst/>
-          </a:prstGeom>
-        </p:spPr>
-        <p:style>
-          <a:lnRef idx="2">
-            <a:schemeClr val="accent1">
-              <a:shade val="50000"/>
-            </a:schemeClr>
-          </a:lnRef>
-          <a:fillRef idx="1">
-            <a:schemeClr val="accent1"/>
-          </a:fillRef>
-          <a:effectRef idx="0">
-            <a:schemeClr val="accent1"/>
-          </a:effectRef>
-          <a:fontRef idx="minor">
-            <a:schemeClr val="lt1"/>
-          </a:fontRef>
-        </p:style>
-        <p:txBody>
-          <a:bodyPr rtlCol="0" anchor="ctr"/>
-          <a:p>
-            <a:pPr algn="ctr"/>
-            <a:endParaRPr lang="en-US"/>
-          </a:p>
-        </p:txBody>
-      </p:sp>
-      <p:sp>
-        <p:nvSpPr>
-          <p:cNvPr id="29" name="Text Box 28"/>
-          <p:cNvSpPr txBox="1"/>
-          <p:nvPr/>
-        </p:nvSpPr>
-        <p:spPr>
-          <a:xfrm>
-            <a:off x="10218420" y="3448050"/>
-            <a:ext cx="944880" cy="368300"/>
-          </a:xfrm>
-          <a:prstGeom prst="rect">
-            <a:avLst/>
-          </a:prstGeom>
-          <a:noFill/>
-        </p:spPr>
-        <p:txBody>
-          <a:bodyPr wrap="none" rtlCol="0">
-            <a:spAutoFit/>
-          </a:bodyPr>
-          <a:p>
-            <a:r>
-              <a:rPr lang="en-US" altLang="en-US"/>
-              <a:t>IIC loss</a:t>
-            </a:r>
-            <a:endParaRPr lang="en-US" altLang="en-US"/>
-          </a:p>
-        </p:txBody>
-      </p:sp>
-      <p:sp>
-        <p:nvSpPr>
-          <p:cNvPr id="30" name="Right Arrow 29"/>
-          <p:cNvSpPr/>
-          <p:nvPr/>
-        </p:nvSpPr>
-        <p:spPr>
-          <a:xfrm>
-            <a:off x="9588500" y="5727700"/>
-            <a:ext cx="336550" cy="321310"/>
-          </a:xfrm>
-          <a:prstGeom prst="rightArrow">
-            <a:avLst/>
-          </a:prstGeom>
-        </p:spPr>
-        <p:style>
-          <a:lnRef idx="2">
-            <a:schemeClr val="accent1">
-              <a:shade val="50000"/>
-            </a:schemeClr>
-          </a:lnRef>
-          <a:fillRef idx="1">
-            <a:schemeClr val="accent1"/>
-          </a:fillRef>
-          <a:effectRef idx="0">
-            <a:schemeClr val="accent1"/>
-          </a:effectRef>
-          <a:fontRef idx="minor">
-            <a:schemeClr val="lt1"/>
-          </a:fontRef>
-        </p:style>
-        <p:txBody>
-          <a:bodyPr rtlCol="0" anchor="ctr"/>
-          <a:p>
-            <a:pPr algn="ctr"/>
-            <a:endParaRPr lang="en-US"/>
-          </a:p>
-        </p:txBody>
-      </p:sp>
-      <p:sp>
-        <p:nvSpPr>
-          <p:cNvPr id="31" name="Text Box 30"/>
-          <p:cNvSpPr txBox="1"/>
-          <p:nvPr/>
-        </p:nvSpPr>
-        <p:spPr>
-          <a:xfrm>
-            <a:off x="10201910" y="5680710"/>
-            <a:ext cx="563880" cy="368300"/>
-          </a:xfrm>
-          <a:prstGeom prst="rect">
-            <a:avLst/>
-          </a:prstGeom>
-          <a:noFill/>
-        </p:spPr>
-        <p:txBody>
-          <a:bodyPr wrap="none" rtlCol="0">
-            <a:spAutoFit/>
-          </a:bodyPr>
-          <a:p>
-            <a:r>
-              <a:rPr lang="en-US" altLang="en-US" i="1"/>
-              <a:t>???</a:t>
-            </a:r>
-            <a:endParaRPr lang="en-US" altLang="en-US" i="1" baseline="-25000"/>
-          </a:p>
-        </p:txBody>
-      </p:sp>
-      <p:sp>
-        <p:nvSpPr>
-          <p:cNvPr id="44" name="Right Arrow 43"/>
-          <p:cNvSpPr/>
-          <p:nvPr/>
-        </p:nvSpPr>
-        <p:spPr>
-          <a:xfrm rot="1740000">
-            <a:off x="9289415" y="3089910"/>
-            <a:ext cx="567690" cy="306070"/>
-          </a:xfrm>
-          <a:prstGeom prst="rightArrow">
-            <a:avLst/>
-          </a:prstGeom>
-        </p:spPr>
-        <p:style>
-          <a:lnRef idx="2">
-            <a:schemeClr val="accent1">
-              <a:shade val="50000"/>
-            </a:schemeClr>
-          </a:lnRef>
-          <a:fillRef idx="1">
-            <a:schemeClr val="accent1"/>
-          </a:fillRef>
-          <a:effectRef idx="0">
-            <a:schemeClr val="accent1"/>
-          </a:effectRef>
-          <a:fontRef idx="minor">
-            <a:schemeClr val="lt1"/>
-          </a:fontRef>
-        </p:style>
-        <p:txBody>
-          <a:bodyPr rtlCol="0" anchor="ctr"/>
-          <a:p>
-            <a:pPr algn="ctr"/>
-            <a:endParaRPr lang="en-US"/>
-          </a:p>
-        </p:txBody>
-      </p:sp>
-      <p:sp>
-        <p:nvSpPr>
-          <p:cNvPr id="45" name="Right Arrow 44"/>
-          <p:cNvSpPr/>
-          <p:nvPr/>
-        </p:nvSpPr>
-        <p:spPr>
-          <a:xfrm rot="19080000">
-            <a:off x="9298305" y="3966845"/>
-            <a:ext cx="567690" cy="306070"/>
-          </a:xfrm>
-          <a:prstGeom prst="rightArrow">
-            <a:avLst/>
-          </a:prstGeom>
-        </p:spPr>
-        <p:style>
-          <a:lnRef idx="2">
-            <a:schemeClr val="accent1">
-              <a:shade val="50000"/>
-            </a:schemeClr>
-          </a:lnRef>
-          <a:fillRef idx="1">
-            <a:schemeClr val="accent1"/>
-          </a:fillRef>
-          <a:effectRef idx="0">
-            <a:schemeClr val="accent1"/>
-          </a:effectRef>
-          <a:fontRef idx="minor">
-            <a:schemeClr val="lt1"/>
-          </a:fontRef>
-        </p:style>
-        <p:txBody>
-          <a:bodyPr rtlCol="0" anchor="ctr"/>
-          <a:p>
-            <a:pPr algn="ctr"/>
-            <a:endParaRPr lang="en-US"/>
-          </a:p>
-        </p:txBody>
-      </p:sp>
-      <p:sp>
-        <p:nvSpPr>
-          <p:cNvPr id="46" name="Text Box 45"/>
-          <p:cNvSpPr txBox="1"/>
-          <p:nvPr/>
-        </p:nvSpPr>
-        <p:spPr>
-          <a:xfrm>
-            <a:off x="10219055" y="3448050"/>
-            <a:ext cx="944880" cy="368300"/>
-          </a:xfrm>
-          <a:prstGeom prst="rect">
-            <a:avLst/>
-          </a:prstGeom>
-          <a:noFill/>
-        </p:spPr>
-        <p:txBody>
-          <a:bodyPr wrap="none" rtlCol="0">
-            <a:spAutoFit/>
-          </a:bodyPr>
-          <a:p>
-            <a:r>
-              <a:rPr lang="en-US" altLang="en-US"/>
-              <a:t>IIC loss</a:t>
-            </a:r>
-            <a:endParaRPr lang="en-US" altLang="en-US"/>
-          </a:p>
-        </p:txBody>
-      </p:sp>
-      <p:sp>
-        <p:nvSpPr>
-          <p:cNvPr id="47" name="Text Box 46"/>
-          <p:cNvSpPr txBox="1"/>
-          <p:nvPr/>
-        </p:nvSpPr>
-        <p:spPr>
-          <a:xfrm>
-            <a:off x="5813425" y="1835785"/>
-            <a:ext cx="563880" cy="368300"/>
-          </a:xfrm>
-          <a:prstGeom prst="rect">
-            <a:avLst/>
-          </a:prstGeom>
-          <a:noFill/>
-        </p:spPr>
-        <p:txBody>
-          <a:bodyPr wrap="none" rtlCol="0">
-            <a:spAutoFit/>
-          </a:bodyPr>
-          <a:p>
-            <a:r>
-              <a:rPr lang="en-US" altLang="en-US" i="1"/>
-              <a:t>???</a:t>
-            </a:r>
-            <a:endParaRPr lang="en-US" altLang="en-US" i="1" baseline="-25000"/>
-          </a:p>
-        </p:txBody>
-      </p:sp>
-      <p:pic>
-        <p:nvPicPr>
-          <p:cNvPr id="48" name="Picture 47"/>
-          <p:cNvPicPr>
-            <a:picLocks noChangeAspect="1"/>
-          </p:cNvPicPr>
-          <p:nvPr/>
-        </p:nvPicPr>
-        <p:blipFill>
-          <a:blip r:embed="rId6"/>
-          <a:stretch>
-            <a:fillRect/>
-          </a:stretch>
-        </p:blipFill>
-        <p:spPr>
-          <a:xfrm>
-            <a:off x="111125" y="4118610"/>
-            <a:ext cx="798830" cy="648335"/>
-          </a:xfrm>
-          <a:prstGeom prst="rect">
-            <a:avLst/>
-          </a:prstGeom>
-        </p:spPr>
-      </p:pic>
+        </p:txBody>
+      </p:sp>
     </p:spTree>
   </p:cSld>
   <p:clrMapOvr>
@@ -6798,9 +6077,207 @@
         <p:nvPr/>
       </p:nvGrpSpPr>
       <p:grpSpPr/>
+      <p:sp>
+        <p:nvSpPr>
+          <p:cNvPr id="2" name="Text Box 1"/>
+          <p:cNvSpPr txBox="1"/>
+          <p:nvPr/>
+        </p:nvSpPr>
+        <p:spPr>
+          <a:xfrm>
+            <a:off x="459105" y="143510"/>
+            <a:ext cx="6614795" cy="645160"/>
+          </a:xfrm>
+          <a:prstGeom prst="rect">
+            <a:avLst/>
+          </a:prstGeom>
+          <a:noFill/>
+        </p:spPr>
+        <p:txBody>
+          <a:bodyPr wrap="square" rtlCol="0">
+            <a:spAutoFit/>
+          </a:bodyPr>
+          <a:p>
+            <a:r>
+              <a:rPr lang="en-US" altLang="en-US"/>
+              <a:t>My progress:</a:t>
+            </a:r>
+            <a:endParaRPr lang="en-US" altLang="en-US"/>
+          </a:p>
+          <a:p>
+            <a:r>
+              <a:rPr lang="en-US" altLang="en-US"/>
+              <a:t>1. we use ACDC dataset as the same as theirs.</a:t>
+            </a:r>
+            <a:endParaRPr lang="en-US" altLang="en-US"/>
+          </a:p>
+        </p:txBody>
+      </p:sp>
+      <p:sp>
+        <p:nvSpPr>
+          <p:cNvPr id="8" name="Text Box 7"/>
+          <p:cNvSpPr txBox="1"/>
+          <p:nvPr/>
+        </p:nvSpPr>
+        <p:spPr>
+          <a:xfrm>
+            <a:off x="433705" y="1716405"/>
+            <a:ext cx="1186180" cy="922020"/>
+          </a:xfrm>
+          <a:prstGeom prst="rect">
+            <a:avLst/>
+          </a:prstGeom>
+          <a:noFill/>
+        </p:spPr>
+        <p:txBody>
+          <a:bodyPr wrap="none" rtlCol="0">
+            <a:spAutoFit/>
+          </a:bodyPr>
+          <a:p>
+            <a:r>
+              <a:rPr lang="en-US" altLang="en-US"/>
+              <a:t>Patient 1</a:t>
+            </a:r>
+            <a:endParaRPr lang="en-US" altLang="en-US"/>
+          </a:p>
+          <a:p>
+            <a:r>
+              <a:rPr lang="en-US" altLang="en-US"/>
+              <a:t>ED phase</a:t>
+            </a:r>
+            <a:endParaRPr lang="en-US" altLang="en-US"/>
+          </a:p>
+          <a:p>
+            <a:endParaRPr lang="en-US" altLang="en-US"/>
+          </a:p>
+        </p:txBody>
+      </p:sp>
+      <p:sp>
+        <p:nvSpPr>
+          <p:cNvPr id="9" name="Text Box 8"/>
+          <p:cNvSpPr txBox="1"/>
+          <p:nvPr/>
+        </p:nvSpPr>
+        <p:spPr>
+          <a:xfrm>
+            <a:off x="459105" y="4091940"/>
+            <a:ext cx="1173480" cy="645160"/>
+          </a:xfrm>
+          <a:prstGeom prst="rect">
+            <a:avLst/>
+          </a:prstGeom>
+          <a:noFill/>
+        </p:spPr>
+        <p:txBody>
+          <a:bodyPr wrap="none" rtlCol="0">
+            <a:spAutoFit/>
+          </a:bodyPr>
+          <a:p>
+            <a:r>
+              <a:rPr lang="en-US" altLang="en-US"/>
+              <a:t>Patient 1</a:t>
+            </a:r>
+            <a:endParaRPr lang="en-US" altLang="en-US"/>
+          </a:p>
+          <a:p>
+            <a:r>
+              <a:rPr lang="en-US" altLang="en-US"/>
+              <a:t>ES phase</a:t>
+            </a:r>
+            <a:endParaRPr lang="en-US" altLang="en-US"/>
+          </a:p>
+        </p:txBody>
+      </p:sp>
+      <p:sp>
+        <p:nvSpPr>
+          <p:cNvPr id="10" name="Text Box 9"/>
+          <p:cNvSpPr txBox="1"/>
+          <p:nvPr/>
+        </p:nvSpPr>
+        <p:spPr>
+          <a:xfrm>
+            <a:off x="3046730" y="6323965"/>
+            <a:ext cx="1148080" cy="368300"/>
+          </a:xfrm>
+          <a:prstGeom prst="rect">
+            <a:avLst/>
+          </a:prstGeom>
+          <a:noFill/>
+        </p:spPr>
+        <p:txBody>
+          <a:bodyPr wrap="none" rtlCol="0">
+            <a:spAutoFit/>
+          </a:bodyPr>
+          <a:p>
+            <a:r>
+              <a:rPr lang="en-US" altLang="en-US"/>
+              <a:t>Partition1</a:t>
+            </a:r>
+            <a:endParaRPr lang="en-US" altLang="en-US"/>
+          </a:p>
+        </p:txBody>
+      </p:sp>
+      <p:sp>
+        <p:nvSpPr>
+          <p:cNvPr id="11" name="Text Box 10"/>
+          <p:cNvSpPr txBox="1"/>
+          <p:nvPr/>
+        </p:nvSpPr>
+        <p:spPr>
+          <a:xfrm>
+            <a:off x="5408930" y="6323965"/>
+            <a:ext cx="1148080" cy="368300"/>
+          </a:xfrm>
+          <a:prstGeom prst="rect">
+            <a:avLst/>
+          </a:prstGeom>
+          <a:noFill/>
+        </p:spPr>
+        <p:txBody>
+          <a:bodyPr wrap="none" rtlCol="0">
+            <a:spAutoFit/>
+          </a:bodyPr>
+          <a:p>
+            <a:r>
+              <a:rPr lang="en-US" altLang="en-US"/>
+              <a:t>Partition2</a:t>
+            </a:r>
+            <a:endParaRPr lang="en-US" altLang="en-US"/>
+          </a:p>
+        </p:txBody>
+      </p:sp>
+      <p:sp>
+        <p:nvSpPr>
+          <p:cNvPr id="12" name="Text Box 11"/>
+          <p:cNvSpPr txBox="1"/>
+          <p:nvPr/>
+        </p:nvSpPr>
+        <p:spPr>
+          <a:xfrm>
+            <a:off x="8240395" y="6323965"/>
+            <a:ext cx="1148080" cy="368300"/>
+          </a:xfrm>
+          <a:prstGeom prst="rect">
+            <a:avLst/>
+          </a:prstGeom>
+          <a:noFill/>
+        </p:spPr>
+        <p:txBody>
+          <a:bodyPr wrap="none" rtlCol="0">
+            <a:spAutoFit/>
+          </a:bodyPr>
+          <a:p>
+            <a:r>
+              <a:rPr lang="en-US" altLang="en-US"/>
+              <a:t>Partition3</a:t>
+            </a:r>
+            <a:endParaRPr lang="en-US" altLang="en-US"/>
+          </a:p>
+        </p:txBody>
+      </p:sp>
       <p:pic>
         <p:nvPicPr>
-          <p:cNvPr id="35" name="Picture 34"/>
+          <p:cNvPr id="13" name="Picture 12"/>
           <p:cNvPicPr>
             <a:picLocks noChangeAspect="1"/>
           </p:cNvPicPr>
@@ -6814,8 +6291,8 @@
         </p:blipFill>
         <p:spPr>
           <a:xfrm>
-            <a:off x="7466330" y="5558790"/>
-            <a:ext cx="814070" cy="889000"/>
+            <a:off x="1935480" y="831215"/>
+            <a:ext cx="2419350" cy="5290820"/>
           </a:xfrm>
           <a:prstGeom prst="rect">
             <a:avLst/>
@@ -6824,7 +6301,7 @@
       </p:pic>
       <p:pic>
         <p:nvPicPr>
-          <p:cNvPr id="17" name="Picture 16"/>
+          <p:cNvPr id="14" name="Picture 13"/>
           <p:cNvPicPr>
             <a:picLocks noChangeAspect="1"/>
           </p:cNvPicPr>
@@ -6838,8 +6315,8 @@
         </p:blipFill>
         <p:spPr>
           <a:xfrm>
-            <a:off x="1113790" y="4044950"/>
-            <a:ext cx="812165" cy="862330"/>
+            <a:off x="4621530" y="831215"/>
+            <a:ext cx="2452370" cy="5308600"/>
           </a:xfrm>
           <a:prstGeom prst="rect">
             <a:avLst/>
@@ -6848,13 +6325,11 @@
       </p:pic>
       <p:pic>
         <p:nvPicPr>
-          <p:cNvPr id="16" name="Content Placeholder 15"/>
+          <p:cNvPr id="15" name="Picture 14"/>
           <p:cNvPicPr>
             <a:picLocks noChangeAspect="1"/>
           </p:cNvPicPr>
-          <p:nvPr>
-            <p:ph idx="1"/>
-          </p:nvPr>
+          <p:nvPr/>
         </p:nvPicPr>
         <p:blipFill>
           <a:blip r:embed="rId3"/>
@@ -6864,1761 +6339,14 @@
         </p:blipFill>
         <p:spPr>
           <a:xfrm>
-            <a:off x="1140460" y="2324100"/>
-            <a:ext cx="812165" cy="845185"/>
+            <a:off x="7320915" y="799465"/>
+            <a:ext cx="2501265" cy="5372100"/>
           </a:xfrm>
           <a:prstGeom prst="rect">
             <a:avLst/>
           </a:prstGeom>
         </p:spPr>
       </p:pic>
-      <p:sp>
-        <p:nvSpPr>
-          <p:cNvPr id="2" name="Title 1"/>
-          <p:cNvSpPr>
-            <a:spLocks noGrp="1"/>
-          </p:cNvSpPr>
-          <p:nvPr>
-            <p:ph type="title"/>
-          </p:nvPr>
-        </p:nvSpPr>
-        <p:spPr/>
-        <p:txBody>
-          <a:bodyPr/>
-          <a:p>
-            <a:r>
-              <a:rPr lang="en-US" altLang="en-US"/>
-              <a:t>network architecture for IIC </a:t>
-            </a:r>
-            <a:r>
-              <a:rPr lang="" altLang="en-US"/>
-              <a:t>+ bounding box?</a:t>
-            </a:r>
-            <a:endParaRPr lang="" altLang="en-US"/>
-          </a:p>
-        </p:txBody>
-      </p:sp>
-      <p:sp>
-        <p:nvSpPr>
-          <p:cNvPr id="4" name="Isosceles Triangle 3"/>
-          <p:cNvSpPr/>
-          <p:nvPr/>
-        </p:nvSpPr>
-        <p:spPr>
-          <a:xfrm rot="5400000">
-            <a:off x="2489200" y="3432810"/>
-            <a:ext cx="1516380" cy="698500"/>
-          </a:xfrm>
-          <a:prstGeom prst="triangle">
-            <a:avLst/>
-          </a:prstGeom>
-        </p:spPr>
-        <p:style>
-          <a:lnRef idx="2">
-            <a:schemeClr val="accent1">
-              <a:shade val="50000"/>
-            </a:schemeClr>
-          </a:lnRef>
-          <a:fillRef idx="1">
-            <a:schemeClr val="accent1"/>
-          </a:fillRef>
-          <a:effectRef idx="0">
-            <a:schemeClr val="accent1"/>
-          </a:effectRef>
-          <a:fontRef idx="minor">
-            <a:schemeClr val="lt1"/>
-          </a:fontRef>
-        </p:style>
-        <p:txBody>
-          <a:bodyPr rtlCol="0" anchor="ctr"/>
-          <a:p>
-            <a:pPr algn="ctr"/>
-            <a:endParaRPr lang="en-US"/>
-          </a:p>
-        </p:txBody>
-      </p:sp>
-      <p:sp>
-        <p:nvSpPr>
-          <p:cNvPr id="5" name="Isosceles Triangle 4"/>
-          <p:cNvSpPr/>
-          <p:nvPr/>
-        </p:nvSpPr>
-        <p:spPr>
-          <a:xfrm rot="16200000">
-            <a:off x="5227955" y="3669030"/>
-            <a:ext cx="795020" cy="242570"/>
-          </a:xfrm>
-          <a:prstGeom prst="triangle">
-            <a:avLst/>
-          </a:prstGeom>
-        </p:spPr>
-        <p:style>
-          <a:lnRef idx="2">
-            <a:schemeClr val="accent1">
-              <a:shade val="50000"/>
-            </a:schemeClr>
-          </a:lnRef>
-          <a:fillRef idx="1">
-            <a:schemeClr val="accent1"/>
-          </a:fillRef>
-          <a:effectRef idx="0">
-            <a:schemeClr val="accent1"/>
-          </a:effectRef>
-          <a:fontRef idx="minor">
-            <a:schemeClr val="lt1"/>
-          </a:fontRef>
-        </p:style>
-        <p:txBody>
-          <a:bodyPr rtlCol="0" anchor="ctr"/>
-          <a:p>
-            <a:pPr algn="ctr"/>
-            <a:endParaRPr lang="en-US"/>
-          </a:p>
-        </p:txBody>
-      </p:sp>
-      <p:sp>
-        <p:nvSpPr>
-          <p:cNvPr id="6" name="Right Arrow 5"/>
-          <p:cNvSpPr/>
-          <p:nvPr/>
-        </p:nvSpPr>
-        <p:spPr>
-          <a:xfrm rot="5400000">
-            <a:off x="3935095" y="3917315"/>
-            <a:ext cx="406400" cy="432435"/>
-          </a:xfrm>
-          <a:prstGeom prst="rightArrow">
-            <a:avLst/>
-          </a:prstGeom>
-        </p:spPr>
-        <p:style>
-          <a:lnRef idx="2">
-            <a:schemeClr val="accent1">
-              <a:shade val="50000"/>
-            </a:schemeClr>
-          </a:lnRef>
-          <a:fillRef idx="1">
-            <a:schemeClr val="accent1"/>
-          </a:fillRef>
-          <a:effectRef idx="0">
-            <a:schemeClr val="accent1"/>
-          </a:effectRef>
-          <a:fontRef idx="minor">
-            <a:schemeClr val="lt1"/>
-          </a:fontRef>
-        </p:style>
-        <p:txBody>
-          <a:bodyPr rtlCol="0" anchor="ctr"/>
-          <a:p>
-            <a:pPr algn="ctr"/>
-            <a:endParaRPr lang="en-US"/>
-          </a:p>
-        </p:txBody>
-      </p:sp>
-      <p:sp>
-        <p:nvSpPr>
-          <p:cNvPr id="8" name="Rounded Rectangle 7"/>
-          <p:cNvSpPr/>
-          <p:nvPr/>
-        </p:nvSpPr>
-        <p:spPr>
-          <a:xfrm>
-            <a:off x="1124585" y="4044950"/>
-            <a:ext cx="827405" cy="862330"/>
-          </a:xfrm>
-          <a:prstGeom prst="roundRect">
-            <a:avLst/>
-          </a:prstGeom>
-          <a:noFill/>
-          <a:ln w="38100" cmpd="sng">
-            <a:solidFill>
-              <a:schemeClr val="accent2">
-                <a:lumMod val="40000"/>
-                <a:lumOff val="60000"/>
-              </a:schemeClr>
-            </a:solidFill>
-            <a:prstDash val="solid"/>
-          </a:ln>
-        </p:spPr>
-        <p:style>
-          <a:lnRef idx="2">
-            <a:schemeClr val="accent1">
-              <a:shade val="50000"/>
-            </a:schemeClr>
-          </a:lnRef>
-          <a:fillRef idx="1">
-            <a:schemeClr val="accent1"/>
-          </a:fillRef>
-          <a:effectRef idx="0">
-            <a:schemeClr val="accent1"/>
-          </a:effectRef>
-          <a:fontRef idx="minor">
-            <a:schemeClr val="lt1"/>
-          </a:fontRef>
-        </p:style>
-        <p:txBody>
-          <a:bodyPr rtlCol="0" anchor="ctr"/>
-          <a:p>
-            <a:pPr algn="ctr"/>
-            <a:endParaRPr lang="en-US"/>
-          </a:p>
-        </p:txBody>
-      </p:sp>
-      <p:sp>
-        <p:nvSpPr>
-          <p:cNvPr id="10" name="Text Box 9"/>
-          <p:cNvSpPr txBox="1"/>
-          <p:nvPr/>
-        </p:nvSpPr>
-        <p:spPr>
-          <a:xfrm>
-            <a:off x="1963420" y="2703195"/>
-            <a:ext cx="647700" cy="275590"/>
-          </a:xfrm>
-          <a:prstGeom prst="rect">
-            <a:avLst/>
-          </a:prstGeom>
-          <a:noFill/>
-        </p:spPr>
-        <p:txBody>
-          <a:bodyPr wrap="none" rtlCol="0">
-            <a:spAutoFit/>
-          </a:bodyPr>
-          <a:p>
-            <a:r>
-              <a:rPr lang="en-US" altLang="en-US" sz="1200"/>
-              <a:t>anchor</a:t>
-            </a:r>
-            <a:endParaRPr lang="en-US" altLang="en-US" sz="1200"/>
-          </a:p>
-        </p:txBody>
-      </p:sp>
-      <p:sp>
-        <p:nvSpPr>
-          <p:cNvPr id="11" name="Text Box 10"/>
-          <p:cNvSpPr txBox="1"/>
-          <p:nvPr/>
-        </p:nvSpPr>
-        <p:spPr>
-          <a:xfrm>
-            <a:off x="1968500" y="4121785"/>
-            <a:ext cx="723900" cy="645160"/>
-          </a:xfrm>
-          <a:prstGeom prst="rect">
-            <a:avLst/>
-          </a:prstGeom>
-          <a:noFill/>
-        </p:spPr>
-        <p:txBody>
-          <a:bodyPr wrap="none" rtlCol="0">
-            <a:spAutoFit/>
-          </a:bodyPr>
-          <a:p>
-            <a:r>
-              <a:rPr lang="en-US" altLang="en-US" sz="1200"/>
-              <a:t>roughly </a:t>
-            </a:r>
-            <a:endParaRPr lang="en-US" altLang="en-US" sz="1200"/>
-          </a:p>
-          <a:p>
-            <a:r>
-              <a:rPr lang="en-US" altLang="en-US" sz="1200"/>
-              <a:t>aligned</a:t>
-            </a:r>
-            <a:endParaRPr lang="en-US" altLang="en-US" sz="1200"/>
-          </a:p>
-          <a:p>
-            <a:r>
-              <a:rPr lang="en-US" altLang="en-US" sz="1200"/>
-              <a:t>images</a:t>
-            </a:r>
-            <a:endParaRPr lang="en-US" altLang="en-US" sz="1200"/>
-          </a:p>
-        </p:txBody>
-      </p:sp>
-      <p:sp>
-        <p:nvSpPr>
-          <p:cNvPr id="7" name="Rounded Rectangle 6"/>
-          <p:cNvSpPr/>
-          <p:nvPr/>
-        </p:nvSpPr>
-        <p:spPr>
-          <a:xfrm>
-            <a:off x="1124585" y="2319655"/>
-            <a:ext cx="843915" cy="854710"/>
-          </a:xfrm>
-          <a:prstGeom prst="roundRect">
-            <a:avLst/>
-          </a:prstGeom>
-          <a:noFill/>
-          <a:ln w="38100" cmpd="sng">
-            <a:solidFill>
-              <a:srgbClr val="FF8D41"/>
-            </a:solidFill>
-            <a:prstDash val="solid"/>
-          </a:ln>
-        </p:spPr>
-        <p:style>
-          <a:lnRef idx="2">
-            <a:schemeClr val="accent1">
-              <a:shade val="50000"/>
-            </a:schemeClr>
-          </a:lnRef>
-          <a:fillRef idx="1">
-            <a:schemeClr val="accent1"/>
-          </a:fillRef>
-          <a:effectRef idx="0">
-            <a:schemeClr val="accent1"/>
-          </a:effectRef>
-          <a:fontRef idx="minor">
-            <a:schemeClr val="lt1"/>
-          </a:fontRef>
-        </p:style>
-        <p:txBody>
-          <a:bodyPr rtlCol="0" anchor="ctr"/>
-          <a:p>
-            <a:pPr algn="ctr"/>
-            <a:endParaRPr lang="en-US"/>
-          </a:p>
-        </p:txBody>
-      </p:sp>
-      <p:sp>
-        <p:nvSpPr>
-          <p:cNvPr id="21" name="Text Box 20"/>
-          <p:cNvSpPr txBox="1"/>
-          <p:nvPr/>
-        </p:nvSpPr>
-        <p:spPr>
-          <a:xfrm>
-            <a:off x="3863975" y="4601210"/>
-            <a:ext cx="549275" cy="645160"/>
-          </a:xfrm>
-          <a:prstGeom prst="rect">
-            <a:avLst/>
-          </a:prstGeom>
-          <a:noFill/>
-        </p:spPr>
-        <p:txBody>
-          <a:bodyPr wrap="none" rtlCol="0">
-            <a:spAutoFit/>
-          </a:bodyPr>
-          <a:p>
-            <a:r>
-              <a:rPr lang="en-US" altLang="en-US" i="1"/>
-              <a:t>e</a:t>
-            </a:r>
-            <a:r>
-              <a:rPr lang="en-US" altLang="en-US" baseline="-25000"/>
-              <a:t>anc</a:t>
-            </a:r>
-            <a:endParaRPr lang="en-US" altLang="en-US"/>
-          </a:p>
-          <a:p>
-            <a:r>
-              <a:rPr lang="en-US" altLang="en-US" i="1"/>
-              <a:t>e</a:t>
-            </a:r>
-            <a:r>
-              <a:rPr lang="en-US" altLang="en-US" baseline="-25000"/>
-              <a:t>pos</a:t>
-            </a:r>
-            <a:endParaRPr lang="en-US" altLang="en-US" baseline="-25000"/>
-          </a:p>
-        </p:txBody>
-      </p:sp>
-      <p:pic>
-        <p:nvPicPr>
-          <p:cNvPr id="23" name="Picture 22"/>
-          <p:cNvPicPr>
-            <a:picLocks noChangeAspect="1"/>
-          </p:cNvPicPr>
-          <p:nvPr/>
-        </p:nvPicPr>
-        <p:blipFill>
-          <a:blip r:embed="rId4"/>
-          <a:stretch>
-            <a:fillRect/>
-          </a:stretch>
-        </p:blipFill>
-        <p:spPr>
-          <a:xfrm>
-            <a:off x="7381240" y="2204085"/>
-            <a:ext cx="834390" cy="883920"/>
-          </a:xfrm>
-          <a:prstGeom prst="rect">
-            <a:avLst/>
-          </a:prstGeom>
-        </p:spPr>
-      </p:pic>
-      <p:pic>
-        <p:nvPicPr>
-          <p:cNvPr id="24" name="Picture 23"/>
-          <p:cNvPicPr>
-            <a:picLocks noChangeAspect="1"/>
-          </p:cNvPicPr>
-          <p:nvPr/>
-        </p:nvPicPr>
-        <p:blipFill>
-          <a:blip r:embed="rId4"/>
-          <a:stretch>
-            <a:fillRect/>
-          </a:stretch>
-        </p:blipFill>
-        <p:spPr>
-          <a:xfrm>
-            <a:off x="7375525" y="4053840"/>
-            <a:ext cx="821055" cy="889635"/>
-          </a:xfrm>
-          <a:prstGeom prst="rect">
-            <a:avLst/>
-          </a:prstGeom>
-        </p:spPr>
-      </p:pic>
-      <p:sp>
-        <p:nvSpPr>
-          <p:cNvPr id="26" name="Rounded Rectangle 25"/>
-          <p:cNvSpPr/>
-          <p:nvPr/>
-        </p:nvSpPr>
-        <p:spPr>
-          <a:xfrm>
-            <a:off x="7371080" y="2204085"/>
-            <a:ext cx="843915" cy="854710"/>
-          </a:xfrm>
-          <a:prstGeom prst="roundRect">
-            <a:avLst/>
-          </a:prstGeom>
-          <a:noFill/>
-          <a:ln w="38100" cmpd="sng">
-            <a:solidFill>
-              <a:srgbClr val="FF8D41"/>
-            </a:solidFill>
-            <a:prstDash val="solid"/>
-          </a:ln>
-        </p:spPr>
-        <p:style>
-          <a:lnRef idx="2">
-            <a:schemeClr val="accent1">
-              <a:shade val="50000"/>
-            </a:schemeClr>
-          </a:lnRef>
-          <a:fillRef idx="1">
-            <a:schemeClr val="accent1"/>
-          </a:fillRef>
-          <a:effectRef idx="0">
-            <a:schemeClr val="accent1"/>
-          </a:effectRef>
-          <a:fontRef idx="minor">
-            <a:schemeClr val="lt1"/>
-          </a:fontRef>
-        </p:style>
-        <p:txBody>
-          <a:bodyPr rtlCol="0" anchor="ctr"/>
-          <a:p>
-            <a:pPr algn="ctr"/>
-            <a:endParaRPr lang="en-US"/>
-          </a:p>
-        </p:txBody>
-      </p:sp>
-      <p:sp>
-        <p:nvSpPr>
-          <p:cNvPr id="27" name="Rounded Rectangle 26"/>
-          <p:cNvSpPr/>
-          <p:nvPr/>
-        </p:nvSpPr>
-        <p:spPr>
-          <a:xfrm>
-            <a:off x="7391400" y="4081145"/>
-            <a:ext cx="827405" cy="862330"/>
-          </a:xfrm>
-          <a:prstGeom prst="roundRect">
-            <a:avLst/>
-          </a:prstGeom>
-          <a:noFill/>
-          <a:ln w="38100" cmpd="sng">
-            <a:solidFill>
-              <a:schemeClr val="accent2">
-                <a:lumMod val="40000"/>
-                <a:lumOff val="60000"/>
-              </a:schemeClr>
-            </a:solidFill>
-            <a:prstDash val="solid"/>
-          </a:ln>
-        </p:spPr>
-        <p:style>
-          <a:lnRef idx="2">
-            <a:schemeClr val="accent1">
-              <a:shade val="50000"/>
-            </a:schemeClr>
-          </a:lnRef>
-          <a:fillRef idx="1">
-            <a:schemeClr val="accent1"/>
-          </a:fillRef>
-          <a:effectRef idx="0">
-            <a:schemeClr val="accent1"/>
-          </a:effectRef>
-          <a:fontRef idx="minor">
-            <a:schemeClr val="lt1"/>
-          </a:fontRef>
-        </p:style>
-        <p:txBody>
-          <a:bodyPr rtlCol="0" anchor="ctr"/>
-          <a:p>
-            <a:pPr algn="ctr"/>
-            <a:endParaRPr lang="en-US"/>
-          </a:p>
-        </p:txBody>
-      </p:sp>
-      <p:sp>
-        <p:nvSpPr>
-          <p:cNvPr id="28" name="Rounded Rectangle 27"/>
-          <p:cNvSpPr/>
-          <p:nvPr/>
-        </p:nvSpPr>
-        <p:spPr>
-          <a:xfrm>
-            <a:off x="7477125" y="5544185"/>
-            <a:ext cx="813435" cy="899160"/>
-          </a:xfrm>
-          <a:prstGeom prst="roundRect">
-            <a:avLst/>
-          </a:prstGeom>
-          <a:noFill/>
-          <a:ln w="38100" cmpd="sng">
-            <a:solidFill>
-              <a:schemeClr val="accent5"/>
-            </a:solidFill>
-            <a:prstDash val="solid"/>
-          </a:ln>
-        </p:spPr>
-        <p:style>
-          <a:lnRef idx="2">
-            <a:schemeClr val="accent1">
-              <a:shade val="50000"/>
-            </a:schemeClr>
-          </a:lnRef>
-          <a:fillRef idx="1">
-            <a:schemeClr val="accent1"/>
-          </a:fillRef>
-          <a:effectRef idx="0">
-            <a:schemeClr val="accent1"/>
-          </a:effectRef>
-          <a:fontRef idx="minor">
-            <a:schemeClr val="lt1"/>
-          </a:fontRef>
-        </p:style>
-        <p:txBody>
-          <a:bodyPr rtlCol="0" anchor="ctr"/>
-          <a:p>
-            <a:pPr algn="ctr"/>
-            <a:endParaRPr lang="en-US"/>
-          </a:p>
-        </p:txBody>
-      </p:sp>
-      <p:sp>
-        <p:nvSpPr>
-          <p:cNvPr id="32" name="Text Box 31"/>
-          <p:cNvSpPr txBox="1"/>
-          <p:nvPr/>
-        </p:nvSpPr>
-        <p:spPr>
-          <a:xfrm>
-            <a:off x="8420735" y="2713355"/>
-            <a:ext cx="647700" cy="275590"/>
-          </a:xfrm>
-          <a:prstGeom prst="rect">
-            <a:avLst/>
-          </a:prstGeom>
-          <a:noFill/>
-        </p:spPr>
-        <p:txBody>
-          <a:bodyPr wrap="none" rtlCol="0">
-            <a:spAutoFit/>
-          </a:bodyPr>
-          <a:p>
-            <a:r>
-              <a:rPr lang="en-US" altLang="en-US" sz="1200"/>
-              <a:t>anchor</a:t>
-            </a:r>
-            <a:endParaRPr lang="en-US" altLang="en-US" sz="1200"/>
-          </a:p>
-        </p:txBody>
-      </p:sp>
-      <p:sp>
-        <p:nvSpPr>
-          <p:cNvPr id="33" name="Text Box 32"/>
-          <p:cNvSpPr txBox="1"/>
-          <p:nvPr/>
-        </p:nvSpPr>
-        <p:spPr>
-          <a:xfrm>
-            <a:off x="8420735" y="4189730"/>
-            <a:ext cx="723900" cy="645160"/>
-          </a:xfrm>
-          <a:prstGeom prst="rect">
-            <a:avLst/>
-          </a:prstGeom>
-          <a:noFill/>
-        </p:spPr>
-        <p:txBody>
-          <a:bodyPr wrap="none" rtlCol="0">
-            <a:spAutoFit/>
-          </a:bodyPr>
-          <a:p>
-            <a:pPr algn="l"/>
-            <a:r>
-              <a:rPr lang="en-US" altLang="en-US" sz="1200">
-                <a:sym typeface="+mn-ea"/>
-              </a:rPr>
-              <a:t>roughly </a:t>
-            </a:r>
-            <a:endParaRPr lang="en-US" altLang="en-US" sz="1200"/>
-          </a:p>
-          <a:p>
-            <a:pPr algn="l"/>
-            <a:r>
-              <a:rPr lang="en-US" altLang="en-US" sz="1200">
-                <a:sym typeface="+mn-ea"/>
-              </a:rPr>
-              <a:t>aligned</a:t>
-            </a:r>
-            <a:endParaRPr lang="en-US" altLang="en-US" sz="1200"/>
-          </a:p>
-          <a:p>
-            <a:pPr algn="l"/>
-            <a:r>
-              <a:rPr lang="en-US" altLang="en-US" sz="1200">
-                <a:sym typeface="+mn-ea"/>
-              </a:rPr>
-              <a:t>images</a:t>
-            </a:r>
-            <a:endParaRPr lang="en-US" altLang="en-US" sz="1200"/>
-          </a:p>
-        </p:txBody>
-      </p:sp>
-      <p:sp>
-        <p:nvSpPr>
-          <p:cNvPr id="34" name="Text Box 33"/>
-          <p:cNvSpPr txBox="1"/>
-          <p:nvPr/>
-        </p:nvSpPr>
-        <p:spPr>
-          <a:xfrm>
-            <a:off x="8505825" y="5629910"/>
-            <a:ext cx="757555" cy="275590"/>
-          </a:xfrm>
-          <a:prstGeom prst="rect">
-            <a:avLst/>
-          </a:prstGeom>
-          <a:noFill/>
-        </p:spPr>
-        <p:txBody>
-          <a:bodyPr wrap="none" rtlCol="0">
-            <a:spAutoFit/>
-          </a:bodyPr>
-          <a:p>
-            <a:r>
-              <a:rPr lang="en-US" altLang="en-US" sz="1200"/>
-              <a:t>negative</a:t>
-            </a:r>
-            <a:endParaRPr lang="en-US" altLang="en-US" sz="1200"/>
-          </a:p>
-        </p:txBody>
-      </p:sp>
-      <p:sp>
-        <p:nvSpPr>
-          <p:cNvPr id="36" name="Right Arrow 35"/>
-          <p:cNvSpPr/>
-          <p:nvPr/>
-        </p:nvSpPr>
-        <p:spPr>
-          <a:xfrm rot="16200000">
-            <a:off x="5892165" y="2624455"/>
-            <a:ext cx="406400" cy="432435"/>
-          </a:xfrm>
-          <a:prstGeom prst="rightArrow">
-            <a:avLst/>
-          </a:prstGeom>
-        </p:spPr>
-        <p:style>
-          <a:lnRef idx="2">
-            <a:schemeClr val="accent1">
-              <a:shade val="50000"/>
-            </a:schemeClr>
-          </a:lnRef>
-          <a:fillRef idx="1">
-            <a:schemeClr val="accent1"/>
-          </a:fillRef>
-          <a:effectRef idx="0">
-            <a:schemeClr val="accent1"/>
-          </a:effectRef>
-          <a:fontRef idx="minor">
-            <a:schemeClr val="lt1"/>
-          </a:fontRef>
-        </p:style>
-        <p:txBody>
-          <a:bodyPr rtlCol="0" anchor="ctr"/>
-          <a:p>
-            <a:pPr algn="ctr"/>
-            <a:endParaRPr lang="en-US"/>
-          </a:p>
-        </p:txBody>
-      </p:sp>
-      <p:sp>
-        <p:nvSpPr>
-          <p:cNvPr id="37" name="Flowchart: Manual Operation 36"/>
-          <p:cNvSpPr/>
-          <p:nvPr/>
-        </p:nvSpPr>
-        <p:spPr>
-          <a:xfrm rot="5400000">
-            <a:off x="5831205" y="3631565"/>
-            <a:ext cx="1454785" cy="240030"/>
-          </a:xfrm>
-          <a:prstGeom prst="flowChartManualOperation">
-            <a:avLst/>
-          </a:prstGeom>
-        </p:spPr>
-        <p:style>
-          <a:lnRef idx="2">
-            <a:schemeClr val="accent1">
-              <a:shade val="50000"/>
-            </a:schemeClr>
-          </a:lnRef>
-          <a:fillRef idx="1">
-            <a:schemeClr val="accent1"/>
-          </a:fillRef>
-          <a:effectRef idx="0">
-            <a:schemeClr val="accent1"/>
-          </a:effectRef>
-          <a:fontRef idx="minor">
-            <a:schemeClr val="lt1"/>
-          </a:fontRef>
-        </p:style>
-        <p:txBody>
-          <a:bodyPr rtlCol="0" anchor="ctr"/>
-          <a:p>
-            <a:pPr algn="ctr"/>
-            <a:endParaRPr lang="en-US"/>
-          </a:p>
-        </p:txBody>
-      </p:sp>
-      <p:sp>
-        <p:nvSpPr>
-          <p:cNvPr id="40" name="Right Arrow 39"/>
-          <p:cNvSpPr/>
-          <p:nvPr/>
-        </p:nvSpPr>
-        <p:spPr>
-          <a:xfrm>
-            <a:off x="4783455" y="4766945"/>
-            <a:ext cx="336550" cy="321310"/>
-          </a:xfrm>
-          <a:prstGeom prst="rightArrow">
-            <a:avLst/>
-          </a:prstGeom>
-        </p:spPr>
-        <p:style>
-          <a:lnRef idx="2">
-            <a:schemeClr val="accent1">
-              <a:shade val="50000"/>
-            </a:schemeClr>
-          </a:lnRef>
-          <a:fillRef idx="1">
-            <a:schemeClr val="accent1"/>
-          </a:fillRef>
-          <a:effectRef idx="0">
-            <a:schemeClr val="accent1"/>
-          </a:effectRef>
-          <a:fontRef idx="minor">
-            <a:schemeClr val="lt1"/>
-          </a:fontRef>
-        </p:style>
-        <p:txBody>
-          <a:bodyPr rtlCol="0" anchor="ctr"/>
-          <a:p>
-            <a:pPr algn="ctr"/>
-            <a:endParaRPr lang="en-US"/>
-          </a:p>
-        </p:txBody>
-      </p:sp>
-      <p:sp>
-        <p:nvSpPr>
-          <p:cNvPr id="42" name="Text Box 41"/>
-          <p:cNvSpPr txBox="1"/>
-          <p:nvPr/>
-        </p:nvSpPr>
-        <p:spPr>
-          <a:xfrm>
-            <a:off x="4542155" y="5135245"/>
-            <a:ext cx="2456180" cy="368300"/>
-          </a:xfrm>
-          <a:prstGeom prst="rect">
-            <a:avLst/>
-          </a:prstGeom>
-          <a:noFill/>
-        </p:spPr>
-        <p:txBody>
-          <a:bodyPr wrap="none" rtlCol="0">
-            <a:spAutoFit/>
-          </a:bodyPr>
-          <a:p>
-            <a:r>
-              <a:rPr lang="en-US" altLang="en-US"/>
-              <a:t>IIC loss </a:t>
-            </a:r>
-            <a:r>
-              <a:rPr lang="" altLang="en-US"/>
-              <a:t>(discriminator)</a:t>
-            </a:r>
-            <a:endParaRPr lang="" altLang="en-US"/>
-          </a:p>
-        </p:txBody>
-      </p:sp>
-      <p:pic>
-        <p:nvPicPr>
-          <p:cNvPr id="3" name="Picture 2"/>
-          <p:cNvPicPr>
-            <a:picLocks noChangeAspect="1"/>
-          </p:cNvPicPr>
-          <p:nvPr/>
-        </p:nvPicPr>
-        <p:blipFill>
-          <a:blip r:embed="rId5"/>
-          <a:stretch>
-            <a:fillRect/>
-          </a:stretch>
-        </p:blipFill>
-        <p:spPr>
-          <a:xfrm>
-            <a:off x="1124585" y="5660390"/>
-            <a:ext cx="1602740" cy="939800"/>
-          </a:xfrm>
-          <a:prstGeom prst="rect">
-            <a:avLst/>
-          </a:prstGeom>
-        </p:spPr>
-      </p:pic>
-      <p:sp>
-        <p:nvSpPr>
-          <p:cNvPr id="14" name="Text Box 13"/>
-          <p:cNvSpPr txBox="1"/>
-          <p:nvPr/>
-        </p:nvSpPr>
-        <p:spPr>
-          <a:xfrm>
-            <a:off x="3855720" y="5901055"/>
-            <a:ext cx="557530" cy="368300"/>
-          </a:xfrm>
-          <a:prstGeom prst="rect">
-            <a:avLst/>
-          </a:prstGeom>
-          <a:noFill/>
-        </p:spPr>
-        <p:txBody>
-          <a:bodyPr wrap="none" rtlCol="0">
-            <a:spAutoFit/>
-          </a:bodyPr>
-          <a:p>
-            <a:r>
-              <a:rPr lang="en-US" altLang="en-US" i="1"/>
-              <a:t>e</a:t>
-            </a:r>
-            <a:r>
-              <a:rPr lang="en-US" altLang="en-US" i="1" baseline="-25000"/>
-              <a:t>neg</a:t>
-            </a:r>
-            <a:endParaRPr lang="en-US" altLang="en-US" i="1" baseline="-25000"/>
-          </a:p>
-        </p:txBody>
-      </p:sp>
-      <p:sp>
-        <p:nvSpPr>
-          <p:cNvPr id="15" name="Right Arrow 14"/>
-          <p:cNvSpPr/>
-          <p:nvPr/>
-        </p:nvSpPr>
-        <p:spPr>
-          <a:xfrm>
-            <a:off x="4733290" y="5969635"/>
-            <a:ext cx="336550" cy="321310"/>
-          </a:xfrm>
-          <a:prstGeom prst="rightArrow">
-            <a:avLst/>
-          </a:prstGeom>
-        </p:spPr>
-        <p:style>
-          <a:lnRef idx="2">
-            <a:schemeClr val="accent1">
-              <a:shade val="50000"/>
-            </a:schemeClr>
-          </a:lnRef>
-          <a:fillRef idx="1">
-            <a:schemeClr val="accent1"/>
-          </a:fillRef>
-          <a:effectRef idx="0">
-            <a:schemeClr val="accent1"/>
-          </a:effectRef>
-          <a:fontRef idx="minor">
-            <a:schemeClr val="lt1"/>
-          </a:fontRef>
-        </p:style>
-        <p:txBody>
-          <a:bodyPr rtlCol="0" anchor="ctr"/>
-          <a:p>
-            <a:pPr algn="ctr"/>
-            <a:endParaRPr lang="en-US"/>
-          </a:p>
-        </p:txBody>
-      </p:sp>
-      <p:sp>
-        <p:nvSpPr>
-          <p:cNvPr id="18" name="Text Box 17"/>
-          <p:cNvSpPr txBox="1"/>
-          <p:nvPr/>
-        </p:nvSpPr>
-        <p:spPr>
-          <a:xfrm>
-            <a:off x="5346700" y="5922645"/>
-            <a:ext cx="563880" cy="368300"/>
-          </a:xfrm>
-          <a:prstGeom prst="rect">
-            <a:avLst/>
-          </a:prstGeom>
-          <a:noFill/>
-        </p:spPr>
-        <p:txBody>
-          <a:bodyPr wrap="none" rtlCol="0">
-            <a:spAutoFit/>
-          </a:bodyPr>
-          <a:p>
-            <a:r>
-              <a:rPr lang="en-US" altLang="en-US" i="1"/>
-              <a:t>???</a:t>
-            </a:r>
-            <a:endParaRPr lang="en-US" altLang="en-US" i="1" baseline="-25000"/>
-          </a:p>
-        </p:txBody>
-      </p:sp>
-      <p:sp>
-        <p:nvSpPr>
-          <p:cNvPr id="30" name="Right Arrow 29"/>
-          <p:cNvSpPr/>
-          <p:nvPr/>
-        </p:nvSpPr>
-        <p:spPr>
-          <a:xfrm>
-            <a:off x="9422130" y="5727700"/>
-            <a:ext cx="336550" cy="321310"/>
-          </a:xfrm>
-          <a:prstGeom prst="rightArrow">
-            <a:avLst/>
-          </a:prstGeom>
-        </p:spPr>
-        <p:style>
-          <a:lnRef idx="2">
-            <a:schemeClr val="accent1">
-              <a:shade val="50000"/>
-            </a:schemeClr>
-          </a:lnRef>
-          <a:fillRef idx="1">
-            <a:schemeClr val="accent1"/>
-          </a:fillRef>
-          <a:effectRef idx="0">
-            <a:schemeClr val="accent1"/>
-          </a:effectRef>
-          <a:fontRef idx="minor">
-            <a:schemeClr val="lt1"/>
-          </a:fontRef>
-        </p:style>
-        <p:txBody>
-          <a:bodyPr rtlCol="0" anchor="ctr"/>
-          <a:p>
-            <a:pPr algn="ctr"/>
-            <a:endParaRPr lang="en-US"/>
-          </a:p>
-        </p:txBody>
-      </p:sp>
-      <p:sp>
-        <p:nvSpPr>
-          <p:cNvPr id="31" name="Text Box 30"/>
-          <p:cNvSpPr txBox="1"/>
-          <p:nvPr/>
-        </p:nvSpPr>
-        <p:spPr>
-          <a:xfrm>
-            <a:off x="10201910" y="5680710"/>
-            <a:ext cx="563880" cy="368300"/>
-          </a:xfrm>
-          <a:prstGeom prst="rect">
-            <a:avLst/>
-          </a:prstGeom>
-          <a:noFill/>
-        </p:spPr>
-        <p:txBody>
-          <a:bodyPr wrap="none" rtlCol="0">
-            <a:spAutoFit/>
-          </a:bodyPr>
-          <a:p>
-            <a:r>
-              <a:rPr lang="en-US" altLang="en-US" i="1"/>
-              <a:t>???</a:t>
-            </a:r>
-            <a:endParaRPr lang="en-US" altLang="en-US" i="1" baseline="-25000"/>
-          </a:p>
-        </p:txBody>
-      </p:sp>
-      <p:pic>
-        <p:nvPicPr>
-          <p:cNvPr id="9" name="Picture 8"/>
-          <p:cNvPicPr>
-            <a:picLocks noChangeAspect="1"/>
-          </p:cNvPicPr>
-          <p:nvPr/>
-        </p:nvPicPr>
-        <p:blipFill>
-          <a:blip r:embed="rId6"/>
-          <a:stretch>
-            <a:fillRect/>
-          </a:stretch>
-        </p:blipFill>
-        <p:spPr>
-          <a:xfrm>
-            <a:off x="9175750" y="2609850"/>
-            <a:ext cx="612775" cy="462280"/>
-          </a:xfrm>
-          <a:prstGeom prst="rect">
-            <a:avLst/>
-          </a:prstGeom>
-        </p:spPr>
-      </p:pic>
-      <p:pic>
-        <p:nvPicPr>
-          <p:cNvPr id="12" name="Picture 11"/>
-          <p:cNvPicPr>
-            <a:picLocks noChangeAspect="1"/>
-          </p:cNvPicPr>
-          <p:nvPr/>
-        </p:nvPicPr>
-        <p:blipFill>
-          <a:blip r:embed="rId7"/>
-          <a:stretch>
-            <a:fillRect/>
-          </a:stretch>
-        </p:blipFill>
-        <p:spPr>
-          <a:xfrm>
-            <a:off x="9175750" y="1917700"/>
-            <a:ext cx="582930" cy="534035"/>
-          </a:xfrm>
-          <a:prstGeom prst="rect">
-            <a:avLst/>
-          </a:prstGeom>
-        </p:spPr>
-      </p:pic>
-      <p:pic>
-        <p:nvPicPr>
-          <p:cNvPr id="13" name="Picture 12"/>
-          <p:cNvPicPr>
-            <a:picLocks noChangeAspect="1"/>
-          </p:cNvPicPr>
-          <p:nvPr/>
-        </p:nvPicPr>
-        <p:blipFill>
-          <a:blip r:embed="rId8"/>
-          <a:stretch>
-            <a:fillRect/>
-          </a:stretch>
-        </p:blipFill>
-        <p:spPr>
-          <a:xfrm>
-            <a:off x="9199880" y="4053840"/>
-            <a:ext cx="621665" cy="410845"/>
-          </a:xfrm>
-          <a:prstGeom prst="rect">
-            <a:avLst/>
-          </a:prstGeom>
-        </p:spPr>
-      </p:pic>
-      <p:pic>
-        <p:nvPicPr>
-          <p:cNvPr id="19" name="Picture 18"/>
-          <p:cNvPicPr>
-            <a:picLocks noChangeAspect="1"/>
-          </p:cNvPicPr>
-          <p:nvPr/>
-        </p:nvPicPr>
-        <p:blipFill>
-          <a:blip r:embed="rId9"/>
-          <a:stretch>
-            <a:fillRect/>
-          </a:stretch>
-        </p:blipFill>
-        <p:spPr>
-          <a:xfrm>
-            <a:off x="9194800" y="4659630"/>
-            <a:ext cx="626745" cy="475615"/>
-          </a:xfrm>
-          <a:prstGeom prst="rect">
-            <a:avLst/>
-          </a:prstGeom>
-        </p:spPr>
-      </p:pic>
-      <p:sp>
-        <p:nvSpPr>
-          <p:cNvPr id="38" name="Right Arrow 37"/>
-          <p:cNvSpPr/>
-          <p:nvPr/>
-        </p:nvSpPr>
-        <p:spPr>
-          <a:xfrm rot="2760000">
-            <a:off x="10068560" y="2273300"/>
-            <a:ext cx="767715" cy="321310"/>
-          </a:xfrm>
-          <a:prstGeom prst="rightArrow">
-            <a:avLst/>
-          </a:prstGeom>
-          <a:solidFill>
-            <a:schemeClr val="accent6">
-              <a:lumMod val="40000"/>
-              <a:lumOff val="60000"/>
-            </a:schemeClr>
-          </a:solidFill>
-          <a:ln>
-            <a:noFill/>
-          </a:ln>
-        </p:spPr>
-        <p:style>
-          <a:lnRef idx="2">
-            <a:schemeClr val="accent1">
-              <a:shade val="50000"/>
-            </a:schemeClr>
-          </a:lnRef>
-          <a:fillRef idx="1">
-            <a:schemeClr val="accent1"/>
-          </a:fillRef>
-          <a:effectRef idx="0">
-            <a:schemeClr val="accent1"/>
-          </a:effectRef>
-          <a:fontRef idx="minor">
-            <a:schemeClr val="lt1"/>
-          </a:fontRef>
-        </p:style>
-        <p:txBody>
-          <a:bodyPr rtlCol="0" anchor="ctr"/>
-          <a:p>
-            <a:pPr algn="ctr"/>
-            <a:endParaRPr lang="en-US"/>
-          </a:p>
-        </p:txBody>
-      </p:sp>
-      <p:sp>
-        <p:nvSpPr>
-          <p:cNvPr id="39" name="Right Arrow 38"/>
-          <p:cNvSpPr/>
-          <p:nvPr/>
-        </p:nvSpPr>
-        <p:spPr>
-          <a:xfrm rot="18480000">
-            <a:off x="10049510" y="3868420"/>
-            <a:ext cx="767715" cy="321310"/>
-          </a:xfrm>
-          <a:prstGeom prst="rightArrow">
-            <a:avLst/>
-          </a:prstGeom>
-          <a:solidFill>
-            <a:schemeClr val="accent6">
-              <a:lumMod val="40000"/>
-              <a:lumOff val="60000"/>
-            </a:schemeClr>
-          </a:solidFill>
-          <a:ln>
-            <a:noFill/>
-          </a:ln>
-        </p:spPr>
-        <p:style>
-          <a:lnRef idx="2">
-            <a:schemeClr val="accent1">
-              <a:shade val="50000"/>
-            </a:schemeClr>
-          </a:lnRef>
-          <a:fillRef idx="1">
-            <a:schemeClr val="accent1"/>
-          </a:fillRef>
-          <a:effectRef idx="0">
-            <a:schemeClr val="accent1"/>
-          </a:effectRef>
-          <a:fontRef idx="minor">
-            <a:schemeClr val="lt1"/>
-          </a:fontRef>
-        </p:style>
-        <p:txBody>
-          <a:bodyPr rtlCol="0" anchor="ctr"/>
-          <a:p>
-            <a:pPr algn="ctr"/>
-            <a:endParaRPr lang="en-US"/>
-          </a:p>
-        </p:txBody>
-      </p:sp>
-      <p:sp>
-        <p:nvSpPr>
-          <p:cNvPr id="41" name="Text Box 40"/>
-          <p:cNvSpPr txBox="1"/>
-          <p:nvPr/>
-        </p:nvSpPr>
-        <p:spPr>
-          <a:xfrm>
-            <a:off x="11084560" y="3024505"/>
-            <a:ext cx="944880" cy="368300"/>
-          </a:xfrm>
-          <a:prstGeom prst="rect">
-            <a:avLst/>
-          </a:prstGeom>
-          <a:noFill/>
-        </p:spPr>
-        <p:txBody>
-          <a:bodyPr wrap="none" rtlCol="0">
-            <a:spAutoFit/>
-          </a:bodyPr>
-          <a:p>
-            <a:r>
-              <a:rPr lang="en-US" altLang="en-US"/>
-              <a:t>IIC loss</a:t>
-            </a:r>
-            <a:endParaRPr lang="en-US" altLang="en-US"/>
-          </a:p>
-        </p:txBody>
-      </p:sp>
-      <p:sp>
-        <p:nvSpPr>
-          <p:cNvPr id="43" name="Right Arrow 42"/>
-          <p:cNvSpPr/>
-          <p:nvPr/>
-        </p:nvSpPr>
-        <p:spPr>
-          <a:xfrm rot="1200000">
-            <a:off x="9923145" y="3049270"/>
-            <a:ext cx="767715" cy="321310"/>
-          </a:xfrm>
-          <a:prstGeom prst="rightArrow">
-            <a:avLst/>
-          </a:prstGeom>
-          <a:solidFill>
-            <a:schemeClr val="accent1">
-              <a:lumMod val="40000"/>
-              <a:lumOff val="60000"/>
-            </a:schemeClr>
-          </a:solidFill>
-          <a:ln>
-            <a:noFill/>
-          </a:ln>
-        </p:spPr>
-        <p:style>
-          <a:lnRef idx="2">
-            <a:schemeClr val="accent1">
-              <a:shade val="50000"/>
-            </a:schemeClr>
-          </a:lnRef>
-          <a:fillRef idx="1">
-            <a:schemeClr val="accent1"/>
-          </a:fillRef>
-          <a:effectRef idx="0">
-            <a:schemeClr val="accent1"/>
-          </a:effectRef>
-          <a:fontRef idx="minor">
-            <a:schemeClr val="lt1"/>
-          </a:fontRef>
-        </p:style>
-        <p:txBody>
-          <a:bodyPr rtlCol="0" anchor="ctr"/>
-          <a:p>
-            <a:pPr algn="ctr"/>
-            <a:endParaRPr lang="en-US"/>
-          </a:p>
-        </p:txBody>
-      </p:sp>
-      <p:sp>
-        <p:nvSpPr>
-          <p:cNvPr id="44" name="Right Arrow 43"/>
-          <p:cNvSpPr/>
-          <p:nvPr/>
-        </p:nvSpPr>
-        <p:spPr>
-          <a:xfrm rot="17820000">
-            <a:off x="10049510" y="4591050"/>
-            <a:ext cx="767715" cy="321310"/>
-          </a:xfrm>
-          <a:prstGeom prst="rightArrow">
-            <a:avLst/>
-          </a:prstGeom>
-          <a:solidFill>
-            <a:schemeClr val="accent1">
-              <a:lumMod val="40000"/>
-              <a:lumOff val="60000"/>
-            </a:schemeClr>
-          </a:solidFill>
-          <a:ln>
-            <a:noFill/>
-          </a:ln>
-        </p:spPr>
-        <p:style>
-          <a:lnRef idx="2">
-            <a:schemeClr val="accent1">
-              <a:shade val="50000"/>
-            </a:schemeClr>
-          </a:lnRef>
-          <a:fillRef idx="1">
-            <a:schemeClr val="accent1"/>
-          </a:fillRef>
-          <a:effectRef idx="0">
-            <a:schemeClr val="accent1"/>
-          </a:effectRef>
-          <a:fontRef idx="minor">
-            <a:schemeClr val="lt1"/>
-          </a:fontRef>
-        </p:style>
-        <p:txBody>
-          <a:bodyPr rtlCol="0" anchor="ctr"/>
-          <a:p>
-            <a:pPr algn="ctr"/>
-            <a:endParaRPr lang="en-US"/>
-          </a:p>
-        </p:txBody>
-      </p:sp>
-      <p:sp>
-        <p:nvSpPr>
-          <p:cNvPr id="45" name="Text Box 44"/>
-          <p:cNvSpPr txBox="1"/>
-          <p:nvPr/>
-        </p:nvSpPr>
-        <p:spPr>
-          <a:xfrm>
-            <a:off x="5814060" y="2000250"/>
-            <a:ext cx="563880" cy="368300"/>
-          </a:xfrm>
-          <a:prstGeom prst="rect">
-            <a:avLst/>
-          </a:prstGeom>
-          <a:noFill/>
-        </p:spPr>
-        <p:txBody>
-          <a:bodyPr wrap="none" rtlCol="0">
-            <a:spAutoFit/>
-          </a:bodyPr>
-          <a:p>
-            <a:r>
-              <a:rPr lang="en-US" altLang="en-US" i="1"/>
-              <a:t>???</a:t>
-            </a:r>
-            <a:endParaRPr lang="en-US" altLang="en-US" i="1" baseline="-25000"/>
-          </a:p>
-        </p:txBody>
-      </p:sp>
-      <p:sp>
-        <p:nvSpPr>
-          <p:cNvPr id="47" name="Text Box 46"/>
-          <p:cNvSpPr txBox="1"/>
-          <p:nvPr/>
-        </p:nvSpPr>
-        <p:spPr>
-          <a:xfrm>
-            <a:off x="35560" y="4153535"/>
-            <a:ext cx="798830" cy="645160"/>
-          </a:xfrm>
-          <a:prstGeom prst="rect">
-            <a:avLst/>
-          </a:prstGeom>
-          <a:noFill/>
-        </p:spPr>
-        <p:txBody>
-          <a:bodyPr wrap="square" rtlCol="0">
-            <a:spAutoFit/>
-          </a:bodyPr>
-          <a:p>
-            <a:pPr algn="ctr"/>
-            <a:r>
-              <a:rPr lang="" altLang="en-US" sz="1200"/>
-              <a:t>From</a:t>
-            </a:r>
-            <a:endParaRPr lang="" altLang="en-US" sz="1200"/>
-          </a:p>
-          <a:p>
-            <a:pPr algn="ctr"/>
-            <a:r>
-              <a:rPr lang="" altLang="en-US" sz="1200"/>
-              <a:t>other</a:t>
-            </a:r>
-            <a:endParaRPr lang="" altLang="en-US" sz="1200"/>
-          </a:p>
-          <a:p>
-            <a:pPr algn="ctr"/>
-            <a:r>
-              <a:rPr lang="" altLang="en-US" sz="1200"/>
-              <a:t>modality</a:t>
-            </a:r>
-            <a:endParaRPr lang="" altLang="en-US" sz="1200"/>
-          </a:p>
-        </p:txBody>
-      </p:sp>
-      <p:sp>
-        <p:nvSpPr>
-          <p:cNvPr id="48" name="Rectangle 47"/>
-          <p:cNvSpPr/>
-          <p:nvPr/>
-        </p:nvSpPr>
-        <p:spPr>
-          <a:xfrm>
-            <a:off x="7466330" y="2310130"/>
-            <a:ext cx="197485" cy="182245"/>
-          </a:xfrm>
-          <a:prstGeom prst="rect">
-            <a:avLst/>
-          </a:prstGeom>
-        </p:spPr>
-        <p:style>
-          <a:lnRef idx="2">
-            <a:schemeClr val="accent1">
-              <a:shade val="50000"/>
-            </a:schemeClr>
-          </a:lnRef>
-          <a:fillRef idx="1">
-            <a:schemeClr val="accent1"/>
-          </a:fillRef>
-          <a:effectRef idx="0">
-            <a:schemeClr val="accent1"/>
-          </a:effectRef>
-          <a:fontRef idx="minor">
-            <a:schemeClr val="lt1"/>
-          </a:fontRef>
-        </p:style>
-        <p:txBody>
-          <a:bodyPr rtlCol="0" anchor="ctr"/>
-          <a:p>
-            <a:pPr algn="ctr"/>
-            <a:endParaRPr lang="en-US"/>
-          </a:p>
-        </p:txBody>
-      </p:sp>
-      <p:sp>
-        <p:nvSpPr>
-          <p:cNvPr id="49" name="Rectangle 48"/>
-          <p:cNvSpPr/>
-          <p:nvPr/>
-        </p:nvSpPr>
-        <p:spPr>
-          <a:xfrm>
-            <a:off x="7875905" y="2319655"/>
-            <a:ext cx="197485" cy="182245"/>
-          </a:xfrm>
-          <a:prstGeom prst="rect">
-            <a:avLst/>
-          </a:prstGeom>
-        </p:spPr>
-        <p:style>
-          <a:lnRef idx="2">
-            <a:schemeClr val="accent1">
-              <a:shade val="50000"/>
-            </a:schemeClr>
-          </a:lnRef>
-          <a:fillRef idx="1">
-            <a:schemeClr val="accent1"/>
-          </a:fillRef>
-          <a:effectRef idx="0">
-            <a:schemeClr val="accent1"/>
-          </a:effectRef>
-          <a:fontRef idx="minor">
-            <a:schemeClr val="lt1"/>
-          </a:fontRef>
-        </p:style>
-        <p:txBody>
-          <a:bodyPr rtlCol="0" anchor="ctr"/>
-          <a:p>
-            <a:pPr algn="ctr"/>
-            <a:endParaRPr lang="en-US"/>
-          </a:p>
-        </p:txBody>
-      </p:sp>
-      <p:sp>
-        <p:nvSpPr>
-          <p:cNvPr id="50" name="Rectangle 49"/>
-          <p:cNvSpPr/>
-          <p:nvPr/>
-        </p:nvSpPr>
-        <p:spPr>
-          <a:xfrm>
-            <a:off x="7931785" y="2656205"/>
-            <a:ext cx="197485" cy="182245"/>
-          </a:xfrm>
-          <a:prstGeom prst="rect">
-            <a:avLst/>
-          </a:prstGeom>
-        </p:spPr>
-        <p:style>
-          <a:lnRef idx="2">
-            <a:schemeClr val="accent1">
-              <a:shade val="50000"/>
-            </a:schemeClr>
-          </a:lnRef>
-          <a:fillRef idx="1">
-            <a:schemeClr val="accent1"/>
-          </a:fillRef>
-          <a:effectRef idx="0">
-            <a:schemeClr val="accent1"/>
-          </a:effectRef>
-          <a:fontRef idx="minor">
-            <a:schemeClr val="lt1"/>
-          </a:fontRef>
-        </p:style>
-        <p:txBody>
-          <a:bodyPr rtlCol="0" anchor="ctr"/>
-          <a:p>
-            <a:pPr algn="ctr"/>
-            <a:endParaRPr lang="en-US"/>
-          </a:p>
-        </p:txBody>
-      </p:sp>
-      <p:sp>
-        <p:nvSpPr>
-          <p:cNvPr id="51" name="Rectangle 50"/>
-          <p:cNvSpPr/>
-          <p:nvPr/>
-        </p:nvSpPr>
-        <p:spPr>
-          <a:xfrm>
-            <a:off x="7477125" y="2656205"/>
-            <a:ext cx="197485" cy="182245"/>
-          </a:xfrm>
-          <a:prstGeom prst="rect">
-            <a:avLst/>
-          </a:prstGeom>
-        </p:spPr>
-        <p:style>
-          <a:lnRef idx="2">
-            <a:schemeClr val="accent1">
-              <a:shade val="50000"/>
-            </a:schemeClr>
-          </a:lnRef>
-          <a:fillRef idx="1">
-            <a:schemeClr val="accent1"/>
-          </a:fillRef>
-          <a:effectRef idx="0">
-            <a:schemeClr val="accent1"/>
-          </a:effectRef>
-          <a:fontRef idx="minor">
-            <a:schemeClr val="lt1"/>
-          </a:fontRef>
-        </p:style>
-        <p:txBody>
-          <a:bodyPr rtlCol="0" anchor="ctr"/>
-          <a:p>
-            <a:pPr algn="ctr"/>
-            <a:endParaRPr lang="en-US"/>
-          </a:p>
-        </p:txBody>
-      </p:sp>
-      <p:sp>
-        <p:nvSpPr>
-          <p:cNvPr id="52" name="Rectangle 51"/>
-          <p:cNvSpPr/>
-          <p:nvPr/>
-        </p:nvSpPr>
-        <p:spPr>
-          <a:xfrm>
-            <a:off x="7481570" y="4255135"/>
-            <a:ext cx="197485" cy="182245"/>
-          </a:xfrm>
-          <a:prstGeom prst="rect">
-            <a:avLst/>
-          </a:prstGeom>
-        </p:spPr>
-        <p:style>
-          <a:lnRef idx="2">
-            <a:schemeClr val="accent1">
-              <a:shade val="50000"/>
-            </a:schemeClr>
-          </a:lnRef>
-          <a:fillRef idx="1">
-            <a:schemeClr val="accent1"/>
-          </a:fillRef>
-          <a:effectRef idx="0">
-            <a:schemeClr val="accent1"/>
-          </a:effectRef>
-          <a:fontRef idx="minor">
-            <a:schemeClr val="lt1"/>
-          </a:fontRef>
-        </p:style>
-        <p:txBody>
-          <a:bodyPr rtlCol="0" anchor="ctr"/>
-          <a:p>
-            <a:pPr algn="ctr"/>
-            <a:endParaRPr lang="en-US"/>
-          </a:p>
-        </p:txBody>
-      </p:sp>
-      <p:sp>
-        <p:nvSpPr>
-          <p:cNvPr id="53" name="Rectangle 52"/>
-          <p:cNvSpPr/>
-          <p:nvPr/>
-        </p:nvSpPr>
-        <p:spPr>
-          <a:xfrm>
-            <a:off x="7891145" y="4264660"/>
-            <a:ext cx="197485" cy="182245"/>
-          </a:xfrm>
-          <a:prstGeom prst="rect">
-            <a:avLst/>
-          </a:prstGeom>
-        </p:spPr>
-        <p:style>
-          <a:lnRef idx="2">
-            <a:schemeClr val="accent1">
-              <a:shade val="50000"/>
-            </a:schemeClr>
-          </a:lnRef>
-          <a:fillRef idx="1">
-            <a:schemeClr val="accent1"/>
-          </a:fillRef>
-          <a:effectRef idx="0">
-            <a:schemeClr val="accent1"/>
-          </a:effectRef>
-          <a:fontRef idx="minor">
-            <a:schemeClr val="lt1"/>
-          </a:fontRef>
-        </p:style>
-        <p:txBody>
-          <a:bodyPr rtlCol="0" anchor="ctr"/>
-          <a:p>
-            <a:pPr algn="ctr"/>
-            <a:endParaRPr lang="en-US"/>
-          </a:p>
-        </p:txBody>
-      </p:sp>
-      <p:sp>
-        <p:nvSpPr>
-          <p:cNvPr id="54" name="Rectangle 53"/>
-          <p:cNvSpPr/>
-          <p:nvPr/>
-        </p:nvSpPr>
-        <p:spPr>
-          <a:xfrm>
-            <a:off x="7947025" y="4601210"/>
-            <a:ext cx="197485" cy="182245"/>
-          </a:xfrm>
-          <a:prstGeom prst="rect">
-            <a:avLst/>
-          </a:prstGeom>
-        </p:spPr>
-        <p:style>
-          <a:lnRef idx="2">
-            <a:schemeClr val="accent1">
-              <a:shade val="50000"/>
-            </a:schemeClr>
-          </a:lnRef>
-          <a:fillRef idx="1">
-            <a:schemeClr val="accent1"/>
-          </a:fillRef>
-          <a:effectRef idx="0">
-            <a:schemeClr val="accent1"/>
-          </a:effectRef>
-          <a:fontRef idx="minor">
-            <a:schemeClr val="lt1"/>
-          </a:fontRef>
-        </p:style>
-        <p:txBody>
-          <a:bodyPr rtlCol="0" anchor="ctr"/>
-          <a:p>
-            <a:pPr algn="ctr"/>
-            <a:endParaRPr lang="en-US"/>
-          </a:p>
-        </p:txBody>
-      </p:sp>
-      <p:sp>
-        <p:nvSpPr>
-          <p:cNvPr id="55" name="Rectangle 54"/>
-          <p:cNvSpPr/>
-          <p:nvPr/>
-        </p:nvSpPr>
-        <p:spPr>
-          <a:xfrm>
-            <a:off x="7492365" y="4601210"/>
-            <a:ext cx="197485" cy="182245"/>
-          </a:xfrm>
-          <a:prstGeom prst="rect">
-            <a:avLst/>
-          </a:prstGeom>
-        </p:spPr>
-        <p:style>
-          <a:lnRef idx="2">
-            <a:schemeClr val="accent1">
-              <a:shade val="50000"/>
-            </a:schemeClr>
-          </a:lnRef>
-          <a:fillRef idx="1">
-            <a:schemeClr val="accent1"/>
-          </a:fillRef>
-          <a:effectRef idx="0">
-            <a:schemeClr val="accent1"/>
-          </a:effectRef>
-          <a:fontRef idx="minor">
-            <a:schemeClr val="lt1"/>
-          </a:fontRef>
-        </p:style>
-        <p:txBody>
-          <a:bodyPr rtlCol="0" anchor="ctr"/>
-          <a:p>
-            <a:pPr algn="ctr"/>
-            <a:endParaRPr lang="en-US"/>
-          </a:p>
-        </p:txBody>
-      </p:sp>
-      <p:sp>
-        <p:nvSpPr>
-          <p:cNvPr id="56" name="Text Box 55"/>
-          <p:cNvSpPr txBox="1"/>
-          <p:nvPr/>
-        </p:nvSpPr>
-        <p:spPr>
-          <a:xfrm>
-            <a:off x="9573260" y="3459480"/>
-            <a:ext cx="2456180" cy="922020"/>
-          </a:xfrm>
-          <a:prstGeom prst="rect">
-            <a:avLst/>
-          </a:prstGeom>
-          <a:noFill/>
-        </p:spPr>
-        <p:txBody>
-          <a:bodyPr wrap="none" rtlCol="0" anchor="t">
-            <a:spAutoFit/>
-          </a:bodyPr>
-          <a:p>
-            <a:r>
-              <a:rPr lang="en-US" altLang="en-US">
-                <a:sym typeface="+mn-ea"/>
-              </a:rPr>
-              <a:t>IIC loss (discriminator)</a:t>
-            </a:r>
-            <a:endParaRPr lang="en-US" altLang="en-US">
-              <a:sym typeface="+mn-ea"/>
-            </a:endParaRPr>
-          </a:p>
-          <a:p>
-            <a:r>
-              <a:rPr lang="" altLang="en-US"/>
-              <a:t>divergence loss</a:t>
-            </a:r>
-            <a:endParaRPr lang="" altLang="en-US"/>
-          </a:p>
-          <a:p>
-            <a:r>
-              <a:rPr lang="" altLang="en-US"/>
-              <a:t>&gt;&gt; favorable</a:t>
-            </a:r>
-            <a:endParaRPr lang="" altLang="en-US"/>
-          </a:p>
-        </p:txBody>
-      </p:sp>
     </p:spTree>
   </p:cSld>
   <p:clrMapOvr>
@@ -8637,6 +6365,80 @@
         <p:nvPr/>
       </p:nvGrpSpPr>
       <p:grpSpPr/>
+      <p:pic>
+        <p:nvPicPr>
+          <p:cNvPr id="35" name="Picture 34"/>
+          <p:cNvPicPr>
+            <a:picLocks noChangeAspect="1"/>
+          </p:cNvPicPr>
+          <p:nvPr/>
+        </p:nvPicPr>
+        <p:blipFill>
+          <a:blip r:embed="rId1"/>
+          <a:stretch>
+            <a:fillRect/>
+          </a:stretch>
+        </p:blipFill>
+        <p:spPr>
+          <a:xfrm>
+            <a:off x="7466330" y="5558790"/>
+            <a:ext cx="814070" cy="889000"/>
+          </a:xfrm>
+          <a:prstGeom prst="rect">
+            <a:avLst/>
+          </a:prstGeom>
+        </p:spPr>
+      </p:pic>
+      <p:pic>
+        <p:nvPicPr>
+          <p:cNvPr id="17" name="Picture 16"/>
+          <p:cNvPicPr>
+            <a:picLocks noChangeAspect="1"/>
+          </p:cNvPicPr>
+          <p:nvPr/>
+        </p:nvPicPr>
+        <p:blipFill>
+          <a:blip r:embed="rId2"/>
+          <a:stretch>
+            <a:fillRect/>
+          </a:stretch>
+        </p:blipFill>
+        <p:spPr>
+          <a:xfrm>
+            <a:off x="1113790" y="4044950"/>
+            <a:ext cx="812165" cy="862330"/>
+          </a:xfrm>
+          <a:prstGeom prst="rect">
+            <a:avLst/>
+          </a:prstGeom>
+        </p:spPr>
+      </p:pic>
+      <p:pic>
+        <p:nvPicPr>
+          <p:cNvPr id="16" name="Content Placeholder 15"/>
+          <p:cNvPicPr>
+            <a:picLocks noChangeAspect="1"/>
+          </p:cNvPicPr>
+          <p:nvPr>
+            <p:ph idx="1"/>
+          </p:nvPr>
+        </p:nvPicPr>
+        <p:blipFill>
+          <a:blip r:embed="rId3"/>
+          <a:stretch>
+            <a:fillRect/>
+          </a:stretch>
+        </p:blipFill>
+        <p:spPr>
+          <a:xfrm>
+            <a:off x="1140460" y="2324100"/>
+            <a:ext cx="812165" cy="845185"/>
+          </a:xfrm>
+          <a:prstGeom prst="rect">
+            <a:avLst/>
+          </a:prstGeom>
+        </p:spPr>
+      </p:pic>
       <p:sp>
         <p:nvSpPr>
           <p:cNvPr id="2" name="Title 1"/>
@@ -8652,12 +6454,8 @@
           <a:bodyPr/>
           <a:p>
             <a:r>
-              <a:rPr lang="" altLang="en-US"/>
-              <a:t>Current progress</a:t>
-            </a:r>
-            <a:r>
               <a:rPr lang="en-US" altLang="en-US"/>
-              <a:t>:</a:t>
+              <a:t>network architecture for IIC + bounding box?</a:t>
             </a:r>
             <a:endParaRPr lang="en-US" altLang="en-US"/>
           </a:p>
@@ -8665,70 +6463,1754 @@
       </p:sp>
       <p:sp>
         <p:nvSpPr>
-          <p:cNvPr id="20" name="Content Placeholder 19"/>
+          <p:cNvPr id="4" name="Isosceles Triangle 3"/>
           <p:cNvSpPr/>
-          <p:nvPr>
-            <p:ph idx="1"/>
-          </p:nvPr>
-        </p:nvSpPr>
-        <p:spPr/>
-        <p:txBody>
-          <a:bodyPr/>
-          <a:p>
-            <a:r>
-              <a:rPr lang="" altLang="en-US"/>
-              <a:t>Contrast Sampler:</a:t>
-            </a:r>
-            <a:endParaRPr lang="" altLang="en-US"/>
-          </a:p>
-          <a:p>
-            <a:pPr lvl="1"/>
-            <a:r>
-              <a:rPr lang="" altLang="en-US" sz="1800"/>
-              <a:t>return a batch with N patients and M slices per patition per patient</a:t>
-            </a:r>
-            <a:endParaRPr lang="" altLang="en-US" sz="1800"/>
-          </a:p>
-          <a:p>
-            <a:pPr marL="457200" lvl="1" indent="0">
-              <a:buNone/>
-            </a:pPr>
+          <p:nvPr/>
+        </p:nvSpPr>
+        <p:spPr>
+          <a:xfrm rot="5400000">
+            <a:off x="2489200" y="3432810"/>
+            <a:ext cx="1516380" cy="698500"/>
+          </a:xfrm>
+          <a:prstGeom prst="triangle">
+            <a:avLst/>
+          </a:prstGeom>
+        </p:spPr>
+        <p:style>
+          <a:lnRef idx="2">
+            <a:schemeClr val="accent1">
+              <a:shade val="50000"/>
+            </a:schemeClr>
+          </a:lnRef>
+          <a:fillRef idx="1">
+            <a:schemeClr val="accent1"/>
+          </a:fillRef>
+          <a:effectRef idx="0">
+            <a:schemeClr val="accent1"/>
+          </a:effectRef>
+          <a:fontRef idx="minor">
+            <a:schemeClr val="lt1"/>
+          </a:fontRef>
+        </p:style>
+        <p:txBody>
+          <a:bodyPr rtlCol="0" anchor="ctr"/>
+          <a:p>
+            <a:pPr algn="ctr"/>
+            <a:endParaRPr lang="en-US"/>
+          </a:p>
+        </p:txBody>
+      </p:sp>
+      <p:sp>
+        <p:nvSpPr>
+          <p:cNvPr id="5" name="Isosceles Triangle 4"/>
+          <p:cNvSpPr/>
+          <p:nvPr/>
+        </p:nvSpPr>
+        <p:spPr>
+          <a:xfrm rot="16200000">
+            <a:off x="5227955" y="3669030"/>
+            <a:ext cx="795020" cy="242570"/>
+          </a:xfrm>
+          <a:prstGeom prst="triangle">
+            <a:avLst/>
+          </a:prstGeom>
+        </p:spPr>
+        <p:style>
+          <a:lnRef idx="2">
+            <a:schemeClr val="accent1">
+              <a:shade val="50000"/>
+            </a:schemeClr>
+          </a:lnRef>
+          <a:fillRef idx="1">
+            <a:schemeClr val="accent1"/>
+          </a:fillRef>
+          <a:effectRef idx="0">
+            <a:schemeClr val="accent1"/>
+          </a:effectRef>
+          <a:fontRef idx="minor">
+            <a:schemeClr val="lt1"/>
+          </a:fontRef>
+        </p:style>
+        <p:txBody>
+          <a:bodyPr rtlCol="0" anchor="ctr"/>
+          <a:p>
+            <a:pPr algn="ctr"/>
+            <a:endParaRPr lang="en-US"/>
+          </a:p>
+        </p:txBody>
+      </p:sp>
+      <p:sp>
+        <p:nvSpPr>
+          <p:cNvPr id="6" name="Right Arrow 5"/>
+          <p:cNvSpPr/>
+          <p:nvPr/>
+        </p:nvSpPr>
+        <p:spPr>
+          <a:xfrm rot="5400000">
+            <a:off x="3935095" y="3917315"/>
+            <a:ext cx="406400" cy="432435"/>
+          </a:xfrm>
+          <a:prstGeom prst="rightArrow">
+            <a:avLst/>
+          </a:prstGeom>
+        </p:spPr>
+        <p:style>
+          <a:lnRef idx="2">
+            <a:schemeClr val="accent1">
+              <a:shade val="50000"/>
+            </a:schemeClr>
+          </a:lnRef>
+          <a:fillRef idx="1">
+            <a:schemeClr val="accent1"/>
+          </a:fillRef>
+          <a:effectRef idx="0">
+            <a:schemeClr val="accent1"/>
+          </a:effectRef>
+          <a:fontRef idx="minor">
+            <a:schemeClr val="lt1"/>
+          </a:fontRef>
+        </p:style>
+        <p:txBody>
+          <a:bodyPr rtlCol="0" anchor="ctr"/>
+          <a:p>
+            <a:pPr algn="ctr"/>
+            <a:endParaRPr lang="en-US"/>
+          </a:p>
+        </p:txBody>
+      </p:sp>
+      <p:sp>
+        <p:nvSpPr>
+          <p:cNvPr id="8" name="Rounded Rectangle 7"/>
+          <p:cNvSpPr/>
+          <p:nvPr/>
+        </p:nvSpPr>
+        <p:spPr>
+          <a:xfrm>
+            <a:off x="1124585" y="4044950"/>
+            <a:ext cx="827405" cy="862330"/>
+          </a:xfrm>
+          <a:prstGeom prst="roundRect">
+            <a:avLst/>
+          </a:prstGeom>
+          <a:noFill/>
+          <a:ln w="38100" cmpd="sng">
+            <a:solidFill>
+              <a:schemeClr val="accent2">
+                <a:lumMod val="40000"/>
+                <a:lumOff val="60000"/>
+              </a:schemeClr>
+            </a:solidFill>
+            <a:prstDash val="solid"/>
+          </a:ln>
+        </p:spPr>
+        <p:style>
+          <a:lnRef idx="2">
+            <a:schemeClr val="accent1">
+              <a:shade val="50000"/>
+            </a:schemeClr>
+          </a:lnRef>
+          <a:fillRef idx="1">
+            <a:schemeClr val="accent1"/>
+          </a:fillRef>
+          <a:effectRef idx="0">
+            <a:schemeClr val="accent1"/>
+          </a:effectRef>
+          <a:fontRef idx="minor">
+            <a:schemeClr val="lt1"/>
+          </a:fontRef>
+        </p:style>
+        <p:txBody>
+          <a:bodyPr rtlCol="0" anchor="ctr"/>
+          <a:p>
+            <a:pPr algn="ctr"/>
+            <a:endParaRPr lang="en-US"/>
+          </a:p>
+        </p:txBody>
+      </p:sp>
+      <p:sp>
+        <p:nvSpPr>
+          <p:cNvPr id="10" name="Text Box 9"/>
+          <p:cNvSpPr txBox="1"/>
+          <p:nvPr/>
+        </p:nvSpPr>
+        <p:spPr>
+          <a:xfrm>
+            <a:off x="1963420" y="2703195"/>
+            <a:ext cx="647700" cy="275590"/>
+          </a:xfrm>
+          <a:prstGeom prst="rect">
+            <a:avLst/>
+          </a:prstGeom>
+          <a:noFill/>
+        </p:spPr>
+        <p:txBody>
+          <a:bodyPr wrap="none" rtlCol="0">
+            <a:spAutoFit/>
+          </a:bodyPr>
+          <a:p>
+            <a:r>
+              <a:rPr lang="en-US" altLang="en-US" sz="1200"/>
+              <a:t>anchor</a:t>
+            </a:r>
+            <a:endParaRPr lang="en-US" altLang="en-US" sz="1200"/>
+          </a:p>
+        </p:txBody>
+      </p:sp>
+      <p:sp>
+        <p:nvSpPr>
+          <p:cNvPr id="11" name="Text Box 10"/>
+          <p:cNvSpPr txBox="1"/>
+          <p:nvPr/>
+        </p:nvSpPr>
+        <p:spPr>
+          <a:xfrm>
+            <a:off x="1968500" y="4121785"/>
+            <a:ext cx="723900" cy="645160"/>
+          </a:xfrm>
+          <a:prstGeom prst="rect">
+            <a:avLst/>
+          </a:prstGeom>
+          <a:noFill/>
+        </p:spPr>
+        <p:txBody>
+          <a:bodyPr wrap="none" rtlCol="0">
+            <a:spAutoFit/>
+          </a:bodyPr>
+          <a:p>
+            <a:r>
+              <a:rPr lang="en-US" altLang="en-US" sz="1200"/>
+              <a:t>roughly </a:t>
+            </a:r>
+            <a:endParaRPr lang="en-US" altLang="en-US" sz="1200"/>
+          </a:p>
+          <a:p>
+            <a:r>
+              <a:rPr lang="en-US" altLang="en-US" sz="1200"/>
+              <a:t>aligned</a:t>
+            </a:r>
+            <a:endParaRPr lang="en-US" altLang="en-US" sz="1200"/>
+          </a:p>
+          <a:p>
+            <a:r>
+              <a:rPr lang="en-US" altLang="en-US" sz="1200"/>
+              <a:t>images</a:t>
+            </a:r>
+            <a:endParaRPr lang="en-US" altLang="en-US" sz="1200"/>
+          </a:p>
+        </p:txBody>
+      </p:sp>
+      <p:sp>
+        <p:nvSpPr>
+          <p:cNvPr id="7" name="Rounded Rectangle 6"/>
+          <p:cNvSpPr/>
+          <p:nvPr/>
+        </p:nvSpPr>
+        <p:spPr>
+          <a:xfrm>
+            <a:off x="1124585" y="2319655"/>
+            <a:ext cx="843915" cy="854710"/>
+          </a:xfrm>
+          <a:prstGeom prst="roundRect">
+            <a:avLst/>
+          </a:prstGeom>
+          <a:noFill/>
+          <a:ln w="38100" cmpd="sng">
+            <a:solidFill>
+              <a:srgbClr val="FF8D41"/>
+            </a:solidFill>
+            <a:prstDash val="solid"/>
+          </a:ln>
+        </p:spPr>
+        <p:style>
+          <a:lnRef idx="2">
+            <a:schemeClr val="accent1">
+              <a:shade val="50000"/>
+            </a:schemeClr>
+          </a:lnRef>
+          <a:fillRef idx="1">
+            <a:schemeClr val="accent1"/>
+          </a:fillRef>
+          <a:effectRef idx="0">
+            <a:schemeClr val="accent1"/>
+          </a:effectRef>
+          <a:fontRef idx="minor">
+            <a:schemeClr val="lt1"/>
+          </a:fontRef>
+        </p:style>
+        <p:txBody>
+          <a:bodyPr rtlCol="0" anchor="ctr"/>
+          <a:p>
+            <a:pPr algn="ctr"/>
+            <a:endParaRPr lang="en-US"/>
+          </a:p>
+        </p:txBody>
+      </p:sp>
+      <p:sp>
+        <p:nvSpPr>
+          <p:cNvPr id="21" name="Text Box 20"/>
+          <p:cNvSpPr txBox="1"/>
+          <p:nvPr/>
+        </p:nvSpPr>
+        <p:spPr>
+          <a:xfrm>
+            <a:off x="3863975" y="4601210"/>
+            <a:ext cx="549275" cy="645160"/>
+          </a:xfrm>
+          <a:prstGeom prst="rect">
+            <a:avLst/>
+          </a:prstGeom>
+          <a:noFill/>
+        </p:spPr>
+        <p:txBody>
+          <a:bodyPr wrap="none" rtlCol="0">
+            <a:spAutoFit/>
+          </a:bodyPr>
+          <a:p>
+            <a:r>
+              <a:rPr lang="en-US" altLang="en-US" i="1"/>
+              <a:t>e</a:t>
+            </a:r>
+            <a:r>
+              <a:rPr lang="en-US" altLang="en-US" baseline="-25000"/>
+              <a:t>anc</a:t>
+            </a:r>
             <a:endParaRPr lang="en-US" altLang="en-US"/>
           </a:p>
           <a:p>
             <a:r>
-              <a:rPr lang="" altLang="en-US"/>
-              <a:t>Data Alignment for ACDC</a:t>
-            </a:r>
-            <a:endParaRPr lang="" altLang="en-US"/>
-          </a:p>
-          <a:p>
-            <a:pPr lvl="1"/>
-            <a:r>
-              <a:rPr lang="" altLang="en-US"/>
-              <a:t>roughly data alignment for image and labels</a:t>
+              <a:rPr lang="en-US" altLang="en-US" i="1"/>
+              <a:t>e</a:t>
+            </a:r>
+            <a:r>
+              <a:rPr lang="en-US" altLang="en-US" baseline="-25000"/>
+              <a:t>pos</a:t>
+            </a:r>
+            <a:endParaRPr lang="en-US" altLang="en-US" baseline="-25000"/>
+          </a:p>
+        </p:txBody>
+      </p:sp>
+      <p:pic>
+        <p:nvPicPr>
+          <p:cNvPr id="23" name="Picture 22"/>
+          <p:cNvPicPr>
+            <a:picLocks noChangeAspect="1"/>
+          </p:cNvPicPr>
+          <p:nvPr/>
+        </p:nvPicPr>
+        <p:blipFill>
+          <a:blip r:embed="rId4"/>
+          <a:stretch>
+            <a:fillRect/>
+          </a:stretch>
+        </p:blipFill>
+        <p:spPr>
+          <a:xfrm>
+            <a:off x="7381240" y="2204085"/>
+            <a:ext cx="834390" cy="883920"/>
+          </a:xfrm>
+          <a:prstGeom prst="rect">
+            <a:avLst/>
+          </a:prstGeom>
+        </p:spPr>
+      </p:pic>
+      <p:pic>
+        <p:nvPicPr>
+          <p:cNvPr id="24" name="Picture 23"/>
+          <p:cNvPicPr>
+            <a:picLocks noChangeAspect="1"/>
+          </p:cNvPicPr>
+          <p:nvPr/>
+        </p:nvPicPr>
+        <p:blipFill>
+          <a:blip r:embed="rId4"/>
+          <a:stretch>
+            <a:fillRect/>
+          </a:stretch>
+        </p:blipFill>
+        <p:spPr>
+          <a:xfrm>
+            <a:off x="7375525" y="4053840"/>
+            <a:ext cx="821055" cy="889635"/>
+          </a:xfrm>
+          <a:prstGeom prst="rect">
+            <a:avLst/>
+          </a:prstGeom>
+        </p:spPr>
+      </p:pic>
+      <p:sp>
+        <p:nvSpPr>
+          <p:cNvPr id="26" name="Rounded Rectangle 25"/>
+          <p:cNvSpPr/>
+          <p:nvPr/>
+        </p:nvSpPr>
+        <p:spPr>
+          <a:xfrm>
+            <a:off x="7371080" y="2204085"/>
+            <a:ext cx="843915" cy="854710"/>
+          </a:xfrm>
+          <a:prstGeom prst="roundRect">
+            <a:avLst/>
+          </a:prstGeom>
+          <a:noFill/>
+          <a:ln w="38100" cmpd="sng">
+            <a:solidFill>
+              <a:srgbClr val="FF8D41"/>
+            </a:solidFill>
+            <a:prstDash val="solid"/>
+          </a:ln>
+        </p:spPr>
+        <p:style>
+          <a:lnRef idx="2">
+            <a:schemeClr val="accent1">
+              <a:shade val="50000"/>
+            </a:schemeClr>
+          </a:lnRef>
+          <a:fillRef idx="1">
+            <a:schemeClr val="accent1"/>
+          </a:fillRef>
+          <a:effectRef idx="0">
+            <a:schemeClr val="accent1"/>
+          </a:effectRef>
+          <a:fontRef idx="minor">
+            <a:schemeClr val="lt1"/>
+          </a:fontRef>
+        </p:style>
+        <p:txBody>
+          <a:bodyPr rtlCol="0" anchor="ctr"/>
+          <a:p>
+            <a:pPr algn="ctr"/>
+            <a:endParaRPr lang="en-US"/>
+          </a:p>
+        </p:txBody>
+      </p:sp>
+      <p:sp>
+        <p:nvSpPr>
+          <p:cNvPr id="27" name="Rounded Rectangle 26"/>
+          <p:cNvSpPr/>
+          <p:nvPr/>
+        </p:nvSpPr>
+        <p:spPr>
+          <a:xfrm>
+            <a:off x="7391400" y="4081145"/>
+            <a:ext cx="827405" cy="862330"/>
+          </a:xfrm>
+          <a:prstGeom prst="roundRect">
+            <a:avLst/>
+          </a:prstGeom>
+          <a:noFill/>
+          <a:ln w="38100" cmpd="sng">
+            <a:solidFill>
+              <a:schemeClr val="accent2">
+                <a:lumMod val="40000"/>
+                <a:lumOff val="60000"/>
+              </a:schemeClr>
+            </a:solidFill>
+            <a:prstDash val="solid"/>
+          </a:ln>
+        </p:spPr>
+        <p:style>
+          <a:lnRef idx="2">
+            <a:schemeClr val="accent1">
+              <a:shade val="50000"/>
+            </a:schemeClr>
+          </a:lnRef>
+          <a:fillRef idx="1">
+            <a:schemeClr val="accent1"/>
+          </a:fillRef>
+          <a:effectRef idx="0">
+            <a:schemeClr val="accent1"/>
+          </a:effectRef>
+          <a:fontRef idx="minor">
+            <a:schemeClr val="lt1"/>
+          </a:fontRef>
+        </p:style>
+        <p:txBody>
+          <a:bodyPr rtlCol="0" anchor="ctr"/>
+          <a:p>
+            <a:pPr algn="ctr"/>
+            <a:endParaRPr lang="en-US"/>
+          </a:p>
+        </p:txBody>
+      </p:sp>
+      <p:sp>
+        <p:nvSpPr>
+          <p:cNvPr id="28" name="Rounded Rectangle 27"/>
+          <p:cNvSpPr/>
+          <p:nvPr/>
+        </p:nvSpPr>
+        <p:spPr>
+          <a:xfrm>
+            <a:off x="7477125" y="5544185"/>
+            <a:ext cx="813435" cy="899160"/>
+          </a:xfrm>
+          <a:prstGeom prst="roundRect">
+            <a:avLst/>
+          </a:prstGeom>
+          <a:noFill/>
+          <a:ln w="38100" cmpd="sng">
+            <a:solidFill>
+              <a:schemeClr val="accent5"/>
+            </a:solidFill>
+            <a:prstDash val="solid"/>
+          </a:ln>
+        </p:spPr>
+        <p:style>
+          <a:lnRef idx="2">
+            <a:schemeClr val="accent1">
+              <a:shade val="50000"/>
+            </a:schemeClr>
+          </a:lnRef>
+          <a:fillRef idx="1">
+            <a:schemeClr val="accent1"/>
+          </a:fillRef>
+          <a:effectRef idx="0">
+            <a:schemeClr val="accent1"/>
+          </a:effectRef>
+          <a:fontRef idx="minor">
+            <a:schemeClr val="lt1"/>
+          </a:fontRef>
+        </p:style>
+        <p:txBody>
+          <a:bodyPr rtlCol="0" anchor="ctr"/>
+          <a:p>
+            <a:pPr algn="ctr"/>
+            <a:endParaRPr lang="en-US"/>
+          </a:p>
+        </p:txBody>
+      </p:sp>
+      <p:sp>
+        <p:nvSpPr>
+          <p:cNvPr id="32" name="Text Box 31"/>
+          <p:cNvSpPr txBox="1"/>
+          <p:nvPr/>
+        </p:nvSpPr>
+        <p:spPr>
+          <a:xfrm>
+            <a:off x="8420735" y="2713355"/>
+            <a:ext cx="647700" cy="275590"/>
+          </a:xfrm>
+          <a:prstGeom prst="rect">
+            <a:avLst/>
+          </a:prstGeom>
+          <a:noFill/>
+        </p:spPr>
+        <p:txBody>
+          <a:bodyPr wrap="none" rtlCol="0">
+            <a:spAutoFit/>
+          </a:bodyPr>
+          <a:p>
+            <a:r>
+              <a:rPr lang="en-US" altLang="en-US" sz="1200"/>
+              <a:t>anchor</a:t>
+            </a:r>
+            <a:endParaRPr lang="en-US" altLang="en-US" sz="1200"/>
+          </a:p>
+        </p:txBody>
+      </p:sp>
+      <p:sp>
+        <p:nvSpPr>
+          <p:cNvPr id="33" name="Text Box 32"/>
+          <p:cNvSpPr txBox="1"/>
+          <p:nvPr/>
+        </p:nvSpPr>
+        <p:spPr>
+          <a:xfrm>
+            <a:off x="8420735" y="4189730"/>
+            <a:ext cx="723900" cy="645160"/>
+          </a:xfrm>
+          <a:prstGeom prst="rect">
+            <a:avLst/>
+          </a:prstGeom>
+          <a:noFill/>
+        </p:spPr>
+        <p:txBody>
+          <a:bodyPr wrap="none" rtlCol="0">
+            <a:spAutoFit/>
+          </a:bodyPr>
+          <a:p>
+            <a:pPr algn="l"/>
+            <a:r>
+              <a:rPr lang="en-US" altLang="en-US" sz="1200">
+                <a:sym typeface="+mn-ea"/>
+              </a:rPr>
+              <a:t>roughly </a:t>
+            </a:r>
+            <a:endParaRPr lang="en-US" altLang="en-US" sz="1200"/>
+          </a:p>
+          <a:p>
+            <a:pPr algn="l"/>
+            <a:r>
+              <a:rPr lang="en-US" altLang="en-US" sz="1200">
+                <a:sym typeface="+mn-ea"/>
+              </a:rPr>
+              <a:t>aligned</a:t>
+            </a:r>
+            <a:endParaRPr lang="en-US" altLang="en-US" sz="1200"/>
+          </a:p>
+          <a:p>
+            <a:pPr algn="l"/>
+            <a:r>
+              <a:rPr lang="en-US" altLang="en-US" sz="1200">
+                <a:sym typeface="+mn-ea"/>
+              </a:rPr>
+              <a:t>images</a:t>
+            </a:r>
+            <a:endParaRPr lang="en-US" altLang="en-US" sz="1200"/>
+          </a:p>
+        </p:txBody>
+      </p:sp>
+      <p:sp>
+        <p:nvSpPr>
+          <p:cNvPr id="34" name="Text Box 33"/>
+          <p:cNvSpPr txBox="1"/>
+          <p:nvPr/>
+        </p:nvSpPr>
+        <p:spPr>
+          <a:xfrm>
+            <a:off x="8505825" y="5629910"/>
+            <a:ext cx="757555" cy="275590"/>
+          </a:xfrm>
+          <a:prstGeom prst="rect">
+            <a:avLst/>
+          </a:prstGeom>
+          <a:noFill/>
+        </p:spPr>
+        <p:txBody>
+          <a:bodyPr wrap="none" rtlCol="0">
+            <a:spAutoFit/>
+          </a:bodyPr>
+          <a:p>
+            <a:r>
+              <a:rPr lang="en-US" altLang="en-US" sz="1200"/>
+              <a:t>negative</a:t>
+            </a:r>
+            <a:endParaRPr lang="en-US" altLang="en-US" sz="1200"/>
+          </a:p>
+        </p:txBody>
+      </p:sp>
+      <p:sp>
+        <p:nvSpPr>
+          <p:cNvPr id="36" name="Right Arrow 35"/>
+          <p:cNvSpPr/>
+          <p:nvPr/>
+        </p:nvSpPr>
+        <p:spPr>
+          <a:xfrm rot="16200000">
+            <a:off x="5892165" y="2624455"/>
+            <a:ext cx="406400" cy="432435"/>
+          </a:xfrm>
+          <a:prstGeom prst="rightArrow">
+            <a:avLst/>
+          </a:prstGeom>
+        </p:spPr>
+        <p:style>
+          <a:lnRef idx="2">
+            <a:schemeClr val="accent1">
+              <a:shade val="50000"/>
+            </a:schemeClr>
+          </a:lnRef>
+          <a:fillRef idx="1">
+            <a:schemeClr val="accent1"/>
+          </a:fillRef>
+          <a:effectRef idx="0">
+            <a:schemeClr val="accent1"/>
+          </a:effectRef>
+          <a:fontRef idx="minor">
+            <a:schemeClr val="lt1"/>
+          </a:fontRef>
+        </p:style>
+        <p:txBody>
+          <a:bodyPr rtlCol="0" anchor="ctr"/>
+          <a:p>
+            <a:pPr algn="ctr"/>
+            <a:endParaRPr lang="en-US"/>
+          </a:p>
+        </p:txBody>
+      </p:sp>
+      <p:sp>
+        <p:nvSpPr>
+          <p:cNvPr id="37" name="Flowchart: Manual Operation 36"/>
+          <p:cNvSpPr/>
+          <p:nvPr/>
+        </p:nvSpPr>
+        <p:spPr>
+          <a:xfrm rot="5400000">
+            <a:off x="5831205" y="3631565"/>
+            <a:ext cx="1454785" cy="240030"/>
+          </a:xfrm>
+          <a:prstGeom prst="flowChartManualOperation">
+            <a:avLst/>
+          </a:prstGeom>
+        </p:spPr>
+        <p:style>
+          <a:lnRef idx="2">
+            <a:schemeClr val="accent1">
+              <a:shade val="50000"/>
+            </a:schemeClr>
+          </a:lnRef>
+          <a:fillRef idx="1">
+            <a:schemeClr val="accent1"/>
+          </a:fillRef>
+          <a:effectRef idx="0">
+            <a:schemeClr val="accent1"/>
+          </a:effectRef>
+          <a:fontRef idx="minor">
+            <a:schemeClr val="lt1"/>
+          </a:fontRef>
+        </p:style>
+        <p:txBody>
+          <a:bodyPr rtlCol="0" anchor="ctr"/>
+          <a:p>
+            <a:pPr algn="ctr"/>
+            <a:endParaRPr lang="en-US"/>
+          </a:p>
+        </p:txBody>
+      </p:sp>
+      <p:sp>
+        <p:nvSpPr>
+          <p:cNvPr id="40" name="Right Arrow 39"/>
+          <p:cNvSpPr/>
+          <p:nvPr/>
+        </p:nvSpPr>
+        <p:spPr>
+          <a:xfrm>
+            <a:off x="4783455" y="4766945"/>
+            <a:ext cx="336550" cy="321310"/>
+          </a:xfrm>
+          <a:prstGeom prst="rightArrow">
+            <a:avLst/>
+          </a:prstGeom>
+        </p:spPr>
+        <p:style>
+          <a:lnRef idx="2">
+            <a:schemeClr val="accent1">
+              <a:shade val="50000"/>
+            </a:schemeClr>
+          </a:lnRef>
+          <a:fillRef idx="1">
+            <a:schemeClr val="accent1"/>
+          </a:fillRef>
+          <a:effectRef idx="0">
+            <a:schemeClr val="accent1"/>
+          </a:effectRef>
+          <a:fontRef idx="minor">
+            <a:schemeClr val="lt1"/>
+          </a:fontRef>
+        </p:style>
+        <p:txBody>
+          <a:bodyPr rtlCol="0" anchor="ctr"/>
+          <a:p>
+            <a:pPr algn="ctr"/>
+            <a:endParaRPr lang="en-US"/>
+          </a:p>
+        </p:txBody>
+      </p:sp>
+      <p:sp>
+        <p:nvSpPr>
+          <p:cNvPr id="42" name="Text Box 41"/>
+          <p:cNvSpPr txBox="1"/>
+          <p:nvPr/>
+        </p:nvSpPr>
+        <p:spPr>
+          <a:xfrm>
+            <a:off x="5165725" y="5088255"/>
+            <a:ext cx="2710180" cy="368300"/>
+          </a:xfrm>
+          <a:prstGeom prst="rect">
+            <a:avLst/>
+          </a:prstGeom>
+          <a:noFill/>
+        </p:spPr>
+        <p:txBody>
+          <a:bodyPr wrap="none" rtlCol="0">
+            <a:spAutoFit/>
+          </a:bodyPr>
+          <a:p>
+            <a:r>
+              <a:rPr lang="en-US" altLang="en-US"/>
+              <a:t>IIC loss (discriminator)??</a:t>
             </a:r>
             <a:endParaRPr lang="en-US" altLang="en-US"/>
           </a:p>
-          <a:p>
+        </p:txBody>
+      </p:sp>
+      <p:pic>
+        <p:nvPicPr>
+          <p:cNvPr id="3" name="Picture 2"/>
+          <p:cNvPicPr>
+            <a:picLocks noChangeAspect="1"/>
+          </p:cNvPicPr>
+          <p:nvPr/>
+        </p:nvPicPr>
+        <p:blipFill>
+          <a:blip r:embed="rId5"/>
+          <a:stretch>
+            <a:fillRect/>
+          </a:stretch>
+        </p:blipFill>
+        <p:spPr>
+          <a:xfrm>
+            <a:off x="1124585" y="5660390"/>
+            <a:ext cx="1602740" cy="939800"/>
+          </a:xfrm>
+          <a:prstGeom prst="rect">
+            <a:avLst/>
+          </a:prstGeom>
+        </p:spPr>
+      </p:pic>
+      <p:sp>
+        <p:nvSpPr>
+          <p:cNvPr id="14" name="Text Box 13"/>
+          <p:cNvSpPr txBox="1"/>
+          <p:nvPr/>
+        </p:nvSpPr>
+        <p:spPr>
+          <a:xfrm>
+            <a:off x="3855720" y="5901055"/>
+            <a:ext cx="557530" cy="368300"/>
+          </a:xfrm>
+          <a:prstGeom prst="rect">
+            <a:avLst/>
+          </a:prstGeom>
+          <a:noFill/>
+        </p:spPr>
+        <p:txBody>
+          <a:bodyPr wrap="none" rtlCol="0">
+            <a:spAutoFit/>
+          </a:bodyPr>
+          <a:p>
+            <a:r>
+              <a:rPr lang="en-US" altLang="en-US" i="1"/>
+              <a:t>e</a:t>
+            </a:r>
+            <a:r>
+              <a:rPr lang="en-US" altLang="en-US" i="1" baseline="-25000"/>
+              <a:t>neg</a:t>
+            </a:r>
+            <a:endParaRPr lang="en-US" altLang="en-US" i="1" baseline="-25000"/>
+          </a:p>
+        </p:txBody>
+      </p:sp>
+      <p:sp>
+        <p:nvSpPr>
+          <p:cNvPr id="15" name="Right Arrow 14"/>
+          <p:cNvSpPr/>
+          <p:nvPr/>
+        </p:nvSpPr>
+        <p:spPr>
+          <a:xfrm>
+            <a:off x="4733290" y="5969635"/>
+            <a:ext cx="336550" cy="321310"/>
+          </a:xfrm>
+          <a:prstGeom prst="rightArrow">
+            <a:avLst/>
+          </a:prstGeom>
+        </p:spPr>
+        <p:style>
+          <a:lnRef idx="2">
+            <a:schemeClr val="accent1">
+              <a:shade val="50000"/>
+            </a:schemeClr>
+          </a:lnRef>
+          <a:fillRef idx="1">
+            <a:schemeClr val="accent1"/>
+          </a:fillRef>
+          <a:effectRef idx="0">
+            <a:schemeClr val="accent1"/>
+          </a:effectRef>
+          <a:fontRef idx="minor">
+            <a:schemeClr val="lt1"/>
+          </a:fontRef>
+        </p:style>
+        <p:txBody>
+          <a:bodyPr rtlCol="0" anchor="ctr"/>
+          <a:p>
+            <a:pPr algn="ctr"/>
+            <a:endParaRPr lang="en-US"/>
+          </a:p>
+        </p:txBody>
+      </p:sp>
+      <p:sp>
+        <p:nvSpPr>
+          <p:cNvPr id="18" name="Text Box 17"/>
+          <p:cNvSpPr txBox="1"/>
+          <p:nvPr/>
+        </p:nvSpPr>
+        <p:spPr>
+          <a:xfrm>
+            <a:off x="5346700" y="5922645"/>
+            <a:ext cx="1516380" cy="368300"/>
+          </a:xfrm>
+          <a:prstGeom prst="rect">
+            <a:avLst/>
+          </a:prstGeom>
+          <a:noFill/>
+        </p:spPr>
+        <p:txBody>
+          <a:bodyPr wrap="none" rtlCol="0">
+            <a:spAutoFit/>
+          </a:bodyPr>
+          <a:p>
+            <a:r>
+              <a:rPr lang="en-US" altLang="en-US" i="1"/>
+              <a:t>Enc_contrast</a:t>
+            </a:r>
+            <a:endParaRPr lang="en-US" altLang="en-US" i="1" baseline="-25000"/>
+          </a:p>
+        </p:txBody>
+      </p:sp>
+      <p:sp>
+        <p:nvSpPr>
+          <p:cNvPr id="30" name="Right Arrow 29"/>
+          <p:cNvSpPr/>
+          <p:nvPr/>
+        </p:nvSpPr>
+        <p:spPr>
+          <a:xfrm>
+            <a:off x="9422130" y="5727700"/>
+            <a:ext cx="336550" cy="321310"/>
+          </a:xfrm>
+          <a:prstGeom prst="rightArrow">
+            <a:avLst/>
+          </a:prstGeom>
+        </p:spPr>
+        <p:style>
+          <a:lnRef idx="2">
+            <a:schemeClr val="accent1">
+              <a:shade val="50000"/>
+            </a:schemeClr>
+          </a:lnRef>
+          <a:fillRef idx="1">
+            <a:schemeClr val="accent1"/>
+          </a:fillRef>
+          <a:effectRef idx="0">
+            <a:schemeClr val="accent1"/>
+          </a:effectRef>
+          <a:fontRef idx="minor">
+            <a:schemeClr val="lt1"/>
+          </a:fontRef>
+        </p:style>
+        <p:txBody>
+          <a:bodyPr rtlCol="0" anchor="ctr"/>
+          <a:p>
+            <a:pPr algn="ctr"/>
+            <a:endParaRPr lang="en-US"/>
+          </a:p>
+        </p:txBody>
+      </p:sp>
+      <p:sp>
+        <p:nvSpPr>
+          <p:cNvPr id="31" name="Text Box 30"/>
+          <p:cNvSpPr txBox="1"/>
+          <p:nvPr/>
+        </p:nvSpPr>
+        <p:spPr>
+          <a:xfrm>
+            <a:off x="10201910" y="5680710"/>
+            <a:ext cx="1427480" cy="368300"/>
+          </a:xfrm>
+          <a:prstGeom prst="rect">
+            <a:avLst/>
+          </a:prstGeom>
+          <a:noFill/>
+        </p:spPr>
+        <p:txBody>
+          <a:bodyPr wrap="none" rtlCol="0">
+            <a:spAutoFit/>
+          </a:bodyPr>
+          <a:p>
+            <a:r>
+              <a:rPr lang="en-US" altLang="en-US" i="1"/>
+              <a:t>no loss here</a:t>
+            </a:r>
+            <a:endParaRPr lang="en-US" altLang="en-US" i="1" baseline="-25000"/>
+          </a:p>
+        </p:txBody>
+      </p:sp>
+      <p:pic>
+        <p:nvPicPr>
+          <p:cNvPr id="9" name="Picture 8"/>
+          <p:cNvPicPr>
+            <a:picLocks noChangeAspect="1"/>
+          </p:cNvPicPr>
+          <p:nvPr/>
+        </p:nvPicPr>
+        <p:blipFill>
+          <a:blip r:embed="rId6"/>
+          <a:stretch>
+            <a:fillRect/>
+          </a:stretch>
+        </p:blipFill>
+        <p:spPr>
+          <a:xfrm>
+            <a:off x="9175750" y="2609850"/>
+            <a:ext cx="612775" cy="462280"/>
+          </a:xfrm>
+          <a:prstGeom prst="rect">
+            <a:avLst/>
+          </a:prstGeom>
+        </p:spPr>
+      </p:pic>
+      <p:pic>
+        <p:nvPicPr>
+          <p:cNvPr id="12" name="Picture 11"/>
+          <p:cNvPicPr>
+            <a:picLocks noChangeAspect="1"/>
+          </p:cNvPicPr>
+          <p:nvPr/>
+        </p:nvPicPr>
+        <p:blipFill>
+          <a:blip r:embed="rId7"/>
+          <a:stretch>
+            <a:fillRect/>
+          </a:stretch>
+        </p:blipFill>
+        <p:spPr>
+          <a:xfrm>
+            <a:off x="9175750" y="1917700"/>
+            <a:ext cx="582930" cy="534035"/>
+          </a:xfrm>
+          <a:prstGeom prst="rect">
+            <a:avLst/>
+          </a:prstGeom>
+        </p:spPr>
+      </p:pic>
+      <p:pic>
+        <p:nvPicPr>
+          <p:cNvPr id="13" name="Picture 12"/>
+          <p:cNvPicPr>
+            <a:picLocks noChangeAspect="1"/>
+          </p:cNvPicPr>
+          <p:nvPr/>
+        </p:nvPicPr>
+        <p:blipFill>
+          <a:blip r:embed="rId8"/>
+          <a:stretch>
+            <a:fillRect/>
+          </a:stretch>
+        </p:blipFill>
+        <p:spPr>
+          <a:xfrm>
+            <a:off x="9199880" y="4053840"/>
+            <a:ext cx="621665" cy="410845"/>
+          </a:xfrm>
+          <a:prstGeom prst="rect">
+            <a:avLst/>
+          </a:prstGeom>
+        </p:spPr>
+      </p:pic>
+      <p:pic>
+        <p:nvPicPr>
+          <p:cNvPr id="19" name="Picture 18"/>
+          <p:cNvPicPr>
+            <a:picLocks noChangeAspect="1"/>
+          </p:cNvPicPr>
+          <p:nvPr/>
+        </p:nvPicPr>
+        <p:blipFill>
+          <a:blip r:embed="rId9"/>
+          <a:stretch>
+            <a:fillRect/>
+          </a:stretch>
+        </p:blipFill>
+        <p:spPr>
+          <a:xfrm>
+            <a:off x="9194800" y="4659630"/>
+            <a:ext cx="626745" cy="475615"/>
+          </a:xfrm>
+          <a:prstGeom prst="rect">
+            <a:avLst/>
+          </a:prstGeom>
+        </p:spPr>
+      </p:pic>
+      <p:sp>
+        <p:nvSpPr>
+          <p:cNvPr id="38" name="Right Arrow 37"/>
+          <p:cNvSpPr/>
+          <p:nvPr/>
+        </p:nvSpPr>
+        <p:spPr>
+          <a:xfrm rot="2760000">
+            <a:off x="10068560" y="2273300"/>
+            <a:ext cx="767715" cy="321310"/>
+          </a:xfrm>
+          <a:prstGeom prst="rightArrow">
+            <a:avLst/>
+          </a:prstGeom>
+          <a:solidFill>
+            <a:schemeClr val="accent6">
+              <a:lumMod val="40000"/>
+              <a:lumOff val="60000"/>
+            </a:schemeClr>
+          </a:solidFill>
+          <a:ln>
+            <a:noFill/>
+          </a:ln>
+        </p:spPr>
+        <p:style>
+          <a:lnRef idx="2">
+            <a:schemeClr val="accent1">
+              <a:shade val="50000"/>
+            </a:schemeClr>
+          </a:lnRef>
+          <a:fillRef idx="1">
+            <a:schemeClr val="accent1"/>
+          </a:fillRef>
+          <a:effectRef idx="0">
+            <a:schemeClr val="accent1"/>
+          </a:effectRef>
+          <a:fontRef idx="minor">
+            <a:schemeClr val="lt1"/>
+          </a:fontRef>
+        </p:style>
+        <p:txBody>
+          <a:bodyPr rtlCol="0" anchor="ctr"/>
+          <a:p>
+            <a:pPr algn="ctr"/>
+            <a:endParaRPr lang="en-US"/>
+          </a:p>
+        </p:txBody>
+      </p:sp>
+      <p:sp>
+        <p:nvSpPr>
+          <p:cNvPr id="39" name="Right Arrow 38"/>
+          <p:cNvSpPr/>
+          <p:nvPr/>
+        </p:nvSpPr>
+        <p:spPr>
+          <a:xfrm rot="18480000">
+            <a:off x="10049510" y="3868420"/>
+            <a:ext cx="767715" cy="321310"/>
+          </a:xfrm>
+          <a:prstGeom prst="rightArrow">
+            <a:avLst/>
+          </a:prstGeom>
+          <a:solidFill>
+            <a:schemeClr val="accent6">
+              <a:lumMod val="40000"/>
+              <a:lumOff val="60000"/>
+            </a:schemeClr>
+          </a:solidFill>
+          <a:ln>
+            <a:noFill/>
+          </a:ln>
+        </p:spPr>
+        <p:style>
+          <a:lnRef idx="2">
+            <a:schemeClr val="accent1">
+              <a:shade val="50000"/>
+            </a:schemeClr>
+          </a:lnRef>
+          <a:fillRef idx="1">
+            <a:schemeClr val="accent1"/>
+          </a:fillRef>
+          <a:effectRef idx="0">
+            <a:schemeClr val="accent1"/>
+          </a:effectRef>
+          <a:fontRef idx="minor">
+            <a:schemeClr val="lt1"/>
+          </a:fontRef>
+        </p:style>
+        <p:txBody>
+          <a:bodyPr rtlCol="0" anchor="ctr"/>
+          <a:p>
+            <a:pPr algn="ctr"/>
+            <a:endParaRPr lang="en-US"/>
+          </a:p>
+        </p:txBody>
+      </p:sp>
+      <p:sp>
+        <p:nvSpPr>
+          <p:cNvPr id="41" name="Text Box 40"/>
+          <p:cNvSpPr txBox="1"/>
+          <p:nvPr/>
+        </p:nvSpPr>
+        <p:spPr>
+          <a:xfrm>
+            <a:off x="11084560" y="3024505"/>
+            <a:ext cx="944880" cy="368300"/>
+          </a:xfrm>
+          <a:prstGeom prst="rect">
+            <a:avLst/>
+          </a:prstGeom>
+          <a:noFill/>
+        </p:spPr>
+        <p:txBody>
+          <a:bodyPr wrap="none" rtlCol="0">
+            <a:spAutoFit/>
+          </a:bodyPr>
+          <a:p>
+            <a:r>
+              <a:rPr lang="en-US" altLang="en-US"/>
+              <a:t>IIC loss</a:t>
+            </a:r>
             <a:endParaRPr lang="en-US" altLang="en-US"/>
           </a:p>
-          <a:p>
-            <a:r>
-              <a:rPr lang="" altLang="en-US"/>
-              <a:t>Rubust test on a new codebase</a:t>
-            </a:r>
-            <a:endParaRPr lang="" altLang="en-US"/>
-          </a:p>
-          <a:p>
-            <a:endParaRPr lang="" altLang="en-US"/>
-          </a:p>
-          <a:p>
-            <a:r>
-              <a:rPr lang="" altLang="en-US"/>
-              <a:t>A toy example on ACDC dataset with the other modality as the inverse color and 10 degree rotation of the same image.</a:t>
-            </a:r>
-            <a:endParaRPr lang="" altLang="en-US"/>
+        </p:txBody>
+      </p:sp>
+      <p:sp>
+        <p:nvSpPr>
+          <p:cNvPr id="43" name="Right Arrow 42"/>
+          <p:cNvSpPr/>
+          <p:nvPr/>
+        </p:nvSpPr>
+        <p:spPr>
+          <a:xfrm rot="1200000">
+            <a:off x="9923145" y="3049270"/>
+            <a:ext cx="767715" cy="321310"/>
+          </a:xfrm>
+          <a:prstGeom prst="rightArrow">
+            <a:avLst/>
+          </a:prstGeom>
+          <a:solidFill>
+            <a:schemeClr val="accent1">
+              <a:lumMod val="40000"/>
+              <a:lumOff val="60000"/>
+            </a:schemeClr>
+          </a:solidFill>
+          <a:ln>
+            <a:noFill/>
+          </a:ln>
+        </p:spPr>
+        <p:style>
+          <a:lnRef idx="2">
+            <a:schemeClr val="accent1">
+              <a:shade val="50000"/>
+            </a:schemeClr>
+          </a:lnRef>
+          <a:fillRef idx="1">
+            <a:schemeClr val="accent1"/>
+          </a:fillRef>
+          <a:effectRef idx="0">
+            <a:schemeClr val="accent1"/>
+          </a:effectRef>
+          <a:fontRef idx="minor">
+            <a:schemeClr val="lt1"/>
+          </a:fontRef>
+        </p:style>
+        <p:txBody>
+          <a:bodyPr rtlCol="0" anchor="ctr"/>
+          <a:p>
+            <a:pPr algn="ctr"/>
+            <a:endParaRPr lang="en-US"/>
+          </a:p>
+        </p:txBody>
+      </p:sp>
+      <p:sp>
+        <p:nvSpPr>
+          <p:cNvPr id="44" name="Right Arrow 43"/>
+          <p:cNvSpPr/>
+          <p:nvPr/>
+        </p:nvSpPr>
+        <p:spPr>
+          <a:xfrm rot="17820000">
+            <a:off x="10049510" y="4591050"/>
+            <a:ext cx="767715" cy="321310"/>
+          </a:xfrm>
+          <a:prstGeom prst="rightArrow">
+            <a:avLst/>
+          </a:prstGeom>
+          <a:solidFill>
+            <a:schemeClr val="accent1">
+              <a:lumMod val="40000"/>
+              <a:lumOff val="60000"/>
+            </a:schemeClr>
+          </a:solidFill>
+          <a:ln>
+            <a:noFill/>
+          </a:ln>
+        </p:spPr>
+        <p:style>
+          <a:lnRef idx="2">
+            <a:schemeClr val="accent1">
+              <a:shade val="50000"/>
+            </a:schemeClr>
+          </a:lnRef>
+          <a:fillRef idx="1">
+            <a:schemeClr val="accent1"/>
+          </a:fillRef>
+          <a:effectRef idx="0">
+            <a:schemeClr val="accent1"/>
+          </a:effectRef>
+          <a:fontRef idx="minor">
+            <a:schemeClr val="lt1"/>
+          </a:fontRef>
+        </p:style>
+        <p:txBody>
+          <a:bodyPr rtlCol="0" anchor="ctr"/>
+          <a:p>
+            <a:pPr algn="ctr"/>
+            <a:endParaRPr lang="en-US"/>
+          </a:p>
+        </p:txBody>
+      </p:sp>
+      <p:sp>
+        <p:nvSpPr>
+          <p:cNvPr id="47" name="Text Box 46"/>
+          <p:cNvSpPr txBox="1"/>
+          <p:nvPr/>
+        </p:nvSpPr>
+        <p:spPr>
+          <a:xfrm>
+            <a:off x="35560" y="4153535"/>
+            <a:ext cx="798830" cy="645160"/>
+          </a:xfrm>
+          <a:prstGeom prst="rect">
+            <a:avLst/>
+          </a:prstGeom>
+          <a:noFill/>
+        </p:spPr>
+        <p:txBody>
+          <a:bodyPr wrap="square" rtlCol="0">
+            <a:spAutoFit/>
+          </a:bodyPr>
+          <a:p>
+            <a:pPr algn="ctr"/>
+            <a:r>
+              <a:rPr lang="en-US" altLang="en-US" sz="1200"/>
+              <a:t>From</a:t>
+            </a:r>
+            <a:endParaRPr lang="en-US" altLang="en-US" sz="1200"/>
+          </a:p>
+          <a:p>
+            <a:pPr algn="ctr"/>
+            <a:r>
+              <a:rPr lang="en-US" altLang="en-US" sz="1200"/>
+              <a:t>other</a:t>
+            </a:r>
+            <a:endParaRPr lang="en-US" altLang="en-US" sz="1200"/>
+          </a:p>
+          <a:p>
+            <a:pPr algn="ctr"/>
+            <a:r>
+              <a:rPr lang="en-US" altLang="en-US" sz="1200"/>
+              <a:t>modality</a:t>
+            </a:r>
+            <a:endParaRPr lang="en-US" altLang="en-US" sz="1200"/>
+          </a:p>
+        </p:txBody>
+      </p:sp>
+      <p:sp>
+        <p:nvSpPr>
+          <p:cNvPr id="48" name="Rectangle 47"/>
+          <p:cNvSpPr/>
+          <p:nvPr/>
+        </p:nvSpPr>
+        <p:spPr>
+          <a:xfrm>
+            <a:off x="7466330" y="2310130"/>
+            <a:ext cx="197485" cy="182245"/>
+          </a:xfrm>
+          <a:prstGeom prst="rect">
+            <a:avLst/>
+          </a:prstGeom>
+        </p:spPr>
+        <p:style>
+          <a:lnRef idx="2">
+            <a:schemeClr val="accent1">
+              <a:shade val="50000"/>
+            </a:schemeClr>
+          </a:lnRef>
+          <a:fillRef idx="1">
+            <a:schemeClr val="accent1"/>
+          </a:fillRef>
+          <a:effectRef idx="0">
+            <a:schemeClr val="accent1"/>
+          </a:effectRef>
+          <a:fontRef idx="minor">
+            <a:schemeClr val="lt1"/>
+          </a:fontRef>
+        </p:style>
+        <p:txBody>
+          <a:bodyPr rtlCol="0" anchor="ctr"/>
+          <a:p>
+            <a:pPr algn="ctr"/>
+            <a:endParaRPr lang="en-US"/>
+          </a:p>
+        </p:txBody>
+      </p:sp>
+      <p:sp>
+        <p:nvSpPr>
+          <p:cNvPr id="49" name="Rectangle 48"/>
+          <p:cNvSpPr/>
+          <p:nvPr/>
+        </p:nvSpPr>
+        <p:spPr>
+          <a:xfrm>
+            <a:off x="7875905" y="2319655"/>
+            <a:ext cx="197485" cy="182245"/>
+          </a:xfrm>
+          <a:prstGeom prst="rect">
+            <a:avLst/>
+          </a:prstGeom>
+        </p:spPr>
+        <p:style>
+          <a:lnRef idx="2">
+            <a:schemeClr val="accent1">
+              <a:shade val="50000"/>
+            </a:schemeClr>
+          </a:lnRef>
+          <a:fillRef idx="1">
+            <a:schemeClr val="accent1"/>
+          </a:fillRef>
+          <a:effectRef idx="0">
+            <a:schemeClr val="accent1"/>
+          </a:effectRef>
+          <a:fontRef idx="minor">
+            <a:schemeClr val="lt1"/>
+          </a:fontRef>
+        </p:style>
+        <p:txBody>
+          <a:bodyPr rtlCol="0" anchor="ctr"/>
+          <a:p>
+            <a:pPr algn="ctr"/>
+            <a:endParaRPr lang="en-US"/>
+          </a:p>
+        </p:txBody>
+      </p:sp>
+      <p:sp>
+        <p:nvSpPr>
+          <p:cNvPr id="50" name="Rectangle 49"/>
+          <p:cNvSpPr/>
+          <p:nvPr/>
+        </p:nvSpPr>
+        <p:spPr>
+          <a:xfrm>
+            <a:off x="7931785" y="2656205"/>
+            <a:ext cx="197485" cy="182245"/>
+          </a:xfrm>
+          <a:prstGeom prst="rect">
+            <a:avLst/>
+          </a:prstGeom>
+        </p:spPr>
+        <p:style>
+          <a:lnRef idx="2">
+            <a:schemeClr val="accent1">
+              <a:shade val="50000"/>
+            </a:schemeClr>
+          </a:lnRef>
+          <a:fillRef idx="1">
+            <a:schemeClr val="accent1"/>
+          </a:fillRef>
+          <a:effectRef idx="0">
+            <a:schemeClr val="accent1"/>
+          </a:effectRef>
+          <a:fontRef idx="minor">
+            <a:schemeClr val="lt1"/>
+          </a:fontRef>
+        </p:style>
+        <p:txBody>
+          <a:bodyPr rtlCol="0" anchor="ctr"/>
+          <a:p>
+            <a:pPr algn="ctr"/>
+            <a:endParaRPr lang="en-US"/>
+          </a:p>
+        </p:txBody>
+      </p:sp>
+      <p:sp>
+        <p:nvSpPr>
+          <p:cNvPr id="51" name="Rectangle 50"/>
+          <p:cNvSpPr/>
+          <p:nvPr/>
+        </p:nvSpPr>
+        <p:spPr>
+          <a:xfrm>
+            <a:off x="7477125" y="2656205"/>
+            <a:ext cx="197485" cy="182245"/>
+          </a:xfrm>
+          <a:prstGeom prst="rect">
+            <a:avLst/>
+          </a:prstGeom>
+        </p:spPr>
+        <p:style>
+          <a:lnRef idx="2">
+            <a:schemeClr val="accent1">
+              <a:shade val="50000"/>
+            </a:schemeClr>
+          </a:lnRef>
+          <a:fillRef idx="1">
+            <a:schemeClr val="accent1"/>
+          </a:fillRef>
+          <a:effectRef idx="0">
+            <a:schemeClr val="accent1"/>
+          </a:effectRef>
+          <a:fontRef idx="minor">
+            <a:schemeClr val="lt1"/>
+          </a:fontRef>
+        </p:style>
+        <p:txBody>
+          <a:bodyPr rtlCol="0" anchor="ctr"/>
+          <a:p>
+            <a:pPr algn="ctr"/>
+            <a:endParaRPr lang="en-US"/>
+          </a:p>
+        </p:txBody>
+      </p:sp>
+      <p:sp>
+        <p:nvSpPr>
+          <p:cNvPr id="52" name="Rectangle 51"/>
+          <p:cNvSpPr/>
+          <p:nvPr/>
+        </p:nvSpPr>
+        <p:spPr>
+          <a:xfrm>
+            <a:off x="7481570" y="4255135"/>
+            <a:ext cx="197485" cy="182245"/>
+          </a:xfrm>
+          <a:prstGeom prst="rect">
+            <a:avLst/>
+          </a:prstGeom>
+        </p:spPr>
+        <p:style>
+          <a:lnRef idx="2">
+            <a:schemeClr val="accent1">
+              <a:shade val="50000"/>
+            </a:schemeClr>
+          </a:lnRef>
+          <a:fillRef idx="1">
+            <a:schemeClr val="accent1"/>
+          </a:fillRef>
+          <a:effectRef idx="0">
+            <a:schemeClr val="accent1"/>
+          </a:effectRef>
+          <a:fontRef idx="minor">
+            <a:schemeClr val="lt1"/>
+          </a:fontRef>
+        </p:style>
+        <p:txBody>
+          <a:bodyPr rtlCol="0" anchor="ctr"/>
+          <a:p>
+            <a:pPr algn="ctr"/>
+            <a:endParaRPr lang="en-US"/>
+          </a:p>
+        </p:txBody>
+      </p:sp>
+      <p:sp>
+        <p:nvSpPr>
+          <p:cNvPr id="53" name="Rectangle 52"/>
+          <p:cNvSpPr/>
+          <p:nvPr/>
+        </p:nvSpPr>
+        <p:spPr>
+          <a:xfrm>
+            <a:off x="7891145" y="4264660"/>
+            <a:ext cx="197485" cy="182245"/>
+          </a:xfrm>
+          <a:prstGeom prst="rect">
+            <a:avLst/>
+          </a:prstGeom>
+        </p:spPr>
+        <p:style>
+          <a:lnRef idx="2">
+            <a:schemeClr val="accent1">
+              <a:shade val="50000"/>
+            </a:schemeClr>
+          </a:lnRef>
+          <a:fillRef idx="1">
+            <a:schemeClr val="accent1"/>
+          </a:fillRef>
+          <a:effectRef idx="0">
+            <a:schemeClr val="accent1"/>
+          </a:effectRef>
+          <a:fontRef idx="minor">
+            <a:schemeClr val="lt1"/>
+          </a:fontRef>
+        </p:style>
+        <p:txBody>
+          <a:bodyPr rtlCol="0" anchor="ctr"/>
+          <a:p>
+            <a:pPr algn="ctr"/>
+            <a:endParaRPr lang="en-US"/>
+          </a:p>
+        </p:txBody>
+      </p:sp>
+      <p:sp>
+        <p:nvSpPr>
+          <p:cNvPr id="54" name="Rectangle 53"/>
+          <p:cNvSpPr/>
+          <p:nvPr/>
+        </p:nvSpPr>
+        <p:spPr>
+          <a:xfrm>
+            <a:off x="7947025" y="4601210"/>
+            <a:ext cx="197485" cy="182245"/>
+          </a:xfrm>
+          <a:prstGeom prst="rect">
+            <a:avLst/>
+          </a:prstGeom>
+        </p:spPr>
+        <p:style>
+          <a:lnRef idx="2">
+            <a:schemeClr val="accent1">
+              <a:shade val="50000"/>
+            </a:schemeClr>
+          </a:lnRef>
+          <a:fillRef idx="1">
+            <a:schemeClr val="accent1"/>
+          </a:fillRef>
+          <a:effectRef idx="0">
+            <a:schemeClr val="accent1"/>
+          </a:effectRef>
+          <a:fontRef idx="minor">
+            <a:schemeClr val="lt1"/>
+          </a:fontRef>
+        </p:style>
+        <p:txBody>
+          <a:bodyPr rtlCol="0" anchor="ctr"/>
+          <a:p>
+            <a:pPr algn="ctr"/>
+            <a:endParaRPr lang="en-US"/>
+          </a:p>
+        </p:txBody>
+      </p:sp>
+      <p:sp>
+        <p:nvSpPr>
+          <p:cNvPr id="55" name="Rectangle 54"/>
+          <p:cNvSpPr/>
+          <p:nvPr/>
+        </p:nvSpPr>
+        <p:spPr>
+          <a:xfrm>
+            <a:off x="7492365" y="4601210"/>
+            <a:ext cx="197485" cy="182245"/>
+          </a:xfrm>
+          <a:prstGeom prst="rect">
+            <a:avLst/>
+          </a:prstGeom>
+        </p:spPr>
+        <p:style>
+          <a:lnRef idx="2">
+            <a:schemeClr val="accent1">
+              <a:shade val="50000"/>
+            </a:schemeClr>
+          </a:lnRef>
+          <a:fillRef idx="1">
+            <a:schemeClr val="accent1"/>
+          </a:fillRef>
+          <a:effectRef idx="0">
+            <a:schemeClr val="accent1"/>
+          </a:effectRef>
+          <a:fontRef idx="minor">
+            <a:schemeClr val="lt1"/>
+          </a:fontRef>
+        </p:style>
+        <p:txBody>
+          <a:bodyPr rtlCol="0" anchor="ctr"/>
+          <a:p>
+            <a:pPr algn="ctr"/>
+            <a:endParaRPr lang="en-US"/>
+          </a:p>
+        </p:txBody>
+      </p:sp>
+      <p:sp>
+        <p:nvSpPr>
+          <p:cNvPr id="56" name="Text Box 55"/>
+          <p:cNvSpPr txBox="1"/>
+          <p:nvPr/>
+        </p:nvSpPr>
+        <p:spPr>
+          <a:xfrm>
+            <a:off x="9891395" y="3508375"/>
+            <a:ext cx="2456180" cy="645160"/>
+          </a:xfrm>
+          <a:prstGeom prst="rect">
+            <a:avLst/>
+          </a:prstGeom>
+          <a:noFill/>
+        </p:spPr>
+        <p:txBody>
+          <a:bodyPr wrap="none" rtlCol="0" anchor="t">
+            <a:spAutoFit/>
+          </a:bodyPr>
+          <a:p>
+            <a:r>
+              <a:rPr lang="en-US" altLang="en-US">
+                <a:sym typeface="+mn-ea"/>
+              </a:rPr>
+              <a:t>IIC loss (discriminator)</a:t>
+            </a:r>
+            <a:endParaRPr lang="en-US" altLang="en-US">
+              <a:sym typeface="+mn-ea"/>
+            </a:endParaRPr>
+          </a:p>
+          <a:p>
+            <a:endParaRPr lang="en-US" altLang="en-US"/>
+          </a:p>
+        </p:txBody>
+      </p:sp>
+      <p:sp>
+        <p:nvSpPr>
+          <p:cNvPr id="20" name="Text Box 19"/>
+          <p:cNvSpPr txBox="1"/>
+          <p:nvPr/>
+        </p:nvSpPr>
+        <p:spPr>
+          <a:xfrm>
+            <a:off x="5734050" y="1955800"/>
+            <a:ext cx="944880" cy="368300"/>
+          </a:xfrm>
+          <a:prstGeom prst="rect">
+            <a:avLst/>
+          </a:prstGeom>
+          <a:noFill/>
+        </p:spPr>
+        <p:txBody>
+          <a:bodyPr wrap="none" rtlCol="0" anchor="t">
+            <a:spAutoFit/>
+          </a:bodyPr>
+          <a:p>
+            <a:r>
+              <a:rPr lang="en-US" altLang="en-US">
+                <a:sym typeface="+mn-ea"/>
+              </a:rPr>
+              <a:t>IIC loss</a:t>
+            </a:r>
+            <a:endParaRPr lang="en-US"/>
+          </a:p>
+        </p:txBody>
+      </p:sp>
+      <p:sp>
+        <p:nvSpPr>
+          <p:cNvPr id="22" name="Flowchart: Alternate Process 21"/>
+          <p:cNvSpPr/>
+          <p:nvPr/>
+        </p:nvSpPr>
+        <p:spPr>
+          <a:xfrm>
+            <a:off x="3773170" y="4535805"/>
+            <a:ext cx="738505" cy="2033905"/>
+          </a:xfrm>
+          <a:prstGeom prst="flowChartAlternateProcess">
+            <a:avLst/>
+          </a:prstGeom>
+          <a:noFill/>
+          <a:ln w="38100">
+            <a:solidFill>
+              <a:srgbClr val="CC0000"/>
+            </a:solidFill>
+          </a:ln>
+        </p:spPr>
+        <p:style>
+          <a:lnRef idx="2">
+            <a:schemeClr val="accent1">
+              <a:shade val="50000"/>
+            </a:schemeClr>
+          </a:lnRef>
+          <a:fillRef idx="1">
+            <a:schemeClr val="accent1"/>
+          </a:fillRef>
+          <a:effectRef idx="0">
+            <a:schemeClr val="accent1"/>
+          </a:effectRef>
+          <a:fontRef idx="minor">
+            <a:schemeClr val="lt1"/>
+          </a:fontRef>
+        </p:style>
+        <p:txBody>
+          <a:bodyPr rtlCol="0" anchor="ctr"/>
+          <a:p>
+            <a:pPr algn="ctr"/>
+            <a:endParaRPr lang="en-US"/>
           </a:p>
         </p:txBody>
       </p:sp>
@@ -8765,10 +8247,10 @@
           <a:bodyPr/>
           <a:p>
             <a:r>
-              <a:rPr lang="" altLang="en-US"/>
-              <a:t>Questions:</a:t>
-            </a:r>
-            <a:endParaRPr lang="" altLang="en-US"/>
+              <a:rPr lang="en-US" altLang="en-US"/>
+              <a:t>further steps</a:t>
+            </a:r>
+            <a:endParaRPr lang="en-US" altLang="en-US"/>
           </a:p>
         </p:txBody>
       </p:sp>
@@ -8785,58 +8267,97 @@
           <a:bodyPr/>
           <a:p>
             <a:r>
-              <a:rPr lang="" altLang="en-US"/>
-              <a:t>What about doing with negative examples using the initial iic idea?</a:t>
-            </a:r>
-            <a:endParaRPr lang="" altLang="en-US"/>
-          </a:p>
-          <a:p>
-            <a:r>
-              <a:rPr lang="" altLang="en-US"/>
-              <a:t>How to practically intialize the bounding box?</a:t>
-            </a:r>
-            <a:endParaRPr lang="" altLang="en-US"/>
-          </a:p>
-          <a:p>
-            <a:r>
-              <a:rPr lang="" altLang="en-US"/>
-              <a:t>Do we need address the local contrastive learning?</a:t>
-            </a:r>
-            <a:endParaRPr lang="" altLang="en-US"/>
-          </a:p>
-          <a:p>
-            <a:endParaRPr lang="" altLang="en-US"/>
-          </a:p>
-          <a:p>
-            <a:endParaRPr lang="" altLang="en-US"/>
+              <a:rPr lang="en-US" altLang="en-US"/>
+              <a:t>have a discriminator would help ?</a:t>
+            </a:r>
+            <a:endParaRPr lang="en-US" altLang="en-US"/>
+          </a:p>
+          <a:p>
+            <a:endParaRPr lang="en-US" altLang="en-US"/>
+          </a:p>
+          <a:p>
+            <a:endParaRPr lang="en-US" altLang="en-US"/>
           </a:p>
           <a:p>
             <a:pPr marL="0" indent="0">
               <a:buNone/>
             </a:pPr>
-            <a:r>
-              <a:rPr lang="" altLang="en-US"/>
-              <a:t>having a discriminator for </a:t>
-            </a:r>
-            <a:endParaRPr lang="" altLang="en-US"/>
+            <a:endParaRPr lang="en-US" altLang="en-US"/>
           </a:p>
           <a:p>
             <a:pPr marL="0" indent="0">
               <a:buNone/>
             </a:pPr>
-            <a:endParaRPr lang="" altLang="en-US"/>
-          </a:p>
-          <a:p>
-            <a:endParaRPr lang="" altLang="en-US"/>
-          </a:p>
-          <a:p>
-            <a:endParaRPr lang="" altLang="en-US"/>
-          </a:p>
-          <a:p>
-            <a:endParaRPr lang="" altLang="en-US"/>
-          </a:p>
-        </p:txBody>
-      </p:sp>
+            <a:endParaRPr lang="en-US" altLang="en-US"/>
+          </a:p>
+          <a:p>
+            <a:pPr marL="0" indent="0">
+              <a:buNone/>
+            </a:pPr>
+            <a:endParaRPr lang="en-US" altLang="en-US"/>
+          </a:p>
+          <a:p>
+            <a:r>
+              <a:rPr lang="en-US" altLang="en-US"/>
+              <a:t>Improve the learning strategy using IIC loss</a:t>
+            </a:r>
+            <a:endParaRPr lang="en-US" altLang="en-US"/>
+          </a:p>
+          <a:p>
+            <a:endParaRPr lang="en-US" altLang="en-US"/>
+          </a:p>
+          <a:p>
+            <a:r>
+              <a:rPr lang="en-US" altLang="en-US"/>
+              <a:t>Compared the different methods in `semi-supervised learning` instead of `pretrain-finetuning`</a:t>
+            </a:r>
+            <a:r>
+              <a:rPr lang="" altLang="en-US"/>
+              <a:t>: because</a:t>
+            </a:r>
+            <a:endParaRPr lang="en-US" altLang="en-US"/>
+          </a:p>
+          <a:p>
+            <a:pPr marL="0" indent="0">
+              <a:buNone/>
+            </a:pPr>
+            <a:endParaRPr lang="en-US" altLang="en-US"/>
+          </a:p>
+          <a:p>
+            <a:endParaRPr lang="en-US" altLang="en-US"/>
+          </a:p>
+          <a:p>
+            <a:endParaRPr lang="en-US" altLang="en-US"/>
+          </a:p>
+          <a:p>
+            <a:endParaRPr lang="en-US" altLang="en-US"/>
+          </a:p>
+        </p:txBody>
+      </p:sp>
+      <p:pic>
+        <p:nvPicPr>
+          <p:cNvPr id="3" name="Picture 2"/>
+          <p:cNvPicPr>
+            <a:picLocks noChangeAspect="1"/>
+          </p:cNvPicPr>
+          <p:nvPr/>
+        </p:nvPicPr>
+        <p:blipFill>
+          <a:blip r:embed="rId1"/>
+          <a:stretch>
+            <a:fillRect/>
+          </a:stretch>
+        </p:blipFill>
+        <p:spPr>
+          <a:xfrm>
+            <a:off x="6748780" y="1722120"/>
+            <a:ext cx="2914015" cy="2381250"/>
+          </a:xfrm>
+          <a:prstGeom prst="rect">
+            <a:avLst/>
+          </a:prstGeom>
+        </p:spPr>
+      </p:pic>
     </p:spTree>
   </p:cSld>
   <p:clrMapOvr>
